--- a/vcs/fig/slide.pptx
+++ b/vcs/fig/slide.pptx
@@ -5,11 +5,15 @@
     <p:sldMasterId id="2147483663" r:id="rId1"/>
   </p:sldMasterIdLst>
   <p:notesMasterIdLst>
-    <p:notesMasterId r:id="rId4"/>
+    <p:notesMasterId r:id="rId8"/>
   </p:notesMasterIdLst>
   <p:sldIdLst>
     <p:sldId id="256" r:id="rId2"/>
-    <p:sldId id="273" r:id="rId3"/>
+    <p:sldId id="274" r:id="rId3"/>
+    <p:sldId id="275" r:id="rId4"/>
+    <p:sldId id="276" r:id="rId5"/>
+    <p:sldId id="277" r:id="rId6"/>
+    <p:sldId id="273" r:id="rId7"/>
   </p:sldIdLst>
   <p:sldSz cx="9144000" cy="6858000" type="screen4x3"/>
   <p:notesSz cx="6858000" cy="9144000"/>
@@ -1202,6 +1206,1748 @@
 </file>
 
 <file path=ppt/slides/slide2.xml><?xml version="1.0" encoding="utf-8"?>
+<p:sld xmlns:a="http://schemas.openxmlformats.org/drawingml/2006/main" xmlns:r="http://schemas.openxmlformats.org/officeDocument/2006/relationships" xmlns:p="http://schemas.openxmlformats.org/presentationml/2006/main">
+  <p:cSld>
+    <p:spTree>
+      <p:nvGrpSpPr>
+        <p:cNvPr id="1" name=""/>
+        <p:cNvGrpSpPr/>
+        <p:nvPr/>
+      </p:nvGrpSpPr>
+      <p:grpSpPr>
+        <a:xfrm>
+          <a:off x="0" y="0"/>
+          <a:ext cx="0" cy="0"/>
+          <a:chOff x="0" y="0"/>
+          <a:chExt cx="0" cy="0"/>
+        </a:xfrm>
+      </p:grpSpPr>
+      <p:sp>
+        <p:nvSpPr>
+          <p:cNvPr id="2" name="テキスト プレースホルダー 1">
+            <a:extLst>
+              <a:ext uri="{FF2B5EF4-FFF2-40B4-BE49-F238E27FC236}">
+                <a16:creationId xmlns:a16="http://schemas.microsoft.com/office/drawing/2014/main" id="{88C4BE27-0953-4591-A77E-4A66CC690E05}"/>
+              </a:ext>
+            </a:extLst>
+          </p:cNvPr>
+          <p:cNvSpPr>
+            <a:spLocks noGrp="1"/>
+          </p:cNvSpPr>
+          <p:nvPr>
+            <p:ph type="body" sz="quarter" idx="10"/>
+          </p:nvPr>
+        </p:nvSpPr>
+        <p:spPr/>
+        <p:txBody>
+          <a:bodyPr/>
+          <a:lstStyle/>
+          <a:p>
+            <a:r>
+              <a:rPr lang="ja-JP" altLang="en-US" dirty="0"/>
+              <a:t>バージョンを管理するということ</a:t>
+            </a:r>
+            <a:endParaRPr kumimoji="1" lang="ja-JP" altLang="en-US" dirty="0"/>
+          </a:p>
+        </p:txBody>
+      </p:sp>
+      <p:pic>
+        <p:nvPicPr>
+          <p:cNvPr id="1034" name="Picture 10" descr="パソコンを使う会社員のイラスト（男性・笑顔）">
+            <a:extLst>
+              <a:ext uri="{FF2B5EF4-FFF2-40B4-BE49-F238E27FC236}">
+                <a16:creationId xmlns:a16="http://schemas.microsoft.com/office/drawing/2014/main" id="{C19E5CC8-555F-44FD-A2F6-4C7B76C052AB}"/>
+              </a:ext>
+            </a:extLst>
+          </p:cNvPr>
+          <p:cNvPicPr>
+            <a:picLocks noChangeAspect="1" noChangeArrowheads="1"/>
+          </p:cNvPicPr>
+          <p:nvPr/>
+        </p:nvPicPr>
+        <p:blipFill>
+          <a:blip r:embed="rId2" cstate="print">
+            <a:extLst>
+              <a:ext uri="{28A0092B-C50C-407E-A947-70E740481C1C}">
+                <a14:useLocalDpi xmlns:a14="http://schemas.microsoft.com/office/drawing/2010/main" val="0"/>
+              </a:ext>
+            </a:extLst>
+          </a:blip>
+          <a:srcRect/>
+          <a:stretch>
+            <a:fillRect/>
+          </a:stretch>
+        </p:blipFill>
+        <p:spPr bwMode="auto">
+          <a:xfrm>
+            <a:off x="539552" y="4234439"/>
+            <a:ext cx="850171" cy="1234688"/>
+          </a:xfrm>
+          <a:prstGeom prst="rect">
+            <a:avLst/>
+          </a:prstGeom>
+          <a:noFill/>
+          <a:extLst>
+            <a:ext uri="{909E8E84-426E-40DD-AFC4-6F175D3DCCD1}">
+              <a14:hiddenFill xmlns:a14="http://schemas.microsoft.com/office/drawing/2010/main">
+                <a:solidFill>
+                  <a:srgbClr val="FFFFFF"/>
+                </a:solidFill>
+              </a14:hiddenFill>
+            </a:ext>
+          </a:extLst>
+        </p:spPr>
+      </p:pic>
+      <p:pic>
+        <p:nvPicPr>
+          <p:cNvPr id="1036" name="Picture 12" descr="パソコンを使う会社員のイラスト（男性・怒った顔）">
+            <a:extLst>
+              <a:ext uri="{FF2B5EF4-FFF2-40B4-BE49-F238E27FC236}">
+                <a16:creationId xmlns:a16="http://schemas.microsoft.com/office/drawing/2014/main" id="{29D361C8-32D7-4565-BF59-903FA5346A2C}"/>
+              </a:ext>
+            </a:extLst>
+          </p:cNvPr>
+          <p:cNvPicPr>
+            <a:picLocks noChangeAspect="1" noChangeArrowheads="1"/>
+          </p:cNvPicPr>
+          <p:nvPr/>
+        </p:nvPicPr>
+        <p:blipFill>
+          <a:blip r:embed="rId3" cstate="print">
+            <a:extLst>
+              <a:ext uri="{28A0092B-C50C-407E-A947-70E740481C1C}">
+                <a14:useLocalDpi xmlns:a14="http://schemas.microsoft.com/office/drawing/2010/main" val="0"/>
+              </a:ext>
+            </a:extLst>
+          </a:blip>
+          <a:srcRect/>
+          <a:stretch>
+            <a:fillRect/>
+          </a:stretch>
+        </p:blipFill>
+        <p:spPr bwMode="auto">
+          <a:xfrm>
+            <a:off x="3923928" y="4293096"/>
+            <a:ext cx="800684" cy="1162819"/>
+          </a:xfrm>
+          <a:prstGeom prst="rect">
+            <a:avLst/>
+          </a:prstGeom>
+          <a:noFill/>
+          <a:extLst>
+            <a:ext uri="{909E8E84-426E-40DD-AFC4-6F175D3DCCD1}">
+              <a14:hiddenFill xmlns:a14="http://schemas.microsoft.com/office/drawing/2010/main">
+                <a:solidFill>
+                  <a:srgbClr val="FFFFFF"/>
+                </a:solidFill>
+              </a14:hiddenFill>
+            </a:ext>
+          </a:extLst>
+        </p:spPr>
+      </p:pic>
+      <p:pic>
+        <p:nvPicPr>
+          <p:cNvPr id="1038" name="Picture 14" descr="ノートパソコンのキャラクター（笑顔）">
+            <a:extLst>
+              <a:ext uri="{FF2B5EF4-FFF2-40B4-BE49-F238E27FC236}">
+                <a16:creationId xmlns:a16="http://schemas.microsoft.com/office/drawing/2014/main" id="{90148B63-9254-46AE-9085-E0ECB7BABC45}"/>
+              </a:ext>
+            </a:extLst>
+          </p:cNvPr>
+          <p:cNvPicPr>
+            <a:picLocks noChangeAspect="1" noChangeArrowheads="1"/>
+          </p:cNvPicPr>
+          <p:nvPr/>
+        </p:nvPicPr>
+        <p:blipFill>
+          <a:blip r:embed="rId4">
+            <a:extLst>
+              <a:ext uri="{28A0092B-C50C-407E-A947-70E740481C1C}">
+                <a14:useLocalDpi xmlns:a14="http://schemas.microsoft.com/office/drawing/2010/main" val="0"/>
+              </a:ext>
+            </a:extLst>
+          </a:blip>
+          <a:srcRect/>
+          <a:stretch>
+            <a:fillRect/>
+          </a:stretch>
+        </p:blipFill>
+        <p:spPr bwMode="auto">
+          <a:xfrm>
+            <a:off x="1979712" y="1988840"/>
+            <a:ext cx="1296144" cy="1211895"/>
+          </a:xfrm>
+          <a:prstGeom prst="rect">
+            <a:avLst/>
+          </a:prstGeom>
+          <a:noFill/>
+          <a:extLst>
+            <a:ext uri="{909E8E84-426E-40DD-AFC4-6F175D3DCCD1}">
+              <a14:hiddenFill xmlns:a14="http://schemas.microsoft.com/office/drawing/2010/main">
+                <a:solidFill>
+                  <a:srgbClr val="FFFFFF"/>
+                </a:solidFill>
+              </a14:hiddenFill>
+            </a:ext>
+          </a:extLst>
+        </p:spPr>
+      </p:pic>
+      <p:sp>
+        <p:nvSpPr>
+          <p:cNvPr id="4" name="テキスト ボックス 3">
+            <a:extLst>
+              <a:ext uri="{FF2B5EF4-FFF2-40B4-BE49-F238E27FC236}">
+                <a16:creationId xmlns:a16="http://schemas.microsoft.com/office/drawing/2014/main" id="{8A110726-C59B-40EC-8D36-DB48706FF173}"/>
+              </a:ext>
+            </a:extLst>
+          </p:cNvPr>
+          <p:cNvSpPr txBox="1"/>
+          <p:nvPr/>
+        </p:nvSpPr>
+        <p:spPr>
+          <a:xfrm>
+            <a:off x="2195736" y="3212976"/>
+            <a:ext cx="902811" cy="523220"/>
+          </a:xfrm>
+          <a:prstGeom prst="rect">
+            <a:avLst/>
+          </a:prstGeom>
+          <a:noFill/>
+        </p:spPr>
+        <p:txBody>
+          <a:bodyPr wrap="none" rtlCol="0">
+            <a:spAutoFit/>
+          </a:bodyPr>
+          <a:lstStyle/>
+          <a:p>
+            <a:r>
+              <a:rPr lang="ja-JP" altLang="en-US" sz="2800" dirty="0"/>
+              <a:t>実行</a:t>
+            </a:r>
+            <a:endParaRPr kumimoji="1" lang="ja-JP" altLang="en-US" sz="2800" dirty="0"/>
+          </a:p>
+        </p:txBody>
+      </p:sp>
+      <p:sp>
+        <p:nvSpPr>
+          <p:cNvPr id="12" name="テキスト ボックス 11">
+            <a:extLst>
+              <a:ext uri="{FF2B5EF4-FFF2-40B4-BE49-F238E27FC236}">
+                <a16:creationId xmlns:a16="http://schemas.microsoft.com/office/drawing/2014/main" id="{39119F40-FF6B-44E2-8255-959E11EEBA48}"/>
+              </a:ext>
+            </a:extLst>
+          </p:cNvPr>
+          <p:cNvSpPr txBox="1"/>
+          <p:nvPr/>
+        </p:nvSpPr>
+        <p:spPr>
+          <a:xfrm>
+            <a:off x="539552" y="5439637"/>
+            <a:ext cx="902811" cy="523220"/>
+          </a:xfrm>
+          <a:prstGeom prst="rect">
+            <a:avLst/>
+          </a:prstGeom>
+          <a:noFill/>
+        </p:spPr>
+        <p:txBody>
+          <a:bodyPr wrap="none" rtlCol="0">
+            <a:spAutoFit/>
+          </a:bodyPr>
+          <a:lstStyle/>
+          <a:p>
+            <a:r>
+              <a:rPr lang="ja-JP" altLang="en-US" sz="2800" dirty="0"/>
+              <a:t>開発</a:t>
+            </a:r>
+            <a:endParaRPr kumimoji="1" lang="ja-JP" altLang="en-US" sz="2800" dirty="0"/>
+          </a:p>
+        </p:txBody>
+      </p:sp>
+      <p:sp>
+        <p:nvSpPr>
+          <p:cNvPr id="13" name="テキスト ボックス 12">
+            <a:extLst>
+              <a:ext uri="{FF2B5EF4-FFF2-40B4-BE49-F238E27FC236}">
+                <a16:creationId xmlns:a16="http://schemas.microsoft.com/office/drawing/2014/main" id="{D555866E-DCB5-4F69-B3B8-BD8293C731AA}"/>
+              </a:ext>
+            </a:extLst>
+          </p:cNvPr>
+          <p:cNvSpPr txBox="1"/>
+          <p:nvPr/>
+        </p:nvSpPr>
+        <p:spPr>
+          <a:xfrm>
+            <a:off x="3635896" y="5445224"/>
+            <a:ext cx="1620957" cy="523220"/>
+          </a:xfrm>
+          <a:prstGeom prst="rect">
+            <a:avLst/>
+          </a:prstGeom>
+          <a:noFill/>
+        </p:spPr>
+        <p:txBody>
+          <a:bodyPr wrap="none" rtlCol="0">
+            <a:spAutoFit/>
+          </a:bodyPr>
+          <a:lstStyle/>
+          <a:p>
+            <a:r>
+              <a:rPr lang="ja-JP" altLang="en-US" sz="2800" dirty="0"/>
+              <a:t>デバッグ</a:t>
+            </a:r>
+            <a:endParaRPr kumimoji="1" lang="ja-JP" altLang="en-US" sz="2800" dirty="0"/>
+          </a:p>
+        </p:txBody>
+      </p:sp>
+      <p:sp>
+        <p:nvSpPr>
+          <p:cNvPr id="5" name="矢印: 下 4">
+            <a:extLst>
+              <a:ext uri="{FF2B5EF4-FFF2-40B4-BE49-F238E27FC236}">
+                <a16:creationId xmlns:a16="http://schemas.microsoft.com/office/drawing/2014/main" id="{53EA26A2-9114-49D6-8CB8-E74B0AF76B5C}"/>
+              </a:ext>
+            </a:extLst>
+          </p:cNvPr>
+          <p:cNvSpPr/>
+          <p:nvPr/>
+        </p:nvSpPr>
+        <p:spPr>
+          <a:xfrm rot="2700000">
+            <a:off x="1332432" y="3372637"/>
+            <a:ext cx="504056" cy="618368"/>
+          </a:xfrm>
+          <a:prstGeom prst="downArrow">
+            <a:avLst/>
+          </a:prstGeom>
+          <a:solidFill>
+            <a:srgbClr val="FF0000"/>
+          </a:solidFill>
+          <a:ln>
+            <a:solidFill>
+              <a:schemeClr val="tx1"/>
+            </a:solidFill>
+          </a:ln>
+        </p:spPr>
+        <p:style>
+          <a:lnRef idx="2">
+            <a:schemeClr val="accent1">
+              <a:shade val="50000"/>
+            </a:schemeClr>
+          </a:lnRef>
+          <a:fillRef idx="1">
+            <a:schemeClr val="accent1"/>
+          </a:fillRef>
+          <a:effectRef idx="0">
+            <a:schemeClr val="accent1"/>
+          </a:effectRef>
+          <a:fontRef idx="minor">
+            <a:schemeClr val="lt1"/>
+          </a:fontRef>
+        </p:style>
+        <p:txBody>
+          <a:bodyPr rtlCol="0" anchor="ctr"/>
+          <a:lstStyle/>
+          <a:p>
+            <a:pPr algn="ctr"/>
+            <a:endParaRPr kumimoji="1" lang="ja-JP" altLang="en-US"/>
+          </a:p>
+        </p:txBody>
+      </p:sp>
+      <p:sp>
+        <p:nvSpPr>
+          <p:cNvPr id="15" name="矢印: 下 14">
+            <a:extLst>
+              <a:ext uri="{FF2B5EF4-FFF2-40B4-BE49-F238E27FC236}">
+                <a16:creationId xmlns:a16="http://schemas.microsoft.com/office/drawing/2014/main" id="{F21E51E4-A8B1-4A8F-9D7E-14B0CFED8318}"/>
+              </a:ext>
+            </a:extLst>
+          </p:cNvPr>
+          <p:cNvSpPr/>
+          <p:nvPr/>
+        </p:nvSpPr>
+        <p:spPr>
+          <a:xfrm rot="16200000">
+            <a:off x="2396908" y="5172044"/>
+            <a:ext cx="504056" cy="618368"/>
+          </a:xfrm>
+          <a:prstGeom prst="downArrow">
+            <a:avLst/>
+          </a:prstGeom>
+          <a:solidFill>
+            <a:srgbClr val="FF0000"/>
+          </a:solidFill>
+          <a:ln>
+            <a:solidFill>
+              <a:schemeClr val="tx1"/>
+            </a:solidFill>
+          </a:ln>
+        </p:spPr>
+        <p:style>
+          <a:lnRef idx="2">
+            <a:schemeClr val="accent1">
+              <a:shade val="50000"/>
+            </a:schemeClr>
+          </a:lnRef>
+          <a:fillRef idx="1">
+            <a:schemeClr val="accent1"/>
+          </a:fillRef>
+          <a:effectRef idx="0">
+            <a:schemeClr val="accent1"/>
+          </a:effectRef>
+          <a:fontRef idx="minor">
+            <a:schemeClr val="lt1"/>
+          </a:fontRef>
+        </p:style>
+        <p:txBody>
+          <a:bodyPr rtlCol="0" anchor="ctr"/>
+          <a:lstStyle/>
+          <a:p>
+            <a:pPr algn="ctr"/>
+            <a:endParaRPr kumimoji="1" lang="ja-JP" altLang="en-US"/>
+          </a:p>
+        </p:txBody>
+      </p:sp>
+      <p:sp>
+        <p:nvSpPr>
+          <p:cNvPr id="16" name="矢印: 下 15">
+            <a:extLst>
+              <a:ext uri="{FF2B5EF4-FFF2-40B4-BE49-F238E27FC236}">
+                <a16:creationId xmlns:a16="http://schemas.microsoft.com/office/drawing/2014/main" id="{A84D48F6-840A-4DE6-A03A-5C8122DEF969}"/>
+              </a:ext>
+            </a:extLst>
+          </p:cNvPr>
+          <p:cNvSpPr/>
+          <p:nvPr/>
+        </p:nvSpPr>
+        <p:spPr>
+          <a:xfrm rot="8100000">
+            <a:off x="3564680" y="3300629"/>
+            <a:ext cx="504056" cy="618368"/>
+          </a:xfrm>
+          <a:prstGeom prst="downArrow">
+            <a:avLst/>
+          </a:prstGeom>
+          <a:solidFill>
+            <a:srgbClr val="FF0000"/>
+          </a:solidFill>
+          <a:ln>
+            <a:solidFill>
+              <a:schemeClr val="tx1"/>
+            </a:solidFill>
+          </a:ln>
+        </p:spPr>
+        <p:style>
+          <a:lnRef idx="2">
+            <a:schemeClr val="accent1">
+              <a:shade val="50000"/>
+            </a:schemeClr>
+          </a:lnRef>
+          <a:fillRef idx="1">
+            <a:schemeClr val="accent1"/>
+          </a:fillRef>
+          <a:effectRef idx="0">
+            <a:schemeClr val="accent1"/>
+          </a:effectRef>
+          <a:fontRef idx="minor">
+            <a:schemeClr val="lt1"/>
+          </a:fontRef>
+        </p:style>
+        <p:txBody>
+          <a:bodyPr rtlCol="0" anchor="ctr"/>
+          <a:lstStyle/>
+          <a:p>
+            <a:pPr algn="ctr"/>
+            <a:endParaRPr kumimoji="1" lang="ja-JP" altLang="en-US"/>
+          </a:p>
+        </p:txBody>
+      </p:sp>
+      <p:pic>
+        <p:nvPicPr>
+          <p:cNvPr id="17" name="Picture 6" descr="作文の添削をしている先生のイラスト（男性）">
+            <a:extLst>
+              <a:ext uri="{FF2B5EF4-FFF2-40B4-BE49-F238E27FC236}">
+                <a16:creationId xmlns:a16="http://schemas.microsoft.com/office/drawing/2014/main" id="{3CF1DA45-B532-49C0-B4ED-9A1B0843FFD3}"/>
+              </a:ext>
+            </a:extLst>
+          </p:cNvPr>
+          <p:cNvPicPr>
+            <a:picLocks noChangeAspect="1" noChangeArrowheads="1"/>
+          </p:cNvPicPr>
+          <p:nvPr/>
+        </p:nvPicPr>
+        <p:blipFill>
+          <a:blip r:embed="rId5" cstate="print">
+            <a:extLst>
+              <a:ext uri="{28A0092B-C50C-407E-A947-70E740481C1C}">
+                <a14:useLocalDpi xmlns:a14="http://schemas.microsoft.com/office/drawing/2010/main" val="0"/>
+              </a:ext>
+            </a:extLst>
+          </a:blip>
+          <a:srcRect/>
+          <a:stretch>
+            <a:fillRect/>
+          </a:stretch>
+        </p:blipFill>
+        <p:spPr bwMode="auto">
+          <a:xfrm>
+            <a:off x="6660232" y="1916832"/>
+            <a:ext cx="1080120" cy="1289695"/>
+          </a:xfrm>
+          <a:prstGeom prst="rect">
+            <a:avLst/>
+          </a:prstGeom>
+          <a:noFill/>
+          <a:extLst>
+            <a:ext uri="{909E8E84-426E-40DD-AFC4-6F175D3DCCD1}">
+              <a14:hiddenFill xmlns:a14="http://schemas.microsoft.com/office/drawing/2010/main">
+                <a:solidFill>
+                  <a:srgbClr val="FFFFFF"/>
+                </a:solidFill>
+              </a14:hiddenFill>
+            </a:ext>
+          </a:extLst>
+        </p:spPr>
+      </p:pic>
+      <p:pic>
+        <p:nvPicPr>
+          <p:cNvPr id="18" name="Picture 2" descr="読書感想文を書く男の子のイラスト">
+            <a:extLst>
+              <a:ext uri="{FF2B5EF4-FFF2-40B4-BE49-F238E27FC236}">
+                <a16:creationId xmlns:a16="http://schemas.microsoft.com/office/drawing/2014/main" id="{90A7C53A-C621-438B-A31E-680D37172F8E}"/>
+              </a:ext>
+            </a:extLst>
+          </p:cNvPr>
+          <p:cNvPicPr>
+            <a:picLocks noChangeAspect="1" noChangeArrowheads="1"/>
+          </p:cNvPicPr>
+          <p:nvPr/>
+        </p:nvPicPr>
+        <p:blipFill>
+          <a:blip r:embed="rId6" cstate="print">
+            <a:extLst>
+              <a:ext uri="{28A0092B-C50C-407E-A947-70E740481C1C}">
+                <a14:useLocalDpi xmlns:a14="http://schemas.microsoft.com/office/drawing/2010/main" val="0"/>
+              </a:ext>
+            </a:extLst>
+          </a:blip>
+          <a:srcRect/>
+          <a:stretch>
+            <a:fillRect/>
+          </a:stretch>
+        </p:blipFill>
+        <p:spPr bwMode="auto">
+          <a:xfrm>
+            <a:off x="6660232" y="4293096"/>
+            <a:ext cx="1222010" cy="1289720"/>
+          </a:xfrm>
+          <a:prstGeom prst="rect">
+            <a:avLst/>
+          </a:prstGeom>
+          <a:noFill/>
+          <a:extLst>
+            <a:ext uri="{909E8E84-426E-40DD-AFC4-6F175D3DCCD1}">
+              <a14:hiddenFill xmlns:a14="http://schemas.microsoft.com/office/drawing/2010/main">
+                <a:solidFill>
+                  <a:srgbClr val="FFFFFF"/>
+                </a:solidFill>
+              </a14:hiddenFill>
+            </a:ext>
+          </a:extLst>
+        </p:spPr>
+      </p:pic>
+      <p:sp>
+        <p:nvSpPr>
+          <p:cNvPr id="19" name="テキスト ボックス 18">
+            <a:extLst>
+              <a:ext uri="{FF2B5EF4-FFF2-40B4-BE49-F238E27FC236}">
+                <a16:creationId xmlns:a16="http://schemas.microsoft.com/office/drawing/2014/main" id="{C2D7F916-7104-407D-A595-51543E1B2866}"/>
+              </a:ext>
+            </a:extLst>
+          </p:cNvPr>
+          <p:cNvSpPr txBox="1"/>
+          <p:nvPr/>
+        </p:nvSpPr>
+        <p:spPr>
+          <a:xfrm>
+            <a:off x="1331640" y="6237312"/>
+            <a:ext cx="6647974" cy="523220"/>
+          </a:xfrm>
+          <a:prstGeom prst="rect">
+            <a:avLst/>
+          </a:prstGeom>
+          <a:noFill/>
+        </p:spPr>
+        <p:txBody>
+          <a:bodyPr wrap="none" rtlCol="0">
+            <a:spAutoFit/>
+          </a:bodyPr>
+          <a:lstStyle/>
+          <a:p>
+            <a:r>
+              <a:rPr kumimoji="1" lang="ja-JP" altLang="en-US" sz="2800" dirty="0"/>
+              <a:t>多くの知的生産活動は、修正を繰り返す</a:t>
+            </a:r>
+          </a:p>
+        </p:txBody>
+      </p:sp>
+      <p:sp>
+        <p:nvSpPr>
+          <p:cNvPr id="20" name="テキスト ボックス 19">
+            <a:extLst>
+              <a:ext uri="{FF2B5EF4-FFF2-40B4-BE49-F238E27FC236}">
+                <a16:creationId xmlns:a16="http://schemas.microsoft.com/office/drawing/2014/main" id="{A534F153-3A30-4062-80AB-C30E6D3D9F1F}"/>
+              </a:ext>
+            </a:extLst>
+          </p:cNvPr>
+          <p:cNvSpPr txBox="1"/>
+          <p:nvPr/>
+        </p:nvSpPr>
+        <p:spPr>
+          <a:xfrm>
+            <a:off x="6804248" y="5589240"/>
+            <a:ext cx="902811" cy="523220"/>
+          </a:xfrm>
+          <a:prstGeom prst="rect">
+            <a:avLst/>
+          </a:prstGeom>
+          <a:noFill/>
+        </p:spPr>
+        <p:txBody>
+          <a:bodyPr wrap="none" rtlCol="0">
+            <a:spAutoFit/>
+          </a:bodyPr>
+          <a:lstStyle/>
+          <a:p>
+            <a:r>
+              <a:rPr lang="ja-JP" altLang="en-US" sz="2800" dirty="0"/>
+              <a:t>執筆</a:t>
+            </a:r>
+            <a:endParaRPr kumimoji="1" lang="ja-JP" altLang="en-US" sz="2800" dirty="0"/>
+          </a:p>
+        </p:txBody>
+      </p:sp>
+      <p:sp>
+        <p:nvSpPr>
+          <p:cNvPr id="6" name="矢印: 右カーブ 5">
+            <a:extLst>
+              <a:ext uri="{FF2B5EF4-FFF2-40B4-BE49-F238E27FC236}">
+                <a16:creationId xmlns:a16="http://schemas.microsoft.com/office/drawing/2014/main" id="{0435D55A-71AE-425D-8FF7-3D66C9D01B9E}"/>
+              </a:ext>
+            </a:extLst>
+          </p:cNvPr>
+          <p:cNvSpPr/>
+          <p:nvPr/>
+        </p:nvSpPr>
+        <p:spPr>
+          <a:xfrm>
+            <a:off x="6084168" y="3140968"/>
+            <a:ext cx="504056" cy="1360168"/>
+          </a:xfrm>
+          <a:prstGeom prst="curvedRightArrow">
+            <a:avLst/>
+          </a:prstGeom>
+          <a:solidFill>
+            <a:srgbClr val="FF0000"/>
+          </a:solidFill>
+          <a:ln>
+            <a:solidFill>
+              <a:schemeClr val="tx1"/>
+            </a:solidFill>
+          </a:ln>
+        </p:spPr>
+        <p:style>
+          <a:lnRef idx="2">
+            <a:schemeClr val="accent1">
+              <a:shade val="50000"/>
+            </a:schemeClr>
+          </a:lnRef>
+          <a:fillRef idx="1">
+            <a:schemeClr val="accent1"/>
+          </a:fillRef>
+          <a:effectRef idx="0">
+            <a:schemeClr val="accent1"/>
+          </a:effectRef>
+          <a:fontRef idx="minor">
+            <a:schemeClr val="lt1"/>
+          </a:fontRef>
+        </p:style>
+        <p:txBody>
+          <a:bodyPr rtlCol="0" anchor="ctr"/>
+          <a:lstStyle/>
+          <a:p>
+            <a:pPr algn="ctr"/>
+            <a:endParaRPr kumimoji="1" lang="ja-JP" altLang="en-US">
+              <a:solidFill>
+                <a:schemeClr val="tx1"/>
+              </a:solidFill>
+            </a:endParaRPr>
+          </a:p>
+        </p:txBody>
+      </p:sp>
+      <p:sp>
+        <p:nvSpPr>
+          <p:cNvPr id="22" name="矢印: 右カーブ 21">
+            <a:extLst>
+              <a:ext uri="{FF2B5EF4-FFF2-40B4-BE49-F238E27FC236}">
+                <a16:creationId xmlns:a16="http://schemas.microsoft.com/office/drawing/2014/main" id="{CD013CB6-5BAB-466B-AD1F-0D59530D21E2}"/>
+              </a:ext>
+            </a:extLst>
+          </p:cNvPr>
+          <p:cNvSpPr/>
+          <p:nvPr/>
+        </p:nvSpPr>
+        <p:spPr>
+          <a:xfrm rot="10800000">
+            <a:off x="7884368" y="3068960"/>
+            <a:ext cx="504056" cy="1360168"/>
+          </a:xfrm>
+          <a:prstGeom prst="curvedRightArrow">
+            <a:avLst/>
+          </a:prstGeom>
+          <a:solidFill>
+            <a:srgbClr val="FF0000"/>
+          </a:solidFill>
+          <a:ln>
+            <a:solidFill>
+              <a:schemeClr val="tx1"/>
+            </a:solidFill>
+          </a:ln>
+        </p:spPr>
+        <p:style>
+          <a:lnRef idx="2">
+            <a:schemeClr val="accent1">
+              <a:shade val="50000"/>
+            </a:schemeClr>
+          </a:lnRef>
+          <a:fillRef idx="1">
+            <a:schemeClr val="accent1"/>
+          </a:fillRef>
+          <a:effectRef idx="0">
+            <a:schemeClr val="accent1"/>
+          </a:effectRef>
+          <a:fontRef idx="minor">
+            <a:schemeClr val="lt1"/>
+          </a:fontRef>
+        </p:style>
+        <p:txBody>
+          <a:bodyPr rtlCol="0" anchor="ctr"/>
+          <a:lstStyle/>
+          <a:p>
+            <a:pPr algn="ctr"/>
+            <a:endParaRPr kumimoji="1" lang="ja-JP" altLang="en-US">
+              <a:solidFill>
+                <a:schemeClr val="tx1"/>
+              </a:solidFill>
+            </a:endParaRPr>
+          </a:p>
+        </p:txBody>
+      </p:sp>
+      <p:sp>
+        <p:nvSpPr>
+          <p:cNvPr id="23" name="テキスト ボックス 22">
+            <a:extLst>
+              <a:ext uri="{FF2B5EF4-FFF2-40B4-BE49-F238E27FC236}">
+                <a16:creationId xmlns:a16="http://schemas.microsoft.com/office/drawing/2014/main" id="{5C5C9915-9979-4836-A8A6-35620A9723F1}"/>
+              </a:ext>
+            </a:extLst>
+          </p:cNvPr>
+          <p:cNvSpPr txBox="1"/>
+          <p:nvPr/>
+        </p:nvSpPr>
+        <p:spPr>
+          <a:xfrm>
+            <a:off x="6804248" y="3140968"/>
+            <a:ext cx="1080119" cy="523220"/>
+          </a:xfrm>
+          <a:prstGeom prst="rect">
+            <a:avLst/>
+          </a:prstGeom>
+          <a:noFill/>
+        </p:spPr>
+        <p:txBody>
+          <a:bodyPr wrap="square" rtlCol="0">
+            <a:spAutoFit/>
+          </a:bodyPr>
+          <a:lstStyle/>
+          <a:p>
+            <a:r>
+              <a:rPr lang="ja-JP" altLang="en-US" sz="2800" dirty="0"/>
+              <a:t>添削</a:t>
+            </a:r>
+            <a:endParaRPr kumimoji="1" lang="ja-JP" altLang="en-US" sz="2800" dirty="0"/>
+          </a:p>
+        </p:txBody>
+      </p:sp>
+      <p:sp>
+        <p:nvSpPr>
+          <p:cNvPr id="7" name="テキスト ボックス 6">
+            <a:extLst>
+              <a:ext uri="{FF2B5EF4-FFF2-40B4-BE49-F238E27FC236}">
+                <a16:creationId xmlns:a16="http://schemas.microsoft.com/office/drawing/2014/main" id="{EB1C9387-1A78-4F46-953C-6B931F990022}"/>
+              </a:ext>
+            </a:extLst>
+          </p:cNvPr>
+          <p:cNvSpPr txBox="1"/>
+          <p:nvPr/>
+        </p:nvSpPr>
+        <p:spPr>
+          <a:xfrm>
+            <a:off x="1331640" y="1412776"/>
+            <a:ext cx="2339102" cy="461665"/>
+          </a:xfrm>
+          <a:prstGeom prst="rect">
+            <a:avLst/>
+          </a:prstGeom>
+          <a:noFill/>
+        </p:spPr>
+        <p:txBody>
+          <a:bodyPr wrap="none" rtlCol="0">
+            <a:spAutoFit/>
+          </a:bodyPr>
+          <a:lstStyle/>
+          <a:p>
+            <a:r>
+              <a:rPr lang="ja-JP" altLang="en-US" sz="2400"/>
+              <a:t>プログラム開発</a:t>
+            </a:r>
+            <a:endParaRPr kumimoji="1" lang="ja-JP" altLang="en-US" sz="2400"/>
+          </a:p>
+        </p:txBody>
+      </p:sp>
+      <p:sp>
+        <p:nvSpPr>
+          <p:cNvPr id="25" name="テキスト ボックス 24">
+            <a:extLst>
+              <a:ext uri="{FF2B5EF4-FFF2-40B4-BE49-F238E27FC236}">
+                <a16:creationId xmlns:a16="http://schemas.microsoft.com/office/drawing/2014/main" id="{3A24FEEA-C97A-44D4-8857-6D747B584A02}"/>
+              </a:ext>
+            </a:extLst>
+          </p:cNvPr>
+          <p:cNvSpPr txBox="1"/>
+          <p:nvPr/>
+        </p:nvSpPr>
+        <p:spPr>
+          <a:xfrm>
+            <a:off x="6444208" y="1412776"/>
+            <a:ext cx="1415772" cy="461665"/>
+          </a:xfrm>
+          <a:prstGeom prst="rect">
+            <a:avLst/>
+          </a:prstGeom>
+          <a:noFill/>
+        </p:spPr>
+        <p:txBody>
+          <a:bodyPr wrap="none" rtlCol="0">
+            <a:spAutoFit/>
+          </a:bodyPr>
+          <a:lstStyle/>
+          <a:p>
+            <a:r>
+              <a:rPr kumimoji="1" lang="ja-JP" altLang="en-US" sz="2400" dirty="0"/>
+              <a:t>論文執筆</a:t>
+            </a:r>
+          </a:p>
+        </p:txBody>
+      </p:sp>
+    </p:spTree>
+    <p:extLst>
+      <p:ext uri="{BB962C8B-B14F-4D97-AF65-F5344CB8AC3E}">
+        <p14:creationId xmlns:p14="http://schemas.microsoft.com/office/powerpoint/2010/main" val="1184885540"/>
+      </p:ext>
+    </p:extLst>
+  </p:cSld>
+  <p:clrMapOvr>
+    <a:masterClrMapping/>
+  </p:clrMapOvr>
+</p:sld>
+</file>
+
+<file path=ppt/slides/slide3.xml><?xml version="1.0" encoding="utf-8"?>
+<p:sld xmlns:a="http://schemas.openxmlformats.org/drawingml/2006/main" xmlns:r="http://schemas.openxmlformats.org/officeDocument/2006/relationships" xmlns:p="http://schemas.openxmlformats.org/presentationml/2006/main">
+  <p:cSld>
+    <p:spTree>
+      <p:nvGrpSpPr>
+        <p:cNvPr id="1" name=""/>
+        <p:cNvGrpSpPr/>
+        <p:nvPr/>
+      </p:nvGrpSpPr>
+      <p:grpSpPr>
+        <a:xfrm>
+          <a:off x="0" y="0"/>
+          <a:ext cx="0" cy="0"/>
+          <a:chOff x="0" y="0"/>
+          <a:chExt cx="0" cy="0"/>
+        </a:xfrm>
+      </p:grpSpPr>
+      <p:sp>
+        <p:nvSpPr>
+          <p:cNvPr id="2" name="テキスト プレースホルダー 1">
+            <a:extLst>
+              <a:ext uri="{FF2B5EF4-FFF2-40B4-BE49-F238E27FC236}">
+                <a16:creationId xmlns:a16="http://schemas.microsoft.com/office/drawing/2014/main" id="{36728E34-BD26-46B4-A403-7FEADAA3AF62}"/>
+              </a:ext>
+            </a:extLst>
+          </p:cNvPr>
+          <p:cNvSpPr>
+            <a:spLocks noGrp="1"/>
+          </p:cNvSpPr>
+          <p:nvPr>
+            <p:ph type="body" sz="quarter" idx="10"/>
+          </p:nvPr>
+        </p:nvSpPr>
+        <p:spPr/>
+        <p:txBody>
+          <a:bodyPr/>
+          <a:lstStyle/>
+          <a:p>
+            <a:r>
+              <a:rPr lang="ja-JP" altLang="en-US" dirty="0"/>
+              <a:t>バージョンを管理するということ</a:t>
+            </a:r>
+            <a:endParaRPr kumimoji="1" lang="ja-JP" altLang="en-US" dirty="0"/>
+          </a:p>
+        </p:txBody>
+      </p:sp>
+      <p:sp>
+        <p:nvSpPr>
+          <p:cNvPr id="5" name="テキスト ボックス 4">
+            <a:extLst>
+              <a:ext uri="{FF2B5EF4-FFF2-40B4-BE49-F238E27FC236}">
+                <a16:creationId xmlns:a16="http://schemas.microsoft.com/office/drawing/2014/main" id="{79B190CD-BBD5-4832-B55F-C776271FA39A}"/>
+              </a:ext>
+            </a:extLst>
+          </p:cNvPr>
+          <p:cNvSpPr txBox="1"/>
+          <p:nvPr/>
+        </p:nvSpPr>
+        <p:spPr>
+          <a:xfrm>
+            <a:off x="1619672" y="1412776"/>
+            <a:ext cx="3257623" cy="523220"/>
+          </a:xfrm>
+          <a:prstGeom prst="rect">
+            <a:avLst/>
+          </a:prstGeom>
+          <a:noFill/>
+        </p:spPr>
+        <p:txBody>
+          <a:bodyPr wrap="none" rtlCol="0">
+            <a:spAutoFit/>
+          </a:bodyPr>
+          <a:lstStyle/>
+          <a:p>
+            <a:r>
+              <a:rPr kumimoji="1" lang="ja-JP" altLang="en-US" sz="2800" dirty="0"/>
+              <a:t>ありがちな事例</a:t>
+            </a:r>
+            <a:r>
+              <a:rPr kumimoji="1" lang="en-US" altLang="ja-JP" sz="2800" dirty="0"/>
+              <a:t>1</a:t>
+            </a:r>
+            <a:r>
+              <a:rPr kumimoji="1" lang="ja-JP" altLang="en-US" sz="2800" dirty="0"/>
+              <a:t>：</a:t>
+            </a:r>
+          </a:p>
+        </p:txBody>
+      </p:sp>
+      <p:sp>
+        <p:nvSpPr>
+          <p:cNvPr id="6" name="テキスト ボックス 5">
+            <a:extLst>
+              <a:ext uri="{FF2B5EF4-FFF2-40B4-BE49-F238E27FC236}">
+                <a16:creationId xmlns:a16="http://schemas.microsoft.com/office/drawing/2014/main" id="{B0D92C1C-00F9-41C3-8F8F-39E9BC4B5FD3}"/>
+              </a:ext>
+            </a:extLst>
+          </p:cNvPr>
+          <p:cNvSpPr txBox="1"/>
+          <p:nvPr/>
+        </p:nvSpPr>
+        <p:spPr>
+          <a:xfrm>
+            <a:off x="2195736" y="2060848"/>
+            <a:ext cx="6768752" cy="1200329"/>
+          </a:xfrm>
+          <a:prstGeom prst="rect">
+            <a:avLst/>
+          </a:prstGeom>
+          <a:noFill/>
+        </p:spPr>
+        <p:txBody>
+          <a:bodyPr wrap="square" rtlCol="0">
+            <a:spAutoFit/>
+          </a:bodyPr>
+          <a:lstStyle/>
+          <a:p>
+            <a:r>
+              <a:rPr kumimoji="1" lang="ja-JP" altLang="en-US" sz="2400" dirty="0"/>
+              <a:t>先生</a:t>
+            </a:r>
+            <a:r>
+              <a:rPr lang="ja-JP" altLang="en-US" sz="2400" dirty="0"/>
+              <a:t>から添削済みの</a:t>
+            </a:r>
+            <a:r>
+              <a:rPr kumimoji="1" lang="ja-JP" altLang="en-US" sz="2400" dirty="0"/>
+              <a:t>論文受け取ったとき、家で修正した最新版ではなく、大学の</a:t>
+            </a:r>
+            <a:r>
+              <a:rPr kumimoji="1" lang="en-US" altLang="ja-JP" sz="2400" dirty="0"/>
+              <a:t>PC</a:t>
+            </a:r>
+            <a:r>
+              <a:rPr kumimoji="1" lang="ja-JP" altLang="en-US" sz="2400" dirty="0"/>
+              <a:t>に入っていた古い版を渡していたことに気づく</a:t>
+            </a:r>
+          </a:p>
+        </p:txBody>
+      </p:sp>
+      <p:sp>
+        <p:nvSpPr>
+          <p:cNvPr id="8" name="テキスト ボックス 7">
+            <a:extLst>
+              <a:ext uri="{FF2B5EF4-FFF2-40B4-BE49-F238E27FC236}">
+                <a16:creationId xmlns:a16="http://schemas.microsoft.com/office/drawing/2014/main" id="{D6661DE4-AE1E-4E18-BA7E-4B3E00773237}"/>
+              </a:ext>
+            </a:extLst>
+          </p:cNvPr>
+          <p:cNvSpPr txBox="1"/>
+          <p:nvPr/>
+        </p:nvSpPr>
+        <p:spPr>
+          <a:xfrm>
+            <a:off x="251520" y="4221088"/>
+            <a:ext cx="3257623" cy="523220"/>
+          </a:xfrm>
+          <a:prstGeom prst="rect">
+            <a:avLst/>
+          </a:prstGeom>
+          <a:noFill/>
+        </p:spPr>
+        <p:txBody>
+          <a:bodyPr wrap="square" rtlCol="0">
+            <a:spAutoFit/>
+          </a:bodyPr>
+          <a:lstStyle/>
+          <a:p>
+            <a:r>
+              <a:rPr kumimoji="1" lang="ja-JP" altLang="en-US" sz="2800" dirty="0"/>
+              <a:t>ありがちな事例</a:t>
+            </a:r>
+            <a:r>
+              <a:rPr kumimoji="1" lang="en-US" altLang="ja-JP" sz="2800" dirty="0"/>
+              <a:t>2</a:t>
+            </a:r>
+            <a:r>
+              <a:rPr kumimoji="1" lang="ja-JP" altLang="en-US" sz="2800" dirty="0"/>
+              <a:t>：</a:t>
+            </a:r>
+          </a:p>
+        </p:txBody>
+      </p:sp>
+      <p:sp>
+        <p:nvSpPr>
+          <p:cNvPr id="9" name="テキスト ボックス 8">
+            <a:extLst>
+              <a:ext uri="{FF2B5EF4-FFF2-40B4-BE49-F238E27FC236}">
+                <a16:creationId xmlns:a16="http://schemas.microsoft.com/office/drawing/2014/main" id="{13EA73CC-2A18-4834-B0CC-7F82A1CF61C1}"/>
+              </a:ext>
+            </a:extLst>
+          </p:cNvPr>
+          <p:cNvSpPr txBox="1"/>
+          <p:nvPr/>
+        </p:nvSpPr>
+        <p:spPr>
+          <a:xfrm>
+            <a:off x="611560" y="4869160"/>
+            <a:ext cx="7992888" cy="1569660"/>
+          </a:xfrm>
+          <a:prstGeom prst="rect">
+            <a:avLst/>
+          </a:prstGeom>
+          <a:noFill/>
+        </p:spPr>
+        <p:txBody>
+          <a:bodyPr wrap="square" rtlCol="0">
+            <a:spAutoFit/>
+          </a:bodyPr>
+          <a:lstStyle/>
+          <a:p>
+            <a:r>
+              <a:rPr lang="ja-JP" altLang="en-US" sz="2400" dirty="0"/>
+              <a:t>開発したコードをスパコンで実行しようとしたら動かず、苦労して動くように修正。その後、スパコンで実行中に新機能を開発、それをスパコンにアップロードした時に動くように修正したコードを上書きしてしまう。</a:t>
+            </a:r>
+            <a:endParaRPr kumimoji="1" lang="ja-JP" altLang="en-US" sz="2400" dirty="0"/>
+          </a:p>
+        </p:txBody>
+      </p:sp>
+      <p:pic>
+        <p:nvPicPr>
+          <p:cNvPr id="2052" name="Picture 4" descr="書類を見て焦る会社員のイラスト（男性）">
+            <a:extLst>
+              <a:ext uri="{FF2B5EF4-FFF2-40B4-BE49-F238E27FC236}">
+                <a16:creationId xmlns:a16="http://schemas.microsoft.com/office/drawing/2014/main" id="{94A6EFF2-D952-4220-AF8C-151E639D8B8D}"/>
+              </a:ext>
+            </a:extLst>
+          </p:cNvPr>
+          <p:cNvPicPr>
+            <a:picLocks noChangeAspect="1" noChangeArrowheads="1"/>
+          </p:cNvPicPr>
+          <p:nvPr/>
+        </p:nvPicPr>
+        <p:blipFill>
+          <a:blip r:embed="rId2" cstate="print">
+            <a:extLst>
+              <a:ext uri="{28A0092B-C50C-407E-A947-70E740481C1C}">
+                <a14:useLocalDpi xmlns:a14="http://schemas.microsoft.com/office/drawing/2010/main" val="0"/>
+              </a:ext>
+            </a:extLst>
+          </a:blip>
+          <a:srcRect/>
+          <a:stretch>
+            <a:fillRect/>
+          </a:stretch>
+        </p:blipFill>
+        <p:spPr bwMode="auto">
+          <a:xfrm>
+            <a:off x="107504" y="1772816"/>
+            <a:ext cx="1827515" cy="2228677"/>
+          </a:xfrm>
+          <a:prstGeom prst="rect">
+            <a:avLst/>
+          </a:prstGeom>
+          <a:noFill/>
+          <a:extLst>
+            <a:ext uri="{909E8E84-426E-40DD-AFC4-6F175D3DCCD1}">
+              <a14:hiddenFill xmlns:a14="http://schemas.microsoft.com/office/drawing/2010/main">
+                <a:solidFill>
+                  <a:srgbClr val="FFFFFF"/>
+                </a:solidFill>
+              </a14:hiddenFill>
+            </a:ext>
+          </a:extLst>
+        </p:spPr>
+      </p:pic>
+    </p:spTree>
+    <p:extLst>
+      <p:ext uri="{BB962C8B-B14F-4D97-AF65-F5344CB8AC3E}">
+        <p14:creationId xmlns:p14="http://schemas.microsoft.com/office/powerpoint/2010/main" val="3588011692"/>
+      </p:ext>
+    </p:extLst>
+  </p:cSld>
+  <p:clrMapOvr>
+    <a:masterClrMapping/>
+  </p:clrMapOvr>
+</p:sld>
+</file>
+
+<file path=ppt/slides/slide4.xml><?xml version="1.0" encoding="utf-8"?>
+<p:sld xmlns:a="http://schemas.openxmlformats.org/drawingml/2006/main" xmlns:r="http://schemas.openxmlformats.org/officeDocument/2006/relationships" xmlns:p="http://schemas.openxmlformats.org/presentationml/2006/main">
+  <p:cSld>
+    <p:spTree>
+      <p:nvGrpSpPr>
+        <p:cNvPr id="1" name=""/>
+        <p:cNvGrpSpPr/>
+        <p:nvPr/>
+      </p:nvGrpSpPr>
+      <p:grpSpPr>
+        <a:xfrm>
+          <a:off x="0" y="0"/>
+          <a:ext cx="0" cy="0"/>
+          <a:chOff x="0" y="0"/>
+          <a:chExt cx="0" cy="0"/>
+        </a:xfrm>
+      </p:grpSpPr>
+      <p:sp>
+        <p:nvSpPr>
+          <p:cNvPr id="2" name="テキスト プレースホルダー 1">
+            <a:extLst>
+              <a:ext uri="{FF2B5EF4-FFF2-40B4-BE49-F238E27FC236}">
+                <a16:creationId xmlns:a16="http://schemas.microsoft.com/office/drawing/2014/main" id="{4B3D7CBA-DA71-44A3-9771-3276185B8432}"/>
+              </a:ext>
+            </a:extLst>
+          </p:cNvPr>
+          <p:cNvSpPr>
+            <a:spLocks noGrp="1"/>
+          </p:cNvSpPr>
+          <p:nvPr>
+            <p:ph type="body" sz="quarter" idx="10"/>
+          </p:nvPr>
+        </p:nvSpPr>
+        <p:spPr/>
+        <p:txBody>
+          <a:bodyPr/>
+          <a:lstStyle/>
+          <a:p>
+            <a:r>
+              <a:rPr lang="ja-JP" altLang="en-US" dirty="0"/>
+              <a:t>バージョンを管理するということ</a:t>
+            </a:r>
+            <a:endParaRPr kumimoji="1" lang="ja-JP" altLang="en-US" dirty="0"/>
+          </a:p>
+        </p:txBody>
+      </p:sp>
+      <p:pic>
+        <p:nvPicPr>
+          <p:cNvPr id="3074" name="Picture 2" descr="中年男性の表情のイラスト「疑問」">
+            <a:extLst>
+              <a:ext uri="{FF2B5EF4-FFF2-40B4-BE49-F238E27FC236}">
+                <a16:creationId xmlns:a16="http://schemas.microsoft.com/office/drawing/2014/main" id="{1B2D9DAC-838F-4DD7-B986-9B223827DE3D}"/>
+              </a:ext>
+            </a:extLst>
+          </p:cNvPr>
+          <p:cNvPicPr>
+            <a:picLocks noChangeAspect="1" noChangeArrowheads="1"/>
+          </p:cNvPicPr>
+          <p:nvPr/>
+        </p:nvPicPr>
+        <p:blipFill>
+          <a:blip r:embed="rId2">
+            <a:extLst>
+              <a:ext uri="{28A0092B-C50C-407E-A947-70E740481C1C}">
+                <a14:useLocalDpi xmlns:a14="http://schemas.microsoft.com/office/drawing/2010/main" val="0"/>
+              </a:ext>
+            </a:extLst>
+          </a:blip>
+          <a:srcRect/>
+          <a:stretch>
+            <a:fillRect/>
+          </a:stretch>
+        </p:blipFill>
+        <p:spPr bwMode="auto">
+          <a:xfrm>
+            <a:off x="3779912" y="2060848"/>
+            <a:ext cx="1584176" cy="1827895"/>
+          </a:xfrm>
+          <a:prstGeom prst="rect">
+            <a:avLst/>
+          </a:prstGeom>
+          <a:noFill/>
+          <a:extLst>
+            <a:ext uri="{909E8E84-426E-40DD-AFC4-6F175D3DCCD1}">
+              <a14:hiddenFill xmlns:a14="http://schemas.microsoft.com/office/drawing/2010/main">
+                <a:solidFill>
+                  <a:srgbClr val="FFFFFF"/>
+                </a:solidFill>
+              </a14:hiddenFill>
+            </a:ext>
+          </a:extLst>
+        </p:spPr>
+      </p:pic>
+      <p:pic>
+        <p:nvPicPr>
+          <p:cNvPr id="3076" name="Picture 4" descr="ファイルアイコン（ブランク）">
+            <a:extLst>
+              <a:ext uri="{FF2B5EF4-FFF2-40B4-BE49-F238E27FC236}">
+                <a16:creationId xmlns:a16="http://schemas.microsoft.com/office/drawing/2014/main" id="{E0B1B8DB-9149-4E38-A9A0-82EE9C5EF53D}"/>
+              </a:ext>
+            </a:extLst>
+          </p:cNvPr>
+          <p:cNvPicPr>
+            <a:picLocks noChangeAspect="1" noChangeArrowheads="1"/>
+          </p:cNvPicPr>
+          <p:nvPr/>
+        </p:nvPicPr>
+        <p:blipFill>
+          <a:blip r:embed="rId3">
+            <a:extLst>
+              <a:ext uri="{28A0092B-C50C-407E-A947-70E740481C1C}">
+                <a14:useLocalDpi xmlns:a14="http://schemas.microsoft.com/office/drawing/2010/main" val="0"/>
+              </a:ext>
+            </a:extLst>
+          </a:blip>
+          <a:srcRect/>
+          <a:stretch>
+            <a:fillRect/>
+          </a:stretch>
+        </p:blipFill>
+        <p:spPr bwMode="auto">
+          <a:xfrm>
+            <a:off x="1259632" y="2492896"/>
+            <a:ext cx="1476375" cy="1714500"/>
+          </a:xfrm>
+          <a:prstGeom prst="rect">
+            <a:avLst/>
+          </a:prstGeom>
+          <a:noFill/>
+          <a:extLst>
+            <a:ext uri="{909E8E84-426E-40DD-AFC4-6F175D3DCCD1}">
+              <a14:hiddenFill xmlns:a14="http://schemas.microsoft.com/office/drawing/2010/main">
+                <a:solidFill>
+                  <a:srgbClr val="FFFFFF"/>
+                </a:solidFill>
+              </a14:hiddenFill>
+            </a:ext>
+          </a:extLst>
+        </p:spPr>
+      </p:pic>
+      <p:pic>
+        <p:nvPicPr>
+          <p:cNvPr id="3078" name="Picture 6" descr="ファイルアイコン（ブランク）">
+            <a:extLst>
+              <a:ext uri="{FF2B5EF4-FFF2-40B4-BE49-F238E27FC236}">
+                <a16:creationId xmlns:a16="http://schemas.microsoft.com/office/drawing/2014/main" id="{7D19C7D1-85B4-4960-A9B6-459565FD2B1B}"/>
+              </a:ext>
+            </a:extLst>
+          </p:cNvPr>
+          <p:cNvPicPr>
+            <a:picLocks noChangeAspect="1" noChangeArrowheads="1"/>
+          </p:cNvPicPr>
+          <p:nvPr/>
+        </p:nvPicPr>
+        <p:blipFill>
+          <a:blip r:embed="rId3">
+            <a:extLst>
+              <a:ext uri="{28A0092B-C50C-407E-A947-70E740481C1C}">
+                <a14:useLocalDpi xmlns:a14="http://schemas.microsoft.com/office/drawing/2010/main" val="0"/>
+              </a:ext>
+            </a:extLst>
+          </a:blip>
+          <a:srcRect/>
+          <a:stretch>
+            <a:fillRect/>
+          </a:stretch>
+        </p:blipFill>
+        <p:spPr bwMode="auto">
+          <a:xfrm>
+            <a:off x="6228184" y="2564904"/>
+            <a:ext cx="1476375" cy="1714500"/>
+          </a:xfrm>
+          <a:prstGeom prst="rect">
+            <a:avLst/>
+          </a:prstGeom>
+          <a:noFill/>
+          <a:extLst>
+            <a:ext uri="{909E8E84-426E-40DD-AFC4-6F175D3DCCD1}">
+              <a14:hiddenFill xmlns:a14="http://schemas.microsoft.com/office/drawing/2010/main">
+                <a:solidFill>
+                  <a:srgbClr val="FFFFFF"/>
+                </a:solidFill>
+              </a14:hiddenFill>
+            </a:ext>
+          </a:extLst>
+        </p:spPr>
+      </p:pic>
+      <p:sp>
+        <p:nvSpPr>
+          <p:cNvPr id="4" name="テキスト ボックス 3">
+            <a:extLst>
+              <a:ext uri="{FF2B5EF4-FFF2-40B4-BE49-F238E27FC236}">
+                <a16:creationId xmlns:a16="http://schemas.microsoft.com/office/drawing/2014/main" id="{E5D425A3-8181-4CEC-862C-15C5D45554E5}"/>
+              </a:ext>
+            </a:extLst>
+          </p:cNvPr>
+          <p:cNvSpPr txBox="1"/>
+          <p:nvPr/>
+        </p:nvSpPr>
+        <p:spPr>
+          <a:xfrm>
+            <a:off x="611560" y="4365104"/>
+            <a:ext cx="3531736" cy="369332"/>
+          </a:xfrm>
+          <a:prstGeom prst="rect">
+            <a:avLst/>
+          </a:prstGeom>
+          <a:noFill/>
+        </p:spPr>
+        <p:txBody>
+          <a:bodyPr wrap="none" rtlCol="0">
+            <a:spAutoFit/>
+          </a:bodyPr>
+          <a:lstStyle/>
+          <a:p>
+            <a:r>
+              <a:rPr lang="ja-JP" altLang="en-US" dirty="0"/>
+              <a:t>仕様書</a:t>
+            </a:r>
+            <a:r>
+              <a:rPr lang="en-US" altLang="ja-JP" dirty="0"/>
+              <a:t>_</a:t>
+            </a:r>
+            <a:r>
+              <a:rPr lang="ja-JP" altLang="en-US" dirty="0"/>
+              <a:t>佐藤修正</a:t>
+            </a:r>
+            <a:r>
+              <a:rPr lang="en-US" altLang="ja-JP" dirty="0"/>
+              <a:t>_</a:t>
+            </a:r>
+            <a:r>
+              <a:rPr lang="ja-JP" altLang="en-US" dirty="0"/>
+              <a:t>吉本追記</a:t>
+            </a:r>
+            <a:r>
+              <a:rPr lang="en-US" altLang="ja-JP" dirty="0"/>
+              <a:t>.docx</a:t>
+            </a:r>
+            <a:endParaRPr kumimoji="1" lang="ja-JP" altLang="en-US" dirty="0"/>
+          </a:p>
+        </p:txBody>
+      </p:sp>
+      <p:sp>
+        <p:nvSpPr>
+          <p:cNvPr id="9" name="テキスト ボックス 8">
+            <a:extLst>
+              <a:ext uri="{FF2B5EF4-FFF2-40B4-BE49-F238E27FC236}">
+                <a16:creationId xmlns:a16="http://schemas.microsoft.com/office/drawing/2014/main" id="{661C8E62-6363-4878-A537-CF0E6C990449}"/>
+              </a:ext>
+            </a:extLst>
+          </p:cNvPr>
+          <p:cNvSpPr txBox="1"/>
+          <p:nvPr/>
+        </p:nvSpPr>
+        <p:spPr>
+          <a:xfrm>
+            <a:off x="5364088" y="4365104"/>
+            <a:ext cx="3544560" cy="369332"/>
+          </a:xfrm>
+          <a:prstGeom prst="rect">
+            <a:avLst/>
+          </a:prstGeom>
+          <a:noFill/>
+        </p:spPr>
+        <p:txBody>
+          <a:bodyPr wrap="none" rtlCol="0">
+            <a:spAutoFit/>
+          </a:bodyPr>
+          <a:lstStyle/>
+          <a:p>
+            <a:r>
+              <a:rPr lang="ja-JP" altLang="en-US" dirty="0"/>
+              <a:t>仕様書</a:t>
+            </a:r>
+            <a:r>
+              <a:rPr lang="en-US" altLang="ja-JP" dirty="0"/>
+              <a:t>_</a:t>
+            </a:r>
+            <a:r>
+              <a:rPr lang="ja-JP" altLang="en-US" dirty="0"/>
+              <a:t>最終版</a:t>
+            </a:r>
+            <a:r>
+              <a:rPr lang="en-US" altLang="ja-JP" dirty="0"/>
+              <a:t>_</a:t>
+            </a:r>
+            <a:r>
+              <a:rPr lang="ja-JP" altLang="en-US" dirty="0"/>
+              <a:t>田中修正</a:t>
+            </a:r>
+            <a:r>
+              <a:rPr lang="en-US" altLang="ja-JP" dirty="0"/>
+              <a:t>v2.docx</a:t>
+            </a:r>
+            <a:endParaRPr kumimoji="1" lang="ja-JP" altLang="en-US" dirty="0"/>
+          </a:p>
+        </p:txBody>
+      </p:sp>
+      <p:sp>
+        <p:nvSpPr>
+          <p:cNvPr id="5" name="テキスト ボックス 4">
+            <a:extLst>
+              <a:ext uri="{FF2B5EF4-FFF2-40B4-BE49-F238E27FC236}">
+                <a16:creationId xmlns:a16="http://schemas.microsoft.com/office/drawing/2014/main" id="{73DF782A-3932-4303-BB4D-7C206AEA2AA4}"/>
+              </a:ext>
+            </a:extLst>
+          </p:cNvPr>
+          <p:cNvSpPr txBox="1"/>
+          <p:nvPr/>
+        </p:nvSpPr>
+        <p:spPr>
+          <a:xfrm>
+            <a:off x="2771800" y="1268760"/>
+            <a:ext cx="3416320" cy="646331"/>
+          </a:xfrm>
+          <a:prstGeom prst="rect">
+            <a:avLst/>
+          </a:prstGeom>
+          <a:noFill/>
+        </p:spPr>
+        <p:txBody>
+          <a:bodyPr wrap="none" rtlCol="0">
+            <a:spAutoFit/>
+          </a:bodyPr>
+          <a:lstStyle/>
+          <a:p>
+            <a:r>
+              <a:rPr lang="ja-JP" altLang="en-US" sz="3600" dirty="0"/>
+              <a:t>どっちが最新？</a:t>
+            </a:r>
+            <a:endParaRPr kumimoji="1" lang="ja-JP" altLang="en-US" sz="3600" dirty="0"/>
+          </a:p>
+        </p:txBody>
+      </p:sp>
+      <p:sp>
+        <p:nvSpPr>
+          <p:cNvPr id="6" name="矢印: 右 5">
+            <a:extLst>
+              <a:ext uri="{FF2B5EF4-FFF2-40B4-BE49-F238E27FC236}">
+                <a16:creationId xmlns:a16="http://schemas.microsoft.com/office/drawing/2014/main" id="{D12A8489-9BD5-43A7-AF94-AC57B02A838F}"/>
+              </a:ext>
+            </a:extLst>
+          </p:cNvPr>
+          <p:cNvSpPr/>
+          <p:nvPr/>
+        </p:nvSpPr>
+        <p:spPr>
+          <a:xfrm>
+            <a:off x="1907704" y="5805264"/>
+            <a:ext cx="792088" cy="628648"/>
+          </a:xfrm>
+          <a:prstGeom prst="rightArrow">
+            <a:avLst/>
+          </a:prstGeom>
+          <a:solidFill>
+            <a:srgbClr val="FF0000"/>
+          </a:solidFill>
+          <a:ln>
+            <a:solidFill>
+              <a:schemeClr val="tx1"/>
+            </a:solidFill>
+          </a:ln>
+        </p:spPr>
+        <p:style>
+          <a:lnRef idx="2">
+            <a:schemeClr val="accent1">
+              <a:shade val="50000"/>
+            </a:schemeClr>
+          </a:lnRef>
+          <a:fillRef idx="1">
+            <a:schemeClr val="accent1"/>
+          </a:fillRef>
+          <a:effectRef idx="0">
+            <a:schemeClr val="accent1"/>
+          </a:effectRef>
+          <a:fontRef idx="minor">
+            <a:schemeClr val="lt1"/>
+          </a:fontRef>
+        </p:style>
+        <p:txBody>
+          <a:bodyPr rtlCol="0" anchor="ctr"/>
+          <a:lstStyle/>
+          <a:p>
+            <a:pPr algn="ctr"/>
+            <a:endParaRPr kumimoji="1" lang="ja-JP" altLang="en-US"/>
+          </a:p>
+        </p:txBody>
+      </p:sp>
+      <p:sp>
+        <p:nvSpPr>
+          <p:cNvPr id="8" name="テキスト ボックス 7">
+            <a:extLst>
+              <a:ext uri="{FF2B5EF4-FFF2-40B4-BE49-F238E27FC236}">
+                <a16:creationId xmlns:a16="http://schemas.microsoft.com/office/drawing/2014/main" id="{C1DA4083-1E38-4AB5-BC66-783FAD94C926}"/>
+              </a:ext>
+            </a:extLst>
+          </p:cNvPr>
+          <p:cNvSpPr txBox="1"/>
+          <p:nvPr/>
+        </p:nvSpPr>
+        <p:spPr>
+          <a:xfrm>
+            <a:off x="2771800" y="5805264"/>
+            <a:ext cx="4698722" cy="584775"/>
+          </a:xfrm>
+          <a:prstGeom prst="rect">
+            <a:avLst/>
+          </a:prstGeom>
+          <a:noFill/>
+        </p:spPr>
+        <p:txBody>
+          <a:bodyPr wrap="none" rtlCol="0">
+            <a:spAutoFit/>
+          </a:bodyPr>
+          <a:lstStyle/>
+          <a:p>
+            <a:r>
+              <a:rPr lang="ja-JP" altLang="en-US" sz="3200" dirty="0"/>
+              <a:t>バージョン管理システム</a:t>
+            </a:r>
+            <a:endParaRPr kumimoji="1" lang="ja-JP" altLang="en-US" sz="3200" dirty="0"/>
+          </a:p>
+        </p:txBody>
+      </p:sp>
+    </p:spTree>
+    <p:extLst>
+      <p:ext uri="{BB962C8B-B14F-4D97-AF65-F5344CB8AC3E}">
+        <p14:creationId xmlns:p14="http://schemas.microsoft.com/office/powerpoint/2010/main" val="1370463328"/>
+      </p:ext>
+    </p:extLst>
+  </p:cSld>
+  <p:clrMapOvr>
+    <a:masterClrMapping/>
+  </p:clrMapOvr>
+</p:sld>
+</file>
+
+<file path=ppt/slides/slide5.xml><?xml version="1.0" encoding="utf-8"?>
+<p:sld xmlns:a="http://schemas.openxmlformats.org/drawingml/2006/main" xmlns:r="http://schemas.openxmlformats.org/officeDocument/2006/relationships" xmlns:p="http://schemas.openxmlformats.org/presentationml/2006/main">
+  <p:cSld>
+    <p:spTree>
+      <p:nvGrpSpPr>
+        <p:cNvPr id="1" name=""/>
+        <p:cNvGrpSpPr/>
+        <p:nvPr/>
+      </p:nvGrpSpPr>
+      <p:grpSpPr>
+        <a:xfrm>
+          <a:off x="0" y="0"/>
+          <a:ext cx="0" cy="0"/>
+          <a:chOff x="0" y="0"/>
+          <a:chExt cx="0" cy="0"/>
+        </a:xfrm>
+      </p:grpSpPr>
+      <p:sp>
+        <p:nvSpPr>
+          <p:cNvPr id="2" name="テキスト プレースホルダー 1">
+            <a:extLst>
+              <a:ext uri="{FF2B5EF4-FFF2-40B4-BE49-F238E27FC236}">
+                <a16:creationId xmlns:a16="http://schemas.microsoft.com/office/drawing/2014/main" id="{186585F2-52AE-4F31-8521-6F56CC420F49}"/>
+              </a:ext>
+            </a:extLst>
+          </p:cNvPr>
+          <p:cNvSpPr>
+            <a:spLocks noGrp="1"/>
+          </p:cNvSpPr>
+          <p:nvPr>
+            <p:ph type="body" sz="quarter" idx="10"/>
+          </p:nvPr>
+        </p:nvSpPr>
+        <p:spPr/>
+        <p:txBody>
+          <a:bodyPr/>
+          <a:lstStyle/>
+          <a:p>
+            <a:r>
+              <a:rPr kumimoji="1" lang="ja-JP" altLang="en-US" dirty="0"/>
+              <a:t>バージョン管理システム</a:t>
+            </a:r>
+          </a:p>
+        </p:txBody>
+      </p:sp>
+      <p:sp>
+        <p:nvSpPr>
+          <p:cNvPr id="3" name="テキスト ボックス 2">
+            <a:extLst>
+              <a:ext uri="{FF2B5EF4-FFF2-40B4-BE49-F238E27FC236}">
+                <a16:creationId xmlns:a16="http://schemas.microsoft.com/office/drawing/2014/main" id="{59B41241-5A38-4279-BDB1-EE0F73AB0423}"/>
+              </a:ext>
+            </a:extLst>
+          </p:cNvPr>
+          <p:cNvSpPr txBox="1"/>
+          <p:nvPr/>
+        </p:nvSpPr>
+        <p:spPr>
+          <a:xfrm>
+            <a:off x="179512" y="1412776"/>
+            <a:ext cx="8424101" cy="1015663"/>
+          </a:xfrm>
+          <a:prstGeom prst="rect">
+            <a:avLst/>
+          </a:prstGeom>
+          <a:noFill/>
+        </p:spPr>
+        <p:txBody>
+          <a:bodyPr wrap="none" rtlCol="0">
+            <a:spAutoFit/>
+          </a:bodyPr>
+          <a:lstStyle/>
+          <a:p>
+            <a:pPr marL="285750" indent="-285750">
+              <a:buFont typeface="Arial" panose="020B0604020202020204" pitchFamily="34" charset="0"/>
+              <a:buChar char="•"/>
+            </a:pPr>
+            <a:r>
+              <a:rPr lang="ja-JP" altLang="en-US" sz="2000" dirty="0"/>
+              <a:t>ファイルの編集履歴を管理するためのシステム</a:t>
+            </a:r>
+            <a:endParaRPr lang="en-US" altLang="ja-JP" sz="2000" dirty="0"/>
+          </a:p>
+          <a:p>
+            <a:pPr marL="285750" indent="-285750">
+              <a:buFont typeface="Arial" panose="020B0604020202020204" pitchFamily="34" charset="0"/>
+              <a:buChar char="•"/>
+            </a:pPr>
+            <a:r>
+              <a:rPr kumimoji="1" lang="ja-JP" altLang="en-US" sz="2000" dirty="0"/>
+              <a:t>編集履歴をすべて保存する「リポジトリ」というデータベースを持つ</a:t>
+            </a:r>
+            <a:endParaRPr kumimoji="1" lang="en-US" altLang="ja-JP" sz="2000" dirty="0"/>
+          </a:p>
+          <a:p>
+            <a:pPr marL="285750" indent="-285750">
+              <a:buFont typeface="Arial" panose="020B0604020202020204" pitchFamily="34" charset="0"/>
+              <a:buChar char="•"/>
+            </a:pPr>
+            <a:r>
+              <a:rPr lang="ja-JP" altLang="en-US" sz="2000" dirty="0"/>
+              <a:t>ユーザはリポジトリにアクセスしながら開発を行う</a:t>
+            </a:r>
+            <a:endParaRPr kumimoji="1" lang="ja-JP" altLang="en-US" sz="2000" dirty="0"/>
+          </a:p>
+        </p:txBody>
+      </p:sp>
+      <p:pic>
+        <p:nvPicPr>
+          <p:cNvPr id="4100" name="Picture 4" descr="ホテルのフロントのイラスト">
+            <a:extLst>
+              <a:ext uri="{FF2B5EF4-FFF2-40B4-BE49-F238E27FC236}">
+                <a16:creationId xmlns:a16="http://schemas.microsoft.com/office/drawing/2014/main" id="{9E2C8B98-02BB-46F8-AFDF-FC6C8B4D916B}"/>
+              </a:ext>
+            </a:extLst>
+          </p:cNvPr>
+          <p:cNvPicPr>
+            <a:picLocks noChangeAspect="1" noChangeArrowheads="1"/>
+          </p:cNvPicPr>
+          <p:nvPr/>
+        </p:nvPicPr>
+        <p:blipFill>
+          <a:blip r:embed="rId2">
+            <a:extLst>
+              <a:ext uri="{28A0092B-C50C-407E-A947-70E740481C1C}">
+                <a14:useLocalDpi xmlns:a14="http://schemas.microsoft.com/office/drawing/2010/main" val="0"/>
+              </a:ext>
+            </a:extLst>
+          </a:blip>
+          <a:srcRect/>
+          <a:stretch>
+            <a:fillRect/>
+          </a:stretch>
+        </p:blipFill>
+        <p:spPr bwMode="auto">
+          <a:xfrm>
+            <a:off x="5436096" y="3789040"/>
+            <a:ext cx="2337048" cy="2337048"/>
+          </a:xfrm>
+          <a:prstGeom prst="rect">
+            <a:avLst/>
+          </a:prstGeom>
+          <a:noFill/>
+          <a:extLst>
+            <a:ext uri="{909E8E84-426E-40DD-AFC4-6F175D3DCCD1}">
+              <a14:hiddenFill xmlns:a14="http://schemas.microsoft.com/office/drawing/2010/main">
+                <a:solidFill>
+                  <a:srgbClr val="FFFFFF"/>
+                </a:solidFill>
+              </a14:hiddenFill>
+            </a:ext>
+          </a:extLst>
+        </p:spPr>
+      </p:pic>
+    </p:spTree>
+    <p:extLst>
+      <p:ext uri="{BB962C8B-B14F-4D97-AF65-F5344CB8AC3E}">
+        <p14:creationId xmlns:p14="http://schemas.microsoft.com/office/powerpoint/2010/main" val="2688057970"/>
+      </p:ext>
+    </p:extLst>
+  </p:cSld>
+  <p:clrMapOvr>
+    <a:masterClrMapping/>
+  </p:clrMapOvr>
+</p:sld>
+</file>
+
+<file path=ppt/slides/slide6.xml><?xml version="1.0" encoding="utf-8"?>
 <p:sld xmlns:a="http://schemas.openxmlformats.org/drawingml/2006/main" xmlns:r="http://schemas.openxmlformats.org/officeDocument/2006/relationships" xmlns:p="http://schemas.openxmlformats.org/presentationml/2006/main">
   <p:cSld>
     <p:spTree>

--- a/vcs/fig/slide.pptx
+++ b/vcs/fig/slide.pptx
@@ -5,7 +5,7 @@
     <p:sldMasterId id="2147483663" r:id="rId1"/>
   </p:sldMasterIdLst>
   <p:notesMasterIdLst>
-    <p:notesMasterId r:id="rId8"/>
+    <p:notesMasterId r:id="rId16"/>
   </p:notesMasterIdLst>
   <p:sldIdLst>
     <p:sldId id="256" r:id="rId2"/>
@@ -13,7 +13,15 @@
     <p:sldId id="275" r:id="rId4"/>
     <p:sldId id="276" r:id="rId5"/>
     <p:sldId id="277" r:id="rId6"/>
-    <p:sldId id="273" r:id="rId7"/>
+    <p:sldId id="278" r:id="rId7"/>
+    <p:sldId id="279" r:id="rId8"/>
+    <p:sldId id="280" r:id="rId9"/>
+    <p:sldId id="281" r:id="rId10"/>
+    <p:sldId id="283" r:id="rId11"/>
+    <p:sldId id="284" r:id="rId12"/>
+    <p:sldId id="286" r:id="rId13"/>
+    <p:sldId id="285" r:id="rId14"/>
+    <p:sldId id="282" r:id="rId15"/>
   </p:sldIdLst>
   <p:sldSz cx="9144000" cy="6858000" type="screen4x3"/>
   <p:notesSz cx="6858000" cy="9144000"/>
@@ -212,7 +220,7 @@
           </a:lstStyle>
           <a:p>
             <a:fld id="{6B8D1B20-A248-FB47-8240-73C0C5F47C9D}" type="datetimeFigureOut">
-              <a:t>2021/9/21</a:t>
+              <a:t>9/25/2021</a:t>
             </a:fld>
             <a:endParaRPr kumimoji="1" lang="ja-JP" altLang="en-US"/>
           </a:p>
@@ -1205,6 +1213,3436 @@
 </p:sld>
 </file>
 
+<file path=ppt/slides/slide10.xml><?xml version="1.0" encoding="utf-8"?>
+<p:sld xmlns:a="http://schemas.openxmlformats.org/drawingml/2006/main" xmlns:r="http://schemas.openxmlformats.org/officeDocument/2006/relationships" xmlns:p="http://schemas.openxmlformats.org/presentationml/2006/main">
+  <p:cSld>
+    <p:spTree>
+      <p:nvGrpSpPr>
+        <p:cNvPr id="1" name=""/>
+        <p:cNvGrpSpPr/>
+        <p:nvPr/>
+      </p:nvGrpSpPr>
+      <p:grpSpPr>
+        <a:xfrm>
+          <a:off x="0" y="0"/>
+          <a:ext cx="0" cy="0"/>
+          <a:chOff x="0" y="0"/>
+          <a:chExt cx="0" cy="0"/>
+        </a:xfrm>
+      </p:grpSpPr>
+      <p:sp>
+        <p:nvSpPr>
+          <p:cNvPr id="2" name="テキスト プレースホルダー 1">
+            <a:extLst>
+              <a:ext uri="{FF2B5EF4-FFF2-40B4-BE49-F238E27FC236}">
+                <a16:creationId xmlns:a16="http://schemas.microsoft.com/office/drawing/2014/main" id="{2D820A1F-69B5-4F33-B1E9-8FEBA47018E7}"/>
+              </a:ext>
+            </a:extLst>
+          </p:cNvPr>
+          <p:cNvSpPr>
+            <a:spLocks noGrp="1"/>
+          </p:cNvSpPr>
+          <p:nvPr>
+            <p:ph type="body" sz="quarter" idx="10"/>
+          </p:nvPr>
+        </p:nvSpPr>
+        <p:spPr/>
+        <p:txBody>
+          <a:bodyPr/>
+          <a:lstStyle/>
+          <a:p>
+            <a:r>
+              <a:rPr lang="ja-JP" altLang="en-US"/>
+              <a:t>履歴保存</a:t>
+            </a:r>
+            <a:endParaRPr lang="en-US"/>
+          </a:p>
+        </p:txBody>
+      </p:sp>
+      <p:pic>
+        <p:nvPicPr>
+          <p:cNvPr id="3" name="Picture 4" descr="歪む時間のイラスト">
+            <a:extLst>
+              <a:ext uri="{FF2B5EF4-FFF2-40B4-BE49-F238E27FC236}">
+                <a16:creationId xmlns:a16="http://schemas.microsoft.com/office/drawing/2014/main" id="{57D38152-5EB9-448F-8F3F-0AC7CFE13982}"/>
+              </a:ext>
+            </a:extLst>
+          </p:cNvPr>
+          <p:cNvPicPr>
+            <a:picLocks noChangeAspect="1" noChangeArrowheads="1"/>
+          </p:cNvPicPr>
+          <p:nvPr/>
+        </p:nvPicPr>
+        <p:blipFill>
+          <a:blip r:embed="rId2" cstate="print">
+            <a:extLst>
+              <a:ext uri="{28A0092B-C50C-407E-A947-70E740481C1C}">
+                <a14:useLocalDpi xmlns:a14="http://schemas.microsoft.com/office/drawing/2010/main" val="0"/>
+              </a:ext>
+            </a:extLst>
+          </a:blip>
+          <a:srcRect/>
+          <a:stretch>
+            <a:fillRect/>
+          </a:stretch>
+        </p:blipFill>
+        <p:spPr bwMode="auto">
+          <a:xfrm>
+            <a:off x="323528" y="2708920"/>
+            <a:ext cx="1505744" cy="1505744"/>
+          </a:xfrm>
+          <a:prstGeom prst="rect">
+            <a:avLst/>
+          </a:prstGeom>
+          <a:noFill/>
+          <a:extLst>
+            <a:ext uri="{909E8E84-426E-40DD-AFC4-6F175D3DCCD1}">
+              <a14:hiddenFill xmlns:a14="http://schemas.microsoft.com/office/drawing/2010/main">
+                <a:solidFill>
+                  <a:srgbClr val="FFFFFF"/>
+                </a:solidFill>
+              </a14:hiddenFill>
+            </a:ext>
+          </a:extLst>
+        </p:spPr>
+      </p:pic>
+      <p:sp>
+        <p:nvSpPr>
+          <p:cNvPr id="4" name="テキスト ボックス 3">
+            <a:extLst>
+              <a:ext uri="{FF2B5EF4-FFF2-40B4-BE49-F238E27FC236}">
+                <a16:creationId xmlns:a16="http://schemas.microsoft.com/office/drawing/2014/main" id="{9E3203A2-35CF-4AA4-9E4C-03C95BADDD35}"/>
+              </a:ext>
+            </a:extLst>
+          </p:cNvPr>
+          <p:cNvSpPr txBox="1"/>
+          <p:nvPr/>
+        </p:nvSpPr>
+        <p:spPr>
+          <a:xfrm>
+            <a:off x="539552" y="1484784"/>
+            <a:ext cx="6946132" cy="523220"/>
+          </a:xfrm>
+          <a:prstGeom prst="rect">
+            <a:avLst/>
+          </a:prstGeom>
+          <a:noFill/>
+        </p:spPr>
+        <p:txBody>
+          <a:bodyPr wrap="none" rtlCol="0">
+            <a:spAutoFit/>
+          </a:bodyPr>
+          <a:lstStyle/>
+          <a:p>
+            <a:r>
+              <a:rPr lang="ja-JP" altLang="en-US" sz="2800"/>
+              <a:t>バージョン管理システムを使っていると</a:t>
+            </a:r>
+            <a:r>
+              <a:rPr lang="en-US" altLang="ja-JP" sz="2800"/>
+              <a:t>...</a:t>
+            </a:r>
+          </a:p>
+        </p:txBody>
+      </p:sp>
+      <p:sp>
+        <p:nvSpPr>
+          <p:cNvPr id="5" name="テキスト ボックス 4">
+            <a:extLst>
+              <a:ext uri="{FF2B5EF4-FFF2-40B4-BE49-F238E27FC236}">
+                <a16:creationId xmlns:a16="http://schemas.microsoft.com/office/drawing/2014/main" id="{FA458DA1-1C0C-4000-840D-B880C1812F45}"/>
+              </a:ext>
+            </a:extLst>
+          </p:cNvPr>
+          <p:cNvSpPr txBox="1"/>
+          <p:nvPr/>
+        </p:nvSpPr>
+        <p:spPr>
+          <a:xfrm>
+            <a:off x="2051720" y="2852936"/>
+            <a:ext cx="6577442" cy="954107"/>
+          </a:xfrm>
+          <a:prstGeom prst="rect">
+            <a:avLst/>
+          </a:prstGeom>
+          <a:noFill/>
+        </p:spPr>
+        <p:txBody>
+          <a:bodyPr wrap="none" rtlCol="0">
+            <a:spAutoFit/>
+          </a:bodyPr>
+          <a:lstStyle/>
+          <a:p>
+            <a:pPr marL="285750" indent="-285750">
+              <a:buFont typeface="Arial" panose="020B0604020202020204" pitchFamily="34" charset="0"/>
+              <a:buChar char="•"/>
+            </a:pPr>
+            <a:r>
+              <a:rPr kumimoji="1" lang="ja-JP" altLang="en-US" sz="2800"/>
+              <a:t>任意の時点に状態を戻すことができる</a:t>
+            </a:r>
+            <a:endParaRPr kumimoji="1" lang="en-US" altLang="ja-JP" sz="2800"/>
+          </a:p>
+          <a:p>
+            <a:pPr marL="285750" indent="-285750">
+              <a:buFont typeface="Arial" panose="020B0604020202020204" pitchFamily="34" charset="0"/>
+              <a:buChar char="•"/>
+            </a:pPr>
+            <a:r>
+              <a:rPr lang="ja-JP" altLang="en-US" sz="2800"/>
+              <a:t>任意の時点間の差分を確認できる</a:t>
+            </a:r>
+            <a:endParaRPr lang="en-US" altLang="ja-JP" sz="2800"/>
+          </a:p>
+        </p:txBody>
+      </p:sp>
+      <p:sp>
+        <p:nvSpPr>
+          <p:cNvPr id="6" name="矢印: 右 5">
+            <a:extLst>
+              <a:ext uri="{FF2B5EF4-FFF2-40B4-BE49-F238E27FC236}">
+                <a16:creationId xmlns:a16="http://schemas.microsoft.com/office/drawing/2014/main" id="{910C5B77-4A31-49E5-80FA-7D37143A3DEB}"/>
+              </a:ext>
+            </a:extLst>
+          </p:cNvPr>
+          <p:cNvSpPr/>
+          <p:nvPr/>
+        </p:nvSpPr>
+        <p:spPr>
+          <a:xfrm>
+            <a:off x="1763688" y="5229200"/>
+            <a:ext cx="792088" cy="484632"/>
+          </a:xfrm>
+          <a:prstGeom prst="rightArrow">
+            <a:avLst/>
+          </a:prstGeom>
+          <a:solidFill>
+            <a:srgbClr val="FF0000"/>
+          </a:solidFill>
+          <a:ln>
+            <a:solidFill>
+              <a:schemeClr val="tx1"/>
+            </a:solidFill>
+          </a:ln>
+        </p:spPr>
+        <p:style>
+          <a:lnRef idx="2">
+            <a:schemeClr val="accent1">
+              <a:shade val="50000"/>
+            </a:schemeClr>
+          </a:lnRef>
+          <a:fillRef idx="1">
+            <a:schemeClr val="accent1"/>
+          </a:fillRef>
+          <a:effectRef idx="0">
+            <a:schemeClr val="accent1"/>
+          </a:effectRef>
+          <a:fontRef idx="minor">
+            <a:schemeClr val="lt1"/>
+          </a:fontRef>
+        </p:style>
+        <p:txBody>
+          <a:bodyPr rtlCol="0" anchor="ctr"/>
+          <a:lstStyle/>
+          <a:p>
+            <a:pPr algn="ctr"/>
+            <a:endParaRPr kumimoji="1" lang="en-US"/>
+          </a:p>
+        </p:txBody>
+      </p:sp>
+      <p:sp>
+        <p:nvSpPr>
+          <p:cNvPr id="7" name="テキスト ボックス 6">
+            <a:extLst>
+              <a:ext uri="{FF2B5EF4-FFF2-40B4-BE49-F238E27FC236}">
+                <a16:creationId xmlns:a16="http://schemas.microsoft.com/office/drawing/2014/main" id="{026D5E82-84F0-43E5-A1D4-4601B0D3F3F1}"/>
+              </a:ext>
+            </a:extLst>
+          </p:cNvPr>
+          <p:cNvSpPr txBox="1"/>
+          <p:nvPr/>
+        </p:nvSpPr>
+        <p:spPr>
+          <a:xfrm>
+            <a:off x="2843808" y="5157192"/>
+            <a:ext cx="3877985" cy="584775"/>
+          </a:xfrm>
+          <a:prstGeom prst="rect">
+            <a:avLst/>
+          </a:prstGeom>
+          <a:noFill/>
+        </p:spPr>
+        <p:txBody>
+          <a:bodyPr wrap="none" rtlCol="0">
+            <a:spAutoFit/>
+          </a:bodyPr>
+          <a:lstStyle/>
+          <a:p>
+            <a:r>
+              <a:rPr lang="ja-JP" altLang="en-US" sz="3200"/>
+              <a:t>デバッグ時間の短縮</a:t>
+            </a:r>
+            <a:endParaRPr lang="en-US" sz="3200"/>
+          </a:p>
+        </p:txBody>
+      </p:sp>
+    </p:spTree>
+    <p:extLst>
+      <p:ext uri="{BB962C8B-B14F-4D97-AF65-F5344CB8AC3E}">
+        <p14:creationId xmlns:p14="http://schemas.microsoft.com/office/powerpoint/2010/main" val="3336697780"/>
+      </p:ext>
+    </p:extLst>
+  </p:cSld>
+  <p:clrMapOvr>
+    <a:masterClrMapping/>
+  </p:clrMapOvr>
+</p:sld>
+</file>
+
+<file path=ppt/slides/slide11.xml><?xml version="1.0" encoding="utf-8"?>
+<p:sld xmlns:a="http://schemas.openxmlformats.org/drawingml/2006/main" xmlns:r="http://schemas.openxmlformats.org/officeDocument/2006/relationships" xmlns:p="http://schemas.openxmlformats.org/presentationml/2006/main">
+  <p:cSld>
+    <p:spTree>
+      <p:nvGrpSpPr>
+        <p:cNvPr id="1" name=""/>
+        <p:cNvGrpSpPr/>
+        <p:nvPr/>
+      </p:nvGrpSpPr>
+      <p:grpSpPr>
+        <a:xfrm>
+          <a:off x="0" y="0"/>
+          <a:ext cx="0" cy="0"/>
+          <a:chOff x="0" y="0"/>
+          <a:chExt cx="0" cy="0"/>
+        </a:xfrm>
+      </p:grpSpPr>
+      <p:sp>
+        <p:nvSpPr>
+          <p:cNvPr id="2" name="テキスト プレースホルダー 1">
+            <a:extLst>
+              <a:ext uri="{FF2B5EF4-FFF2-40B4-BE49-F238E27FC236}">
+                <a16:creationId xmlns:a16="http://schemas.microsoft.com/office/drawing/2014/main" id="{9200C318-C00C-4F5C-9FFD-EB5E8E7D4333}"/>
+              </a:ext>
+            </a:extLst>
+          </p:cNvPr>
+          <p:cNvSpPr>
+            <a:spLocks noGrp="1"/>
+          </p:cNvSpPr>
+          <p:nvPr>
+            <p:ph type="body" sz="quarter" idx="10"/>
+          </p:nvPr>
+        </p:nvSpPr>
+        <p:spPr/>
+        <p:txBody>
+          <a:bodyPr/>
+          <a:lstStyle/>
+          <a:p>
+            <a:r>
+              <a:rPr lang="ja-JP" altLang="en-US"/>
+              <a:t>履歴保存とデバッグ</a:t>
+            </a:r>
+            <a:endParaRPr lang="en-US"/>
+          </a:p>
+        </p:txBody>
+      </p:sp>
+      <p:sp>
+        <p:nvSpPr>
+          <p:cNvPr id="3" name="テキスト ボックス 2">
+            <a:extLst>
+              <a:ext uri="{FF2B5EF4-FFF2-40B4-BE49-F238E27FC236}">
+                <a16:creationId xmlns:a16="http://schemas.microsoft.com/office/drawing/2014/main" id="{CB22ABA9-FE85-4C92-A4B5-D7C1FEE470FD}"/>
+              </a:ext>
+            </a:extLst>
+          </p:cNvPr>
+          <p:cNvSpPr txBox="1"/>
+          <p:nvPr/>
+        </p:nvSpPr>
+        <p:spPr>
+          <a:xfrm>
+            <a:off x="539552" y="1124744"/>
+            <a:ext cx="7056784" cy="2062103"/>
+          </a:xfrm>
+          <a:prstGeom prst="rect">
+            <a:avLst/>
+          </a:prstGeom>
+          <a:noFill/>
+        </p:spPr>
+        <p:txBody>
+          <a:bodyPr wrap="square" rtlCol="0">
+            <a:spAutoFit/>
+          </a:bodyPr>
+          <a:lstStyle/>
+          <a:p>
+            <a:r>
+              <a:rPr lang="ja-JP" altLang="en-US" sz="3200"/>
+              <a:t>数値計算コードを開発中、</a:t>
+            </a:r>
+            <a:endParaRPr lang="en-US" altLang="ja-JP" sz="3200"/>
+          </a:p>
+          <a:p>
+            <a:pPr marL="571500" indent="-571500">
+              <a:buFont typeface="Arial" panose="020B0604020202020204" pitchFamily="34" charset="0"/>
+              <a:buChar char="•"/>
+            </a:pPr>
+            <a:r>
+              <a:rPr lang="ja-JP" altLang="en-US" sz="3200"/>
+              <a:t>メインカーネルを修正し</a:t>
+            </a:r>
+            <a:endParaRPr lang="en-US" altLang="ja-JP" sz="3200"/>
+          </a:p>
+          <a:p>
+            <a:pPr marL="571500" indent="-571500">
+              <a:buFont typeface="Arial" panose="020B0604020202020204" pitchFamily="34" charset="0"/>
+              <a:buChar char="•"/>
+            </a:pPr>
+            <a:r>
+              <a:rPr lang="ja-JP" altLang="en-US" sz="3200"/>
+              <a:t>別のインプットを与えたら</a:t>
+            </a:r>
+            <a:endParaRPr lang="en-US" altLang="ja-JP" sz="3200"/>
+          </a:p>
+          <a:p>
+            <a:r>
+              <a:rPr lang="ja-JP" altLang="en-US" sz="3200"/>
+              <a:t>計算に失敗した</a:t>
+            </a:r>
+            <a:endParaRPr lang="en-US" sz="3200"/>
+          </a:p>
+        </p:txBody>
+      </p:sp>
+      <p:sp>
+        <p:nvSpPr>
+          <p:cNvPr id="4" name="正方形/長方形 3">
+            <a:extLst>
+              <a:ext uri="{FF2B5EF4-FFF2-40B4-BE49-F238E27FC236}">
+                <a16:creationId xmlns:a16="http://schemas.microsoft.com/office/drawing/2014/main" id="{5E5822AE-23C6-40C6-B232-096BB6AD0FFC}"/>
+              </a:ext>
+            </a:extLst>
+          </p:cNvPr>
+          <p:cNvSpPr/>
+          <p:nvPr/>
+        </p:nvSpPr>
+        <p:spPr>
+          <a:xfrm>
+            <a:off x="3707904" y="3603104"/>
+            <a:ext cx="1447800" cy="533400"/>
+          </a:xfrm>
+          <a:prstGeom prst="rect">
+            <a:avLst/>
+          </a:prstGeom>
+          <a:solidFill>
+            <a:schemeClr val="accent1"/>
+          </a:solidFill>
+          <a:ln>
+            <a:solidFill>
+              <a:schemeClr val="tx1"/>
+            </a:solidFill>
+          </a:ln>
+          <a:effectLst/>
+        </p:spPr>
+        <p:style>
+          <a:lnRef idx="1">
+            <a:schemeClr val="accent1"/>
+          </a:lnRef>
+          <a:fillRef idx="3">
+            <a:schemeClr val="accent1"/>
+          </a:fillRef>
+          <a:effectRef idx="2">
+            <a:schemeClr val="accent1"/>
+          </a:effectRef>
+          <a:fontRef idx="minor">
+            <a:schemeClr val="lt1"/>
+          </a:fontRef>
+        </p:style>
+        <p:txBody>
+          <a:bodyPr rtlCol="0" anchor="ctr"/>
+          <a:lstStyle/>
+          <a:p>
+            <a:pPr algn="ctr"/>
+            <a:r>
+              <a:rPr lang="ja-JP" altLang="en-US" sz="1600" dirty="0">
+                <a:solidFill>
+                  <a:srgbClr val="000000"/>
+                </a:solidFill>
+              </a:rPr>
+              <a:t>計算ルーチン</a:t>
+            </a:r>
+            <a:endParaRPr lang="en-US" altLang="ja-JP" sz="1600" dirty="0">
+              <a:solidFill>
+                <a:srgbClr val="000000"/>
+              </a:solidFill>
+            </a:endParaRPr>
+          </a:p>
+          <a:p>
+            <a:pPr algn="ctr"/>
+            <a:r>
+              <a:rPr kumimoji="1" lang="en-US" altLang="ja-JP" sz="1600" dirty="0">
+                <a:solidFill>
+                  <a:srgbClr val="000000"/>
+                </a:solidFill>
+              </a:rPr>
+              <a:t>(</a:t>
+            </a:r>
+            <a:r>
+              <a:rPr kumimoji="1" lang="ja-JP" altLang="en-US" sz="1600" dirty="0">
+                <a:solidFill>
+                  <a:srgbClr val="000000"/>
+                </a:solidFill>
+              </a:rPr>
+              <a:t>修正前</a:t>
+            </a:r>
+            <a:r>
+              <a:rPr kumimoji="1" lang="en-US" altLang="ja-JP" sz="1600" dirty="0">
+                <a:solidFill>
+                  <a:srgbClr val="000000"/>
+                </a:solidFill>
+              </a:rPr>
+              <a:t>)</a:t>
+            </a:r>
+            <a:endParaRPr kumimoji="1" lang="ja-JP" altLang="en-US" sz="1600" dirty="0">
+              <a:solidFill>
+                <a:srgbClr val="000000"/>
+              </a:solidFill>
+            </a:endParaRPr>
+          </a:p>
+        </p:txBody>
+      </p:sp>
+      <p:sp>
+        <p:nvSpPr>
+          <p:cNvPr id="5" name="角丸四角形 14">
+            <a:extLst>
+              <a:ext uri="{FF2B5EF4-FFF2-40B4-BE49-F238E27FC236}">
+                <a16:creationId xmlns:a16="http://schemas.microsoft.com/office/drawing/2014/main" id="{29328625-2110-445C-9259-62E84ED68C03}"/>
+              </a:ext>
+            </a:extLst>
+          </p:cNvPr>
+          <p:cNvSpPr/>
+          <p:nvPr/>
+        </p:nvSpPr>
+        <p:spPr>
+          <a:xfrm>
+            <a:off x="1331640" y="3601516"/>
+            <a:ext cx="1429576" cy="533400"/>
+          </a:xfrm>
+          <a:prstGeom prst="roundRect">
+            <a:avLst>
+              <a:gd name="adj" fmla="val 50000"/>
+            </a:avLst>
+          </a:prstGeom>
+          <a:solidFill>
+            <a:schemeClr val="accent1"/>
+          </a:solidFill>
+          <a:ln>
+            <a:solidFill>
+              <a:schemeClr val="tx1"/>
+            </a:solidFill>
+          </a:ln>
+          <a:effectLst/>
+        </p:spPr>
+        <p:style>
+          <a:lnRef idx="1">
+            <a:schemeClr val="accent1"/>
+          </a:lnRef>
+          <a:fillRef idx="3">
+            <a:schemeClr val="accent1"/>
+          </a:fillRef>
+          <a:effectRef idx="2">
+            <a:schemeClr val="accent1"/>
+          </a:effectRef>
+          <a:fontRef idx="minor">
+            <a:schemeClr val="lt1"/>
+          </a:fontRef>
+        </p:style>
+        <p:txBody>
+          <a:bodyPr rtlCol="0" anchor="ctr"/>
+          <a:lstStyle/>
+          <a:p>
+            <a:pPr algn="ctr"/>
+            <a:r>
+              <a:rPr kumimoji="1" lang="ja-JP" altLang="en-US" sz="1400" dirty="0">
+                <a:solidFill>
+                  <a:srgbClr val="000000"/>
+                </a:solidFill>
+              </a:rPr>
+              <a:t>インプット</a:t>
+            </a:r>
+            <a:r>
+              <a:rPr kumimoji="1" lang="en-US" altLang="ja-JP" sz="1400" dirty="0">
+                <a:solidFill>
+                  <a:srgbClr val="000000"/>
+                </a:solidFill>
+              </a:rPr>
+              <a:t> A</a:t>
+            </a:r>
+            <a:endParaRPr kumimoji="1" lang="ja-JP" altLang="en-US" sz="1400" dirty="0">
+              <a:solidFill>
+                <a:srgbClr val="000000"/>
+              </a:solidFill>
+            </a:endParaRPr>
+          </a:p>
+        </p:txBody>
+      </p:sp>
+      <p:cxnSp>
+        <p:nvCxnSpPr>
+          <p:cNvPr id="6" name="直線矢印コネクタ 5">
+            <a:extLst>
+              <a:ext uri="{FF2B5EF4-FFF2-40B4-BE49-F238E27FC236}">
+                <a16:creationId xmlns:a16="http://schemas.microsoft.com/office/drawing/2014/main" id="{9F26FE66-0F1A-4586-8C0A-955345E5FBD9}"/>
+              </a:ext>
+            </a:extLst>
+          </p:cNvPr>
+          <p:cNvCxnSpPr>
+            <a:cxnSpLocks/>
+            <a:stCxn id="5" idx="3"/>
+            <a:endCxn id="4" idx="1"/>
+          </p:cNvCxnSpPr>
+          <p:nvPr/>
+        </p:nvCxnSpPr>
+        <p:spPr>
+          <a:xfrm>
+            <a:off x="2761216" y="3868216"/>
+            <a:ext cx="946688" cy="1588"/>
+          </a:xfrm>
+          <a:prstGeom prst="straightConnector1">
+            <a:avLst/>
+          </a:prstGeom>
+          <a:ln>
+            <a:solidFill>
+              <a:schemeClr val="tx1"/>
+            </a:solidFill>
+            <a:tailEnd type="arrow"/>
+          </a:ln>
+        </p:spPr>
+        <p:style>
+          <a:lnRef idx="1">
+            <a:schemeClr val="accent1"/>
+          </a:lnRef>
+          <a:fillRef idx="0">
+            <a:schemeClr val="accent1"/>
+          </a:fillRef>
+          <a:effectRef idx="0">
+            <a:schemeClr val="accent1"/>
+          </a:effectRef>
+          <a:fontRef idx="minor">
+            <a:schemeClr val="tx1"/>
+          </a:fontRef>
+        </p:style>
+      </p:cxnSp>
+      <p:sp>
+        <p:nvSpPr>
+          <p:cNvPr id="7" name="角丸四角形 19">
+            <a:extLst>
+              <a:ext uri="{FF2B5EF4-FFF2-40B4-BE49-F238E27FC236}">
+                <a16:creationId xmlns:a16="http://schemas.microsoft.com/office/drawing/2014/main" id="{EEF4F6EE-A0C9-48CD-B0DF-2ABD474CF5F5}"/>
+              </a:ext>
+            </a:extLst>
+          </p:cNvPr>
+          <p:cNvSpPr/>
+          <p:nvPr/>
+        </p:nvSpPr>
+        <p:spPr>
+          <a:xfrm>
+            <a:off x="6088186" y="3586018"/>
+            <a:ext cx="1143000" cy="533400"/>
+          </a:xfrm>
+          <a:prstGeom prst="roundRect">
+            <a:avLst>
+              <a:gd name="adj" fmla="val 50000"/>
+            </a:avLst>
+          </a:prstGeom>
+          <a:noFill/>
+          <a:ln w="38100">
+            <a:solidFill>
+              <a:srgbClr val="3366FF"/>
+            </a:solidFill>
+          </a:ln>
+          <a:effectLst/>
+        </p:spPr>
+        <p:style>
+          <a:lnRef idx="1">
+            <a:schemeClr val="accent1"/>
+          </a:lnRef>
+          <a:fillRef idx="3">
+            <a:schemeClr val="accent1"/>
+          </a:fillRef>
+          <a:effectRef idx="2">
+            <a:schemeClr val="accent1"/>
+          </a:effectRef>
+          <a:fontRef idx="minor">
+            <a:schemeClr val="lt1"/>
+          </a:fontRef>
+        </p:style>
+        <p:txBody>
+          <a:bodyPr rtlCol="0" anchor="ctr"/>
+          <a:lstStyle/>
+          <a:p>
+            <a:pPr algn="ctr"/>
+            <a:r>
+              <a:rPr kumimoji="1" lang="en-US" altLang="ja-JP" sz="1600" dirty="0">
+                <a:solidFill>
+                  <a:srgbClr val="000000"/>
+                </a:solidFill>
+              </a:rPr>
+              <a:t>OK</a:t>
+            </a:r>
+            <a:endParaRPr kumimoji="1" lang="ja-JP" altLang="en-US" sz="1600" dirty="0">
+              <a:solidFill>
+                <a:srgbClr val="000000"/>
+              </a:solidFill>
+            </a:endParaRPr>
+          </a:p>
+        </p:txBody>
+      </p:sp>
+      <p:sp>
+        <p:nvSpPr>
+          <p:cNvPr id="8" name="正方形/長方形 7">
+            <a:extLst>
+              <a:ext uri="{FF2B5EF4-FFF2-40B4-BE49-F238E27FC236}">
+                <a16:creationId xmlns:a16="http://schemas.microsoft.com/office/drawing/2014/main" id="{E7A03EB3-6533-4D62-B9D9-B324A98CB0B8}"/>
+              </a:ext>
+            </a:extLst>
+          </p:cNvPr>
+          <p:cNvSpPr/>
+          <p:nvPr/>
+        </p:nvSpPr>
+        <p:spPr>
+          <a:xfrm>
+            <a:off x="3707904" y="4365104"/>
+            <a:ext cx="1447800" cy="533400"/>
+          </a:xfrm>
+          <a:prstGeom prst="rect">
+            <a:avLst/>
+          </a:prstGeom>
+          <a:solidFill>
+            <a:srgbClr val="92D050"/>
+          </a:solidFill>
+          <a:ln w="38100">
+            <a:solidFill>
+              <a:srgbClr val="FF0000"/>
+            </a:solidFill>
+          </a:ln>
+          <a:effectLst/>
+        </p:spPr>
+        <p:style>
+          <a:lnRef idx="1">
+            <a:schemeClr val="accent1"/>
+          </a:lnRef>
+          <a:fillRef idx="3">
+            <a:schemeClr val="accent1"/>
+          </a:fillRef>
+          <a:effectRef idx="2">
+            <a:schemeClr val="accent1"/>
+          </a:effectRef>
+          <a:fontRef idx="minor">
+            <a:schemeClr val="lt1"/>
+          </a:fontRef>
+        </p:style>
+        <p:txBody>
+          <a:bodyPr rtlCol="0" anchor="ctr"/>
+          <a:lstStyle/>
+          <a:p>
+            <a:pPr algn="ctr"/>
+            <a:r>
+              <a:rPr lang="ja-JP" altLang="en-US" sz="1600" dirty="0">
+                <a:solidFill>
+                  <a:srgbClr val="000000"/>
+                </a:solidFill>
+              </a:rPr>
+              <a:t>計算ルーチン</a:t>
+            </a:r>
+            <a:endParaRPr lang="en-US" altLang="ja-JP" sz="1600" dirty="0">
+              <a:solidFill>
+                <a:srgbClr val="000000"/>
+              </a:solidFill>
+            </a:endParaRPr>
+          </a:p>
+          <a:p>
+            <a:pPr algn="ctr"/>
+            <a:r>
+              <a:rPr kumimoji="1" lang="en-US" altLang="ja-JP" sz="1600" dirty="0">
+                <a:solidFill>
+                  <a:srgbClr val="000000"/>
+                </a:solidFill>
+              </a:rPr>
+              <a:t>(</a:t>
+            </a:r>
+            <a:r>
+              <a:rPr kumimoji="1" lang="ja-JP" altLang="en-US" sz="1600" dirty="0">
+                <a:solidFill>
+                  <a:srgbClr val="000000"/>
+                </a:solidFill>
+              </a:rPr>
+              <a:t>修正版</a:t>
+            </a:r>
+            <a:r>
+              <a:rPr kumimoji="1" lang="en-US" altLang="ja-JP" sz="1600" dirty="0">
+                <a:solidFill>
+                  <a:srgbClr val="000000"/>
+                </a:solidFill>
+              </a:rPr>
+              <a:t>)</a:t>
+            </a:r>
+            <a:endParaRPr kumimoji="1" lang="ja-JP" altLang="en-US" sz="1600" dirty="0">
+              <a:solidFill>
+                <a:srgbClr val="000000"/>
+              </a:solidFill>
+            </a:endParaRPr>
+          </a:p>
+        </p:txBody>
+      </p:sp>
+      <p:sp>
+        <p:nvSpPr>
+          <p:cNvPr id="9" name="角丸四角形 25">
+            <a:extLst>
+              <a:ext uri="{FF2B5EF4-FFF2-40B4-BE49-F238E27FC236}">
+                <a16:creationId xmlns:a16="http://schemas.microsoft.com/office/drawing/2014/main" id="{0253854F-42EB-4C1F-AD2F-391B4F174421}"/>
+              </a:ext>
+            </a:extLst>
+          </p:cNvPr>
+          <p:cNvSpPr/>
+          <p:nvPr/>
+        </p:nvSpPr>
+        <p:spPr>
+          <a:xfrm>
+            <a:off x="1331640" y="4363516"/>
+            <a:ext cx="1429576" cy="533400"/>
+          </a:xfrm>
+          <a:prstGeom prst="roundRect">
+            <a:avLst>
+              <a:gd name="adj" fmla="val 50000"/>
+            </a:avLst>
+          </a:prstGeom>
+          <a:solidFill>
+            <a:srgbClr val="92D050"/>
+          </a:solidFill>
+          <a:ln w="38100">
+            <a:solidFill>
+              <a:srgbClr val="FF0000"/>
+            </a:solidFill>
+          </a:ln>
+          <a:effectLst/>
+        </p:spPr>
+        <p:style>
+          <a:lnRef idx="1">
+            <a:schemeClr val="accent1"/>
+          </a:lnRef>
+          <a:fillRef idx="3">
+            <a:schemeClr val="accent1"/>
+          </a:fillRef>
+          <a:effectRef idx="2">
+            <a:schemeClr val="accent1"/>
+          </a:effectRef>
+          <a:fontRef idx="minor">
+            <a:schemeClr val="lt1"/>
+          </a:fontRef>
+        </p:style>
+        <p:txBody>
+          <a:bodyPr rtlCol="0" anchor="ctr"/>
+          <a:lstStyle/>
+          <a:p>
+            <a:pPr algn="ctr"/>
+            <a:r>
+              <a:rPr kumimoji="1" lang="ja-JP" altLang="en-US" sz="1400" dirty="0">
+                <a:solidFill>
+                  <a:srgbClr val="000000"/>
+                </a:solidFill>
+              </a:rPr>
+              <a:t>インプット</a:t>
+            </a:r>
+            <a:r>
+              <a:rPr kumimoji="1" lang="en-US" altLang="ja-JP" sz="1400" dirty="0">
+                <a:solidFill>
+                  <a:srgbClr val="000000"/>
+                </a:solidFill>
+              </a:rPr>
+              <a:t>B</a:t>
+            </a:r>
+            <a:endParaRPr kumimoji="1" lang="ja-JP" altLang="en-US" sz="1400" dirty="0">
+              <a:solidFill>
+                <a:srgbClr val="000000"/>
+              </a:solidFill>
+            </a:endParaRPr>
+          </a:p>
+        </p:txBody>
+      </p:sp>
+      <p:cxnSp>
+        <p:nvCxnSpPr>
+          <p:cNvPr id="10" name="直線矢印コネクタ 9">
+            <a:extLst>
+              <a:ext uri="{FF2B5EF4-FFF2-40B4-BE49-F238E27FC236}">
+                <a16:creationId xmlns:a16="http://schemas.microsoft.com/office/drawing/2014/main" id="{C4DFE0F9-E1E8-4345-85A7-0BD33C0B07C9}"/>
+              </a:ext>
+            </a:extLst>
+          </p:cNvPr>
+          <p:cNvCxnSpPr>
+            <a:cxnSpLocks/>
+            <a:stCxn id="9" idx="3"/>
+            <a:endCxn id="8" idx="1"/>
+          </p:cNvCxnSpPr>
+          <p:nvPr/>
+        </p:nvCxnSpPr>
+        <p:spPr>
+          <a:xfrm>
+            <a:off x="2761216" y="4630216"/>
+            <a:ext cx="946688" cy="1588"/>
+          </a:xfrm>
+          <a:prstGeom prst="straightConnector1">
+            <a:avLst/>
+          </a:prstGeom>
+          <a:ln>
+            <a:solidFill>
+              <a:schemeClr val="tx1"/>
+            </a:solidFill>
+            <a:tailEnd type="arrow"/>
+          </a:ln>
+        </p:spPr>
+        <p:style>
+          <a:lnRef idx="1">
+            <a:schemeClr val="accent1"/>
+          </a:lnRef>
+          <a:fillRef idx="0">
+            <a:schemeClr val="accent1"/>
+          </a:fillRef>
+          <a:effectRef idx="0">
+            <a:schemeClr val="accent1"/>
+          </a:effectRef>
+          <a:fontRef idx="minor">
+            <a:schemeClr val="tx1"/>
+          </a:fontRef>
+        </p:style>
+      </p:cxnSp>
+      <p:sp>
+        <p:nvSpPr>
+          <p:cNvPr id="11" name="角丸四角形 28">
+            <a:extLst>
+              <a:ext uri="{FF2B5EF4-FFF2-40B4-BE49-F238E27FC236}">
+                <a16:creationId xmlns:a16="http://schemas.microsoft.com/office/drawing/2014/main" id="{2CAF2C6D-FF04-4611-A356-1D1D47D1969D}"/>
+              </a:ext>
+            </a:extLst>
+          </p:cNvPr>
+          <p:cNvSpPr/>
+          <p:nvPr/>
+        </p:nvSpPr>
+        <p:spPr>
+          <a:xfrm>
+            <a:off x="6095935" y="4363515"/>
+            <a:ext cx="1143000" cy="533400"/>
+          </a:xfrm>
+          <a:prstGeom prst="roundRect">
+            <a:avLst>
+              <a:gd name="adj" fmla="val 50000"/>
+            </a:avLst>
+          </a:prstGeom>
+          <a:noFill/>
+          <a:ln w="38100">
+            <a:solidFill>
+              <a:srgbClr val="FF0000"/>
+            </a:solidFill>
+          </a:ln>
+          <a:effectLst/>
+        </p:spPr>
+        <p:style>
+          <a:lnRef idx="1">
+            <a:schemeClr val="accent1"/>
+          </a:lnRef>
+          <a:fillRef idx="3">
+            <a:schemeClr val="accent1"/>
+          </a:fillRef>
+          <a:effectRef idx="2">
+            <a:schemeClr val="accent1"/>
+          </a:effectRef>
+          <a:fontRef idx="minor">
+            <a:schemeClr val="lt1"/>
+          </a:fontRef>
+        </p:style>
+        <p:txBody>
+          <a:bodyPr rtlCol="0" anchor="ctr"/>
+          <a:lstStyle/>
+          <a:p>
+            <a:pPr algn="ctr"/>
+            <a:r>
+              <a:rPr kumimoji="1" lang="en-US" altLang="ja-JP" sz="1600" dirty="0">
+                <a:solidFill>
+                  <a:srgbClr val="000000"/>
+                </a:solidFill>
+              </a:rPr>
+              <a:t>NG</a:t>
+            </a:r>
+            <a:endParaRPr kumimoji="1" lang="ja-JP" altLang="en-US" sz="1600" dirty="0">
+              <a:solidFill>
+                <a:srgbClr val="000000"/>
+              </a:solidFill>
+            </a:endParaRPr>
+          </a:p>
+        </p:txBody>
+      </p:sp>
+      <p:sp>
+        <p:nvSpPr>
+          <p:cNvPr id="12" name="右矢印 42">
+            <a:extLst>
+              <a:ext uri="{FF2B5EF4-FFF2-40B4-BE49-F238E27FC236}">
+                <a16:creationId xmlns:a16="http://schemas.microsoft.com/office/drawing/2014/main" id="{07F0079C-EFD1-4A19-B08A-2C004571D88E}"/>
+              </a:ext>
+            </a:extLst>
+          </p:cNvPr>
+          <p:cNvSpPr/>
+          <p:nvPr/>
+        </p:nvSpPr>
+        <p:spPr>
+          <a:xfrm>
+            <a:off x="5389470" y="3707422"/>
+            <a:ext cx="441702" cy="302217"/>
+          </a:xfrm>
+          <a:prstGeom prst="rightArrow">
+            <a:avLst/>
+          </a:prstGeom>
+          <a:solidFill>
+            <a:srgbClr val="FF0000"/>
+          </a:solidFill>
+          <a:ln>
+            <a:solidFill>
+              <a:schemeClr val="tx1"/>
+            </a:solidFill>
+          </a:ln>
+          <a:effectLst/>
+        </p:spPr>
+        <p:style>
+          <a:lnRef idx="1">
+            <a:schemeClr val="accent1"/>
+          </a:lnRef>
+          <a:fillRef idx="3">
+            <a:schemeClr val="accent1"/>
+          </a:fillRef>
+          <a:effectRef idx="2">
+            <a:schemeClr val="accent1"/>
+          </a:effectRef>
+          <a:fontRef idx="minor">
+            <a:schemeClr val="lt1"/>
+          </a:fontRef>
+        </p:style>
+        <p:txBody>
+          <a:bodyPr rtlCol="0" anchor="ctr"/>
+          <a:lstStyle/>
+          <a:p>
+            <a:pPr algn="ctr"/>
+            <a:endParaRPr kumimoji="1" lang="ja-JP" altLang="en-US" dirty="0">
+              <a:solidFill>
+                <a:srgbClr val="000000"/>
+              </a:solidFill>
+            </a:endParaRPr>
+          </a:p>
+        </p:txBody>
+      </p:sp>
+      <p:sp>
+        <p:nvSpPr>
+          <p:cNvPr id="13" name="右矢印 43">
+            <a:extLst>
+              <a:ext uri="{FF2B5EF4-FFF2-40B4-BE49-F238E27FC236}">
+                <a16:creationId xmlns:a16="http://schemas.microsoft.com/office/drawing/2014/main" id="{A9438E92-0027-4982-A51F-658B3402D884}"/>
+              </a:ext>
+            </a:extLst>
+          </p:cNvPr>
+          <p:cNvSpPr/>
+          <p:nvPr/>
+        </p:nvSpPr>
+        <p:spPr>
+          <a:xfrm>
+            <a:off x="5402385" y="4503001"/>
+            <a:ext cx="441702" cy="302217"/>
+          </a:xfrm>
+          <a:prstGeom prst="rightArrow">
+            <a:avLst/>
+          </a:prstGeom>
+          <a:solidFill>
+            <a:srgbClr val="FF0000"/>
+          </a:solidFill>
+          <a:ln>
+            <a:solidFill>
+              <a:schemeClr val="tx1"/>
+            </a:solidFill>
+          </a:ln>
+          <a:effectLst/>
+        </p:spPr>
+        <p:style>
+          <a:lnRef idx="1">
+            <a:schemeClr val="accent1"/>
+          </a:lnRef>
+          <a:fillRef idx="3">
+            <a:schemeClr val="accent1"/>
+          </a:fillRef>
+          <a:effectRef idx="2">
+            <a:schemeClr val="accent1"/>
+          </a:effectRef>
+          <a:fontRef idx="minor">
+            <a:schemeClr val="lt1"/>
+          </a:fontRef>
+        </p:style>
+        <p:txBody>
+          <a:bodyPr rtlCol="0" anchor="ctr"/>
+          <a:lstStyle/>
+          <a:p>
+            <a:pPr algn="ctr"/>
+            <a:endParaRPr kumimoji="1" lang="ja-JP" altLang="en-US" dirty="0">
+              <a:solidFill>
+                <a:srgbClr val="000000"/>
+              </a:solidFill>
+            </a:endParaRPr>
+          </a:p>
+        </p:txBody>
+      </p:sp>
+      <p:sp>
+        <p:nvSpPr>
+          <p:cNvPr id="14" name="テキスト ボックス 13">
+            <a:extLst>
+              <a:ext uri="{FF2B5EF4-FFF2-40B4-BE49-F238E27FC236}">
+                <a16:creationId xmlns:a16="http://schemas.microsoft.com/office/drawing/2014/main" id="{D7F722E1-0E7D-4A6A-992A-9807785165EC}"/>
+              </a:ext>
+            </a:extLst>
+          </p:cNvPr>
+          <p:cNvSpPr txBox="1"/>
+          <p:nvPr/>
+        </p:nvSpPr>
+        <p:spPr>
+          <a:xfrm>
+            <a:off x="2664352" y="5066107"/>
+            <a:ext cx="1107996" cy="461665"/>
+          </a:xfrm>
+          <a:prstGeom prst="rect">
+            <a:avLst/>
+          </a:prstGeom>
+          <a:noFill/>
+        </p:spPr>
+        <p:txBody>
+          <a:bodyPr wrap="none" rtlCol="0">
+            <a:spAutoFit/>
+          </a:bodyPr>
+          <a:lstStyle/>
+          <a:p>
+            <a:r>
+              <a:rPr kumimoji="1" lang="ja-JP" altLang="en-US"/>
+              <a:t>容疑者</a:t>
+            </a:r>
+          </a:p>
+        </p:txBody>
+      </p:sp>
+      <p:cxnSp>
+        <p:nvCxnSpPr>
+          <p:cNvPr id="15" name="カギ線コネクタ 17">
+            <a:extLst>
+              <a:ext uri="{FF2B5EF4-FFF2-40B4-BE49-F238E27FC236}">
+                <a16:creationId xmlns:a16="http://schemas.microsoft.com/office/drawing/2014/main" id="{ED96691A-DBE7-47E5-9A8F-B73AFD4C649A}"/>
+              </a:ext>
+            </a:extLst>
+          </p:cNvPr>
+          <p:cNvCxnSpPr>
+            <a:cxnSpLocks/>
+            <a:stCxn id="14" idx="1"/>
+            <a:endCxn id="9" idx="2"/>
+          </p:cNvCxnSpPr>
+          <p:nvPr/>
+        </p:nvCxnSpPr>
+        <p:spPr>
+          <a:xfrm rot="10800000">
+            <a:off x="2046428" y="4896916"/>
+            <a:ext cx="617924" cy="400024"/>
+          </a:xfrm>
+          <a:prstGeom prst="bentConnector2">
+            <a:avLst/>
+          </a:prstGeom>
+          <a:ln>
+            <a:solidFill>
+              <a:schemeClr val="tx1"/>
+            </a:solidFill>
+            <a:tailEnd type="triangle"/>
+          </a:ln>
+        </p:spPr>
+        <p:style>
+          <a:lnRef idx="1">
+            <a:schemeClr val="accent1"/>
+          </a:lnRef>
+          <a:fillRef idx="0">
+            <a:schemeClr val="accent1"/>
+          </a:fillRef>
+          <a:effectRef idx="0">
+            <a:schemeClr val="accent1"/>
+          </a:effectRef>
+          <a:fontRef idx="minor">
+            <a:schemeClr val="tx1"/>
+          </a:fontRef>
+        </p:style>
+      </p:cxnSp>
+      <p:cxnSp>
+        <p:nvCxnSpPr>
+          <p:cNvPr id="16" name="カギ線コネクタ 22">
+            <a:extLst>
+              <a:ext uri="{FF2B5EF4-FFF2-40B4-BE49-F238E27FC236}">
+                <a16:creationId xmlns:a16="http://schemas.microsoft.com/office/drawing/2014/main" id="{09DCC9A0-D77D-4D0B-A0DA-733509C6F8E4}"/>
+              </a:ext>
+            </a:extLst>
+          </p:cNvPr>
+          <p:cNvCxnSpPr>
+            <a:stCxn id="14" idx="3"/>
+            <a:endCxn id="8" idx="2"/>
+          </p:cNvCxnSpPr>
+          <p:nvPr/>
+        </p:nvCxnSpPr>
+        <p:spPr>
+          <a:xfrm flipV="1">
+            <a:off x="3772348" y="4898504"/>
+            <a:ext cx="659456" cy="398436"/>
+          </a:xfrm>
+          <a:prstGeom prst="bentConnector2">
+            <a:avLst/>
+          </a:prstGeom>
+          <a:ln>
+            <a:solidFill>
+              <a:schemeClr val="tx1"/>
+            </a:solidFill>
+            <a:tailEnd type="triangle"/>
+          </a:ln>
+        </p:spPr>
+        <p:style>
+          <a:lnRef idx="1">
+            <a:schemeClr val="accent1"/>
+          </a:lnRef>
+          <a:fillRef idx="0">
+            <a:schemeClr val="accent1"/>
+          </a:fillRef>
+          <a:effectRef idx="0">
+            <a:schemeClr val="accent1"/>
+          </a:effectRef>
+          <a:fontRef idx="minor">
+            <a:schemeClr val="tx1"/>
+          </a:fontRef>
+        </p:style>
+      </p:cxnSp>
+      <p:sp>
+        <p:nvSpPr>
+          <p:cNvPr id="23" name="テキスト ボックス 22">
+            <a:extLst>
+              <a:ext uri="{FF2B5EF4-FFF2-40B4-BE49-F238E27FC236}">
+                <a16:creationId xmlns:a16="http://schemas.microsoft.com/office/drawing/2014/main" id="{7A490711-7019-480D-A3CD-FE7DA019880D}"/>
+              </a:ext>
+            </a:extLst>
+          </p:cNvPr>
+          <p:cNvSpPr txBox="1"/>
+          <p:nvPr/>
+        </p:nvSpPr>
+        <p:spPr>
+          <a:xfrm>
+            <a:off x="611560" y="5661248"/>
+            <a:ext cx="6955750" cy="830997"/>
+          </a:xfrm>
+          <a:prstGeom prst="rect">
+            <a:avLst/>
+          </a:prstGeom>
+          <a:noFill/>
+        </p:spPr>
+        <p:txBody>
+          <a:bodyPr wrap="none" rtlCol="0">
+            <a:spAutoFit/>
+          </a:bodyPr>
+          <a:lstStyle/>
+          <a:p>
+            <a:r>
+              <a:rPr lang="ja-JP" altLang="en-US" sz="2400"/>
+              <a:t>その機能を追加したことによるバグ？</a:t>
+            </a:r>
+            <a:endParaRPr lang="en-US" altLang="ja-JP" sz="2400"/>
+          </a:p>
+          <a:p>
+            <a:r>
+              <a:rPr lang="ja-JP" altLang="en-US" sz="2400"/>
+              <a:t>もともとあったバグがインプットにより顕在化？</a:t>
+            </a:r>
+            <a:endParaRPr lang="en-US" sz="2400"/>
+          </a:p>
+        </p:txBody>
+      </p:sp>
+    </p:spTree>
+    <p:extLst>
+      <p:ext uri="{BB962C8B-B14F-4D97-AF65-F5344CB8AC3E}">
+        <p14:creationId xmlns:p14="http://schemas.microsoft.com/office/powerpoint/2010/main" val="2498567189"/>
+      </p:ext>
+    </p:extLst>
+  </p:cSld>
+  <p:clrMapOvr>
+    <a:masterClrMapping/>
+  </p:clrMapOvr>
+</p:sld>
+</file>
+
+<file path=ppt/slides/slide12.xml><?xml version="1.0" encoding="utf-8"?>
+<p:sld xmlns:a="http://schemas.openxmlformats.org/drawingml/2006/main" xmlns:r="http://schemas.openxmlformats.org/officeDocument/2006/relationships" xmlns:p="http://schemas.openxmlformats.org/presentationml/2006/main">
+  <p:cSld>
+    <p:spTree>
+      <p:nvGrpSpPr>
+        <p:cNvPr id="1" name=""/>
+        <p:cNvGrpSpPr/>
+        <p:nvPr/>
+      </p:nvGrpSpPr>
+      <p:grpSpPr>
+        <a:xfrm>
+          <a:off x="0" y="0"/>
+          <a:ext cx="0" cy="0"/>
+          <a:chOff x="0" y="0"/>
+          <a:chExt cx="0" cy="0"/>
+        </a:xfrm>
+      </p:grpSpPr>
+      <p:sp>
+        <p:nvSpPr>
+          <p:cNvPr id="2" name="テキスト プレースホルダー 1">
+            <a:extLst>
+              <a:ext uri="{FF2B5EF4-FFF2-40B4-BE49-F238E27FC236}">
+                <a16:creationId xmlns:a16="http://schemas.microsoft.com/office/drawing/2014/main" id="{977EFE1A-CC71-4E72-99F9-0AC1C00E0428}"/>
+              </a:ext>
+            </a:extLst>
+          </p:cNvPr>
+          <p:cNvSpPr>
+            <a:spLocks noGrp="1"/>
+          </p:cNvSpPr>
+          <p:nvPr>
+            <p:ph type="body" sz="quarter" idx="10"/>
+          </p:nvPr>
+        </p:nvSpPr>
+        <p:spPr/>
+        <p:txBody>
+          <a:bodyPr/>
+          <a:lstStyle/>
+          <a:p>
+            <a:r>
+              <a:rPr lang="ja-JP" altLang="en-US"/>
+              <a:t>履歴保存とデバッグ</a:t>
+            </a:r>
+            <a:endParaRPr lang="en-US"/>
+          </a:p>
+        </p:txBody>
+      </p:sp>
+      <p:pic>
+        <p:nvPicPr>
+          <p:cNvPr id="2050" name="Picture 2" descr="徹夜明けのイラスト（男性）">
+            <a:extLst>
+              <a:ext uri="{FF2B5EF4-FFF2-40B4-BE49-F238E27FC236}">
+                <a16:creationId xmlns:a16="http://schemas.microsoft.com/office/drawing/2014/main" id="{D49D1287-00E2-48F6-8EB9-1974847FA234}"/>
+              </a:ext>
+            </a:extLst>
+          </p:cNvPr>
+          <p:cNvPicPr>
+            <a:picLocks noChangeAspect="1" noChangeArrowheads="1"/>
+          </p:cNvPicPr>
+          <p:nvPr/>
+        </p:nvPicPr>
+        <p:blipFill>
+          <a:blip r:embed="rId2">
+            <a:extLst>
+              <a:ext uri="{28A0092B-C50C-407E-A947-70E740481C1C}">
+                <a14:useLocalDpi xmlns:a14="http://schemas.microsoft.com/office/drawing/2010/main" val="0"/>
+              </a:ext>
+            </a:extLst>
+          </a:blip>
+          <a:srcRect/>
+          <a:stretch>
+            <a:fillRect/>
+          </a:stretch>
+        </p:blipFill>
+        <p:spPr bwMode="auto">
+          <a:xfrm>
+            <a:off x="5580112" y="2348880"/>
+            <a:ext cx="2376264" cy="2376264"/>
+          </a:xfrm>
+          <a:prstGeom prst="rect">
+            <a:avLst/>
+          </a:prstGeom>
+          <a:noFill/>
+          <a:extLst>
+            <a:ext uri="{909E8E84-426E-40DD-AFC4-6F175D3DCCD1}">
+              <a14:hiddenFill xmlns:a14="http://schemas.microsoft.com/office/drawing/2010/main">
+                <a:solidFill>
+                  <a:srgbClr val="FFFFFF"/>
+                </a:solidFill>
+              </a14:hiddenFill>
+            </a:ext>
+          </a:extLst>
+        </p:spPr>
+      </p:pic>
+      <p:sp>
+        <p:nvSpPr>
+          <p:cNvPr id="5" name="テキスト ボックス 4">
+            <a:extLst>
+              <a:ext uri="{FF2B5EF4-FFF2-40B4-BE49-F238E27FC236}">
+                <a16:creationId xmlns:a16="http://schemas.microsoft.com/office/drawing/2014/main" id="{A19886D4-D3DB-461D-9739-95876B49193E}"/>
+              </a:ext>
+            </a:extLst>
+          </p:cNvPr>
+          <p:cNvSpPr txBox="1"/>
+          <p:nvPr/>
+        </p:nvSpPr>
+        <p:spPr>
+          <a:xfrm>
+            <a:off x="611560" y="1268760"/>
+            <a:ext cx="7305205" cy="523220"/>
+          </a:xfrm>
+          <a:prstGeom prst="rect">
+            <a:avLst/>
+          </a:prstGeom>
+          <a:noFill/>
+        </p:spPr>
+        <p:txBody>
+          <a:bodyPr wrap="none" rtlCol="0">
+            <a:spAutoFit/>
+          </a:bodyPr>
+          <a:lstStyle/>
+          <a:p>
+            <a:r>
+              <a:rPr lang="ja-JP" altLang="en-US" sz="2800"/>
+              <a:t>バージョン管理システムを使っていないと</a:t>
+            </a:r>
+            <a:r>
+              <a:rPr lang="en-US" altLang="ja-JP" sz="2800"/>
+              <a:t>...</a:t>
+            </a:r>
+            <a:endParaRPr lang="en-US" sz="2800"/>
+          </a:p>
+        </p:txBody>
+      </p:sp>
+      <p:sp>
+        <p:nvSpPr>
+          <p:cNvPr id="3" name="テキスト ボックス 2">
+            <a:extLst>
+              <a:ext uri="{FF2B5EF4-FFF2-40B4-BE49-F238E27FC236}">
+                <a16:creationId xmlns:a16="http://schemas.microsoft.com/office/drawing/2014/main" id="{4610D89D-3161-4965-AB95-38AEAE61913E}"/>
+              </a:ext>
+            </a:extLst>
+          </p:cNvPr>
+          <p:cNvSpPr txBox="1"/>
+          <p:nvPr/>
+        </p:nvSpPr>
+        <p:spPr>
+          <a:xfrm>
+            <a:off x="539552" y="4869160"/>
+            <a:ext cx="3570208" cy="830997"/>
+          </a:xfrm>
+          <a:prstGeom prst="rect">
+            <a:avLst/>
+          </a:prstGeom>
+          <a:noFill/>
+        </p:spPr>
+        <p:txBody>
+          <a:bodyPr wrap="none" rtlCol="0">
+            <a:spAutoFit/>
+          </a:bodyPr>
+          <a:lstStyle/>
+          <a:p>
+            <a:r>
+              <a:rPr lang="ja-JP" altLang="en-US" sz="2400"/>
+              <a:t>ソースとにらめっこして</a:t>
+            </a:r>
+            <a:endParaRPr lang="en-US" altLang="ja-JP" sz="2400"/>
+          </a:p>
+          <a:p>
+            <a:r>
+              <a:rPr lang="ja-JP" altLang="en-US" sz="2400"/>
+              <a:t>気合でデバッグ</a:t>
+            </a:r>
+            <a:endParaRPr lang="en-US" sz="2400"/>
+          </a:p>
+        </p:txBody>
+      </p:sp>
+      <p:sp>
+        <p:nvSpPr>
+          <p:cNvPr id="7" name="テキスト ボックス 6">
+            <a:extLst>
+              <a:ext uri="{FF2B5EF4-FFF2-40B4-BE49-F238E27FC236}">
+                <a16:creationId xmlns:a16="http://schemas.microsoft.com/office/drawing/2014/main" id="{B456362F-EC49-4B68-8E9D-1D147FEAD8BB}"/>
+              </a:ext>
+            </a:extLst>
+          </p:cNvPr>
+          <p:cNvSpPr txBox="1"/>
+          <p:nvPr/>
+        </p:nvSpPr>
+        <p:spPr>
+          <a:xfrm>
+            <a:off x="5436096" y="4869160"/>
+            <a:ext cx="2339102" cy="830997"/>
+          </a:xfrm>
+          <a:prstGeom prst="rect">
+            <a:avLst/>
+          </a:prstGeom>
+          <a:noFill/>
+        </p:spPr>
+        <p:txBody>
+          <a:bodyPr wrap="none" rtlCol="0">
+            <a:spAutoFit/>
+          </a:bodyPr>
+          <a:lstStyle/>
+          <a:p>
+            <a:r>
+              <a:rPr lang="ja-JP" altLang="en-US" sz="2400"/>
+              <a:t>徹夜でなんとか</a:t>
+            </a:r>
+            <a:endParaRPr lang="en-US" altLang="ja-JP" sz="2400"/>
+          </a:p>
+          <a:p>
+            <a:r>
+              <a:rPr lang="ja-JP" altLang="en-US" sz="2400"/>
+              <a:t>バグ発見</a:t>
+            </a:r>
+            <a:endParaRPr lang="en-US" sz="2400"/>
+          </a:p>
+        </p:txBody>
+      </p:sp>
+      <p:sp>
+        <p:nvSpPr>
+          <p:cNvPr id="8" name="右矢印 9">
+            <a:extLst>
+              <a:ext uri="{FF2B5EF4-FFF2-40B4-BE49-F238E27FC236}">
+                <a16:creationId xmlns:a16="http://schemas.microsoft.com/office/drawing/2014/main" id="{5374071A-8631-4C2B-B459-E33B8C61AD29}"/>
+              </a:ext>
+            </a:extLst>
+          </p:cNvPr>
+          <p:cNvSpPr/>
+          <p:nvPr/>
+        </p:nvSpPr>
+        <p:spPr>
+          <a:xfrm>
+            <a:off x="4283968" y="3645024"/>
+            <a:ext cx="576064" cy="556640"/>
+          </a:xfrm>
+          <a:prstGeom prst="rightArrow">
+            <a:avLst/>
+          </a:prstGeom>
+          <a:solidFill>
+            <a:srgbClr val="FF0000"/>
+          </a:solidFill>
+          <a:ln>
+            <a:solidFill>
+              <a:schemeClr val="tx1"/>
+            </a:solidFill>
+          </a:ln>
+        </p:spPr>
+        <p:style>
+          <a:lnRef idx="2">
+            <a:schemeClr val="accent1">
+              <a:shade val="50000"/>
+            </a:schemeClr>
+          </a:lnRef>
+          <a:fillRef idx="1">
+            <a:schemeClr val="accent1"/>
+          </a:fillRef>
+          <a:effectRef idx="0">
+            <a:schemeClr val="accent1"/>
+          </a:effectRef>
+          <a:fontRef idx="minor">
+            <a:schemeClr val="lt1"/>
+          </a:fontRef>
+        </p:style>
+        <p:txBody>
+          <a:bodyPr rtlCol="0" anchor="ctr"/>
+          <a:lstStyle/>
+          <a:p>
+            <a:pPr algn="ctr"/>
+            <a:endParaRPr kumimoji="1" lang="ja-JP" altLang="en-US"/>
+          </a:p>
+        </p:txBody>
+      </p:sp>
+      <p:sp>
+        <p:nvSpPr>
+          <p:cNvPr id="4" name="テキスト ボックス 3">
+            <a:extLst>
+              <a:ext uri="{FF2B5EF4-FFF2-40B4-BE49-F238E27FC236}">
+                <a16:creationId xmlns:a16="http://schemas.microsoft.com/office/drawing/2014/main" id="{38D72C34-8A48-4934-BFD8-9BD27345A494}"/>
+              </a:ext>
+            </a:extLst>
+          </p:cNvPr>
+          <p:cNvSpPr txBox="1"/>
+          <p:nvPr/>
+        </p:nvSpPr>
+        <p:spPr>
+          <a:xfrm>
+            <a:off x="395536" y="6165304"/>
+            <a:ext cx="8135560" cy="400110"/>
+          </a:xfrm>
+          <a:prstGeom prst="rect">
+            <a:avLst/>
+          </a:prstGeom>
+          <a:noFill/>
+        </p:spPr>
+        <p:txBody>
+          <a:bodyPr wrap="none" rtlCol="0">
+            <a:spAutoFit/>
+          </a:bodyPr>
+          <a:lstStyle/>
+          <a:p>
+            <a:r>
+              <a:rPr lang="ja-JP" altLang="en-US" sz="2000"/>
+              <a:t>自分で入れたバグを自分でとっただけで、仕事はなんら進んでいない</a:t>
+            </a:r>
+            <a:endParaRPr lang="en-US" sz="2000"/>
+          </a:p>
+        </p:txBody>
+      </p:sp>
+      <p:pic>
+        <p:nvPicPr>
+          <p:cNvPr id="10" name="Picture 2" descr="忙しく仕事をしている男性会社員のイラスト">
+            <a:extLst>
+              <a:ext uri="{FF2B5EF4-FFF2-40B4-BE49-F238E27FC236}">
+                <a16:creationId xmlns:a16="http://schemas.microsoft.com/office/drawing/2014/main" id="{B9E27DD0-4DD7-4BFA-8601-9E17DC65975C}"/>
+              </a:ext>
+            </a:extLst>
+          </p:cNvPr>
+          <p:cNvPicPr>
+            <a:picLocks noChangeAspect="1" noChangeArrowheads="1"/>
+          </p:cNvPicPr>
+          <p:nvPr/>
+        </p:nvPicPr>
+        <p:blipFill>
+          <a:blip r:embed="rId3">
+            <a:extLst>
+              <a:ext uri="{28A0092B-C50C-407E-A947-70E740481C1C}">
+                <a14:useLocalDpi xmlns:a14="http://schemas.microsoft.com/office/drawing/2010/main" val="0"/>
+              </a:ext>
+            </a:extLst>
+          </a:blip>
+          <a:srcRect/>
+          <a:stretch>
+            <a:fillRect/>
+          </a:stretch>
+        </p:blipFill>
+        <p:spPr bwMode="auto">
+          <a:xfrm>
+            <a:off x="827584" y="2204864"/>
+            <a:ext cx="2448272" cy="2191203"/>
+          </a:xfrm>
+          <a:prstGeom prst="rect">
+            <a:avLst/>
+          </a:prstGeom>
+          <a:noFill/>
+          <a:extLst>
+            <a:ext uri="{909E8E84-426E-40DD-AFC4-6F175D3DCCD1}">
+              <a14:hiddenFill xmlns:a14="http://schemas.microsoft.com/office/drawing/2010/main">
+                <a:solidFill>
+                  <a:srgbClr val="FFFFFF"/>
+                </a:solidFill>
+              </a14:hiddenFill>
+            </a:ext>
+          </a:extLst>
+        </p:spPr>
+      </p:pic>
+    </p:spTree>
+    <p:extLst>
+      <p:ext uri="{BB962C8B-B14F-4D97-AF65-F5344CB8AC3E}">
+        <p14:creationId xmlns:p14="http://schemas.microsoft.com/office/powerpoint/2010/main" val="320738395"/>
+      </p:ext>
+    </p:extLst>
+  </p:cSld>
+  <p:clrMapOvr>
+    <a:masterClrMapping/>
+  </p:clrMapOvr>
+</p:sld>
+</file>
+
+<file path=ppt/slides/slide13.xml><?xml version="1.0" encoding="utf-8"?>
+<p:sld xmlns:a="http://schemas.openxmlformats.org/drawingml/2006/main" xmlns:r="http://schemas.openxmlformats.org/officeDocument/2006/relationships" xmlns:p="http://schemas.openxmlformats.org/presentationml/2006/main">
+  <p:cSld>
+    <p:spTree>
+      <p:nvGrpSpPr>
+        <p:cNvPr id="1" name=""/>
+        <p:cNvGrpSpPr/>
+        <p:nvPr/>
+      </p:nvGrpSpPr>
+      <p:grpSpPr>
+        <a:xfrm>
+          <a:off x="0" y="0"/>
+          <a:ext cx="0" cy="0"/>
+          <a:chOff x="0" y="0"/>
+          <a:chExt cx="0" cy="0"/>
+        </a:xfrm>
+      </p:grpSpPr>
+      <p:sp>
+        <p:nvSpPr>
+          <p:cNvPr id="2" name="テキスト プレースホルダー 1">
+            <a:extLst>
+              <a:ext uri="{FF2B5EF4-FFF2-40B4-BE49-F238E27FC236}">
+                <a16:creationId xmlns:a16="http://schemas.microsoft.com/office/drawing/2014/main" id="{1D3FEE48-FD9F-497A-9E4A-083C8B46B234}"/>
+              </a:ext>
+            </a:extLst>
+          </p:cNvPr>
+          <p:cNvSpPr>
+            <a:spLocks noGrp="1"/>
+          </p:cNvSpPr>
+          <p:nvPr>
+            <p:ph type="body" sz="quarter" idx="10"/>
+          </p:nvPr>
+        </p:nvSpPr>
+        <p:spPr/>
+        <p:txBody>
+          <a:bodyPr/>
+          <a:lstStyle/>
+          <a:p>
+            <a:r>
+              <a:rPr lang="ja-JP" altLang="en-US"/>
+              <a:t>履歴保存とデバッグ</a:t>
+            </a:r>
+            <a:endParaRPr lang="en-US"/>
+          </a:p>
+        </p:txBody>
+      </p:sp>
+      <p:sp>
+        <p:nvSpPr>
+          <p:cNvPr id="3" name="テキスト ボックス 2">
+            <a:extLst>
+              <a:ext uri="{FF2B5EF4-FFF2-40B4-BE49-F238E27FC236}">
+                <a16:creationId xmlns:a16="http://schemas.microsoft.com/office/drawing/2014/main" id="{782180C4-74CD-484A-A6CD-3C511901FD18}"/>
+              </a:ext>
+            </a:extLst>
+          </p:cNvPr>
+          <p:cNvSpPr txBox="1"/>
+          <p:nvPr/>
+        </p:nvSpPr>
+        <p:spPr>
+          <a:xfrm>
+            <a:off x="179512" y="1340768"/>
+            <a:ext cx="6946132" cy="523220"/>
+          </a:xfrm>
+          <a:prstGeom prst="rect">
+            <a:avLst/>
+          </a:prstGeom>
+          <a:noFill/>
+        </p:spPr>
+        <p:txBody>
+          <a:bodyPr wrap="none" rtlCol="0">
+            <a:spAutoFit/>
+          </a:bodyPr>
+          <a:lstStyle/>
+          <a:p>
+            <a:r>
+              <a:rPr lang="ja-JP" altLang="en-US" sz="2800"/>
+              <a:t>バージョン管理システムを使っていれば</a:t>
+            </a:r>
+            <a:r>
+              <a:rPr lang="en-US" altLang="ja-JP" sz="2800"/>
+              <a:t>...</a:t>
+            </a:r>
+            <a:endParaRPr lang="en-US" sz="2800"/>
+          </a:p>
+        </p:txBody>
+      </p:sp>
+      <p:sp>
+        <p:nvSpPr>
+          <p:cNvPr id="4" name="テキスト ボックス 3">
+            <a:extLst>
+              <a:ext uri="{FF2B5EF4-FFF2-40B4-BE49-F238E27FC236}">
+                <a16:creationId xmlns:a16="http://schemas.microsoft.com/office/drawing/2014/main" id="{25325F62-13F7-47E5-B195-EF64B26A6129}"/>
+              </a:ext>
+            </a:extLst>
+          </p:cNvPr>
+          <p:cNvSpPr txBox="1"/>
+          <p:nvPr/>
+        </p:nvSpPr>
+        <p:spPr>
+          <a:xfrm>
+            <a:off x="611560" y="2204864"/>
+            <a:ext cx="7622600" cy="461665"/>
+          </a:xfrm>
+          <a:prstGeom prst="rect">
+            <a:avLst/>
+          </a:prstGeom>
+          <a:noFill/>
+        </p:spPr>
+        <p:txBody>
+          <a:bodyPr wrap="none" rtlCol="0">
+            <a:spAutoFit/>
+          </a:bodyPr>
+          <a:lstStyle/>
+          <a:p>
+            <a:r>
+              <a:rPr lang="ja-JP" altLang="en-US" sz="2400"/>
+              <a:t>修正前のメインカーネルを取得し、</a:t>
+            </a:r>
+            <a:r>
+              <a:rPr lang="en-US" altLang="ja-JP" sz="2400"/>
+              <a:t>Input B</a:t>
+            </a:r>
+            <a:r>
+              <a:rPr lang="ja-JP" altLang="en-US" sz="2400"/>
+              <a:t>を食わせる</a:t>
+            </a:r>
+            <a:endParaRPr lang="en-US" altLang="ja-JP" sz="2400"/>
+          </a:p>
+        </p:txBody>
+      </p:sp>
+      <p:sp>
+        <p:nvSpPr>
+          <p:cNvPr id="5" name="角丸四角形 44">
+            <a:extLst>
+              <a:ext uri="{FF2B5EF4-FFF2-40B4-BE49-F238E27FC236}">
+                <a16:creationId xmlns:a16="http://schemas.microsoft.com/office/drawing/2014/main" id="{34FA70B2-ECC8-4444-8030-92425F21DB4F}"/>
+              </a:ext>
+            </a:extLst>
+          </p:cNvPr>
+          <p:cNvSpPr/>
+          <p:nvPr/>
+        </p:nvSpPr>
+        <p:spPr>
+          <a:xfrm>
+            <a:off x="4133750" y="3140968"/>
+            <a:ext cx="1143000" cy="533400"/>
+          </a:xfrm>
+          <a:prstGeom prst="roundRect">
+            <a:avLst>
+              <a:gd name="adj" fmla="val 50000"/>
+            </a:avLst>
+          </a:prstGeom>
+          <a:noFill/>
+          <a:ln w="38100">
+            <a:solidFill>
+              <a:srgbClr val="3366FF"/>
+            </a:solidFill>
+          </a:ln>
+          <a:effectLst/>
+        </p:spPr>
+        <p:style>
+          <a:lnRef idx="1">
+            <a:schemeClr val="accent1"/>
+          </a:lnRef>
+          <a:fillRef idx="3">
+            <a:schemeClr val="accent1"/>
+          </a:fillRef>
+          <a:effectRef idx="2">
+            <a:schemeClr val="accent1"/>
+          </a:effectRef>
+          <a:fontRef idx="minor">
+            <a:schemeClr val="lt1"/>
+          </a:fontRef>
+        </p:style>
+        <p:txBody>
+          <a:bodyPr rtlCol="0" anchor="ctr"/>
+          <a:lstStyle/>
+          <a:p>
+            <a:pPr algn="ctr"/>
+            <a:r>
+              <a:rPr kumimoji="1" lang="en-US" altLang="ja-JP" sz="1600" dirty="0">
+                <a:solidFill>
+                  <a:srgbClr val="000000"/>
+                </a:solidFill>
+              </a:rPr>
+              <a:t>OK</a:t>
+            </a:r>
+            <a:endParaRPr kumimoji="1" lang="ja-JP" altLang="en-US" sz="1600" dirty="0">
+              <a:solidFill>
+                <a:srgbClr val="000000"/>
+              </a:solidFill>
+            </a:endParaRPr>
+          </a:p>
+        </p:txBody>
+      </p:sp>
+      <p:sp>
+        <p:nvSpPr>
+          <p:cNvPr id="6" name="角丸四角形 45">
+            <a:extLst>
+              <a:ext uri="{FF2B5EF4-FFF2-40B4-BE49-F238E27FC236}">
+                <a16:creationId xmlns:a16="http://schemas.microsoft.com/office/drawing/2014/main" id="{D99D3F3C-899B-4F4A-A2F3-9BB86F1404AA}"/>
+              </a:ext>
+            </a:extLst>
+          </p:cNvPr>
+          <p:cNvSpPr/>
+          <p:nvPr/>
+        </p:nvSpPr>
+        <p:spPr>
+          <a:xfrm>
+            <a:off x="4156997" y="4174187"/>
+            <a:ext cx="1143000" cy="533400"/>
+          </a:xfrm>
+          <a:prstGeom prst="roundRect">
+            <a:avLst>
+              <a:gd name="adj" fmla="val 50000"/>
+            </a:avLst>
+          </a:prstGeom>
+          <a:noFill/>
+          <a:ln w="38100">
+            <a:solidFill>
+              <a:srgbClr val="FF0000"/>
+            </a:solidFill>
+          </a:ln>
+          <a:effectLst/>
+        </p:spPr>
+        <p:style>
+          <a:lnRef idx="1">
+            <a:schemeClr val="accent1"/>
+          </a:lnRef>
+          <a:fillRef idx="3">
+            <a:schemeClr val="accent1"/>
+          </a:fillRef>
+          <a:effectRef idx="2">
+            <a:schemeClr val="accent1"/>
+          </a:effectRef>
+          <a:fontRef idx="minor">
+            <a:schemeClr val="lt1"/>
+          </a:fontRef>
+        </p:style>
+        <p:txBody>
+          <a:bodyPr rtlCol="0" anchor="ctr"/>
+          <a:lstStyle/>
+          <a:p>
+            <a:pPr algn="ctr"/>
+            <a:r>
+              <a:rPr kumimoji="1" lang="en-US" altLang="ja-JP" sz="1600" dirty="0">
+                <a:solidFill>
+                  <a:srgbClr val="000000"/>
+                </a:solidFill>
+              </a:rPr>
+              <a:t>NG</a:t>
+            </a:r>
+            <a:endParaRPr kumimoji="1" lang="ja-JP" altLang="en-US" sz="1600" dirty="0">
+              <a:solidFill>
+                <a:srgbClr val="000000"/>
+              </a:solidFill>
+            </a:endParaRPr>
+          </a:p>
+        </p:txBody>
+      </p:sp>
+      <p:sp>
+        <p:nvSpPr>
+          <p:cNvPr id="7" name="右矢印 46">
+            <a:extLst>
+              <a:ext uri="{FF2B5EF4-FFF2-40B4-BE49-F238E27FC236}">
+                <a16:creationId xmlns:a16="http://schemas.microsoft.com/office/drawing/2014/main" id="{A6A4AFFF-FBE8-4F23-AF86-A8694A666A6B}"/>
+              </a:ext>
+            </a:extLst>
+          </p:cNvPr>
+          <p:cNvSpPr/>
+          <p:nvPr/>
+        </p:nvSpPr>
+        <p:spPr>
+          <a:xfrm rot="19800000">
+            <a:off x="3543521" y="3487097"/>
+            <a:ext cx="441702" cy="302217"/>
+          </a:xfrm>
+          <a:prstGeom prst="rightArrow">
+            <a:avLst/>
+          </a:prstGeom>
+          <a:solidFill>
+            <a:srgbClr val="FF0000"/>
+          </a:solidFill>
+          <a:ln>
+            <a:solidFill>
+              <a:schemeClr val="tx1"/>
+            </a:solidFill>
+          </a:ln>
+          <a:effectLst/>
+        </p:spPr>
+        <p:style>
+          <a:lnRef idx="1">
+            <a:schemeClr val="accent1"/>
+          </a:lnRef>
+          <a:fillRef idx="3">
+            <a:schemeClr val="accent1"/>
+          </a:fillRef>
+          <a:effectRef idx="2">
+            <a:schemeClr val="accent1"/>
+          </a:effectRef>
+          <a:fontRef idx="minor">
+            <a:schemeClr val="lt1"/>
+          </a:fontRef>
+        </p:style>
+        <p:txBody>
+          <a:bodyPr rtlCol="0" anchor="ctr"/>
+          <a:lstStyle/>
+          <a:p>
+            <a:pPr algn="ctr"/>
+            <a:endParaRPr kumimoji="1" lang="ja-JP" altLang="en-US" dirty="0">
+              <a:solidFill>
+                <a:srgbClr val="000000"/>
+              </a:solidFill>
+            </a:endParaRPr>
+          </a:p>
+        </p:txBody>
+      </p:sp>
+      <p:sp>
+        <p:nvSpPr>
+          <p:cNvPr id="8" name="右矢印 47">
+            <a:extLst>
+              <a:ext uri="{FF2B5EF4-FFF2-40B4-BE49-F238E27FC236}">
+                <a16:creationId xmlns:a16="http://schemas.microsoft.com/office/drawing/2014/main" id="{57691A17-1245-4F73-BBFF-A33C097312E7}"/>
+              </a:ext>
+            </a:extLst>
+          </p:cNvPr>
+          <p:cNvSpPr/>
+          <p:nvPr/>
+        </p:nvSpPr>
+        <p:spPr>
+          <a:xfrm rot="1800000">
+            <a:off x="3556438" y="4104447"/>
+            <a:ext cx="441702" cy="302217"/>
+          </a:xfrm>
+          <a:prstGeom prst="rightArrow">
+            <a:avLst/>
+          </a:prstGeom>
+          <a:solidFill>
+            <a:srgbClr val="FF0000"/>
+          </a:solidFill>
+          <a:ln>
+            <a:solidFill>
+              <a:schemeClr val="tx1"/>
+            </a:solidFill>
+          </a:ln>
+          <a:effectLst/>
+        </p:spPr>
+        <p:style>
+          <a:lnRef idx="1">
+            <a:schemeClr val="accent1"/>
+          </a:lnRef>
+          <a:fillRef idx="3">
+            <a:schemeClr val="accent1"/>
+          </a:fillRef>
+          <a:effectRef idx="2">
+            <a:schemeClr val="accent1"/>
+          </a:effectRef>
+          <a:fontRef idx="minor">
+            <a:schemeClr val="lt1"/>
+          </a:fontRef>
+        </p:style>
+        <p:txBody>
+          <a:bodyPr rtlCol="0" anchor="ctr"/>
+          <a:lstStyle/>
+          <a:p>
+            <a:pPr algn="ctr"/>
+            <a:endParaRPr kumimoji="1" lang="ja-JP" altLang="en-US" dirty="0">
+              <a:solidFill>
+                <a:srgbClr val="000000"/>
+              </a:solidFill>
+            </a:endParaRPr>
+          </a:p>
+        </p:txBody>
+      </p:sp>
+      <p:sp>
+        <p:nvSpPr>
+          <p:cNvPr id="9" name="テキスト ボックス 8">
+            <a:extLst>
+              <a:ext uri="{FF2B5EF4-FFF2-40B4-BE49-F238E27FC236}">
+                <a16:creationId xmlns:a16="http://schemas.microsoft.com/office/drawing/2014/main" id="{71B61AA1-5D65-4EDB-A16B-2BD733DEC39A}"/>
+              </a:ext>
+            </a:extLst>
+          </p:cNvPr>
+          <p:cNvSpPr txBox="1"/>
+          <p:nvPr/>
+        </p:nvSpPr>
+        <p:spPr>
+          <a:xfrm>
+            <a:off x="5357886" y="3140968"/>
+            <a:ext cx="3456384" cy="400110"/>
+          </a:xfrm>
+          <a:prstGeom prst="rect">
+            <a:avLst/>
+          </a:prstGeom>
+          <a:noFill/>
+        </p:spPr>
+        <p:txBody>
+          <a:bodyPr wrap="square" rtlCol="0">
+            <a:spAutoFit/>
+          </a:bodyPr>
+          <a:lstStyle/>
+          <a:p>
+            <a:r>
+              <a:rPr kumimoji="1" lang="ja-JP" altLang="en-US" sz="2000"/>
+              <a:t>今回の修正でバグが入った</a:t>
+            </a:r>
+          </a:p>
+        </p:txBody>
+      </p:sp>
+      <p:sp>
+        <p:nvSpPr>
+          <p:cNvPr id="10" name="正方形/長方形 9">
+            <a:extLst>
+              <a:ext uri="{FF2B5EF4-FFF2-40B4-BE49-F238E27FC236}">
+                <a16:creationId xmlns:a16="http://schemas.microsoft.com/office/drawing/2014/main" id="{6F593C16-2713-4171-B84E-9FB07804F838}"/>
+              </a:ext>
+            </a:extLst>
+          </p:cNvPr>
+          <p:cNvSpPr/>
+          <p:nvPr/>
+        </p:nvSpPr>
+        <p:spPr>
+          <a:xfrm>
+            <a:off x="1939448" y="3646250"/>
+            <a:ext cx="1447800" cy="533400"/>
+          </a:xfrm>
+          <a:prstGeom prst="rect">
+            <a:avLst/>
+          </a:prstGeom>
+          <a:solidFill>
+            <a:schemeClr val="accent1"/>
+          </a:solidFill>
+          <a:ln>
+            <a:solidFill>
+              <a:schemeClr val="tx1"/>
+            </a:solidFill>
+          </a:ln>
+          <a:effectLst/>
+        </p:spPr>
+        <p:style>
+          <a:lnRef idx="1">
+            <a:schemeClr val="accent1"/>
+          </a:lnRef>
+          <a:fillRef idx="3">
+            <a:schemeClr val="accent1"/>
+          </a:fillRef>
+          <a:effectRef idx="2">
+            <a:schemeClr val="accent1"/>
+          </a:effectRef>
+          <a:fontRef idx="minor">
+            <a:schemeClr val="lt1"/>
+          </a:fontRef>
+        </p:style>
+        <p:txBody>
+          <a:bodyPr rtlCol="0" anchor="ctr"/>
+          <a:lstStyle/>
+          <a:p>
+            <a:pPr algn="ctr"/>
+            <a:r>
+              <a:rPr lang="ja-JP" altLang="en-US" sz="1600" dirty="0">
+                <a:solidFill>
+                  <a:srgbClr val="000000"/>
+                </a:solidFill>
+              </a:rPr>
+              <a:t>計算ルーチン</a:t>
+            </a:r>
+            <a:endParaRPr lang="en-US" altLang="ja-JP" sz="1600" dirty="0">
+              <a:solidFill>
+                <a:srgbClr val="000000"/>
+              </a:solidFill>
+            </a:endParaRPr>
+          </a:p>
+          <a:p>
+            <a:pPr algn="ctr"/>
+            <a:r>
+              <a:rPr kumimoji="1" lang="en-US" altLang="ja-JP" sz="1600" dirty="0">
+                <a:solidFill>
+                  <a:srgbClr val="000000"/>
+                </a:solidFill>
+              </a:rPr>
+              <a:t>(</a:t>
+            </a:r>
+            <a:r>
+              <a:rPr kumimoji="1" lang="ja-JP" altLang="en-US" sz="1600" dirty="0">
+                <a:solidFill>
+                  <a:srgbClr val="000000"/>
+                </a:solidFill>
+              </a:rPr>
+              <a:t>修正前</a:t>
+            </a:r>
+            <a:r>
+              <a:rPr kumimoji="1" lang="en-US" altLang="ja-JP" sz="1600" dirty="0">
+                <a:solidFill>
+                  <a:srgbClr val="000000"/>
+                </a:solidFill>
+              </a:rPr>
+              <a:t>)</a:t>
+            </a:r>
+            <a:endParaRPr kumimoji="1" lang="ja-JP" altLang="en-US" sz="1600" dirty="0">
+              <a:solidFill>
+                <a:srgbClr val="000000"/>
+              </a:solidFill>
+            </a:endParaRPr>
+          </a:p>
+        </p:txBody>
+      </p:sp>
+      <p:sp>
+        <p:nvSpPr>
+          <p:cNvPr id="11" name="角丸四角形 49">
+            <a:extLst>
+              <a:ext uri="{FF2B5EF4-FFF2-40B4-BE49-F238E27FC236}">
+                <a16:creationId xmlns:a16="http://schemas.microsoft.com/office/drawing/2014/main" id="{2165B7AC-1058-4A7A-AD30-0233DB338733}"/>
+              </a:ext>
+            </a:extLst>
+          </p:cNvPr>
+          <p:cNvSpPr/>
+          <p:nvPr/>
+        </p:nvSpPr>
+        <p:spPr>
+          <a:xfrm>
+            <a:off x="179512" y="3646250"/>
+            <a:ext cx="1446179" cy="533400"/>
+          </a:xfrm>
+          <a:prstGeom prst="roundRect">
+            <a:avLst>
+              <a:gd name="adj" fmla="val 50000"/>
+            </a:avLst>
+          </a:prstGeom>
+          <a:solidFill>
+            <a:srgbClr val="92D050"/>
+          </a:solidFill>
+          <a:ln w="38100">
+            <a:solidFill>
+              <a:srgbClr val="FF0000"/>
+            </a:solidFill>
+          </a:ln>
+          <a:effectLst/>
+        </p:spPr>
+        <p:style>
+          <a:lnRef idx="1">
+            <a:schemeClr val="accent1"/>
+          </a:lnRef>
+          <a:fillRef idx="3">
+            <a:schemeClr val="accent1"/>
+          </a:fillRef>
+          <a:effectRef idx="2">
+            <a:schemeClr val="accent1"/>
+          </a:effectRef>
+          <a:fontRef idx="minor">
+            <a:schemeClr val="lt1"/>
+          </a:fontRef>
+        </p:style>
+        <p:txBody>
+          <a:bodyPr rtlCol="0" anchor="ctr"/>
+          <a:lstStyle/>
+          <a:p>
+            <a:pPr algn="ctr"/>
+            <a:r>
+              <a:rPr kumimoji="1" lang="ja-JP" altLang="en-US" sz="1400" dirty="0">
+                <a:solidFill>
+                  <a:srgbClr val="000000"/>
+                </a:solidFill>
+              </a:rPr>
+              <a:t>インプット</a:t>
+            </a:r>
+            <a:r>
+              <a:rPr kumimoji="1" lang="en-US" altLang="ja-JP" sz="1400" dirty="0">
+                <a:solidFill>
+                  <a:srgbClr val="000000"/>
+                </a:solidFill>
+              </a:rPr>
+              <a:t> B</a:t>
+            </a:r>
+            <a:endParaRPr kumimoji="1" lang="ja-JP" altLang="en-US" sz="1400" dirty="0">
+              <a:solidFill>
+                <a:srgbClr val="000000"/>
+              </a:solidFill>
+            </a:endParaRPr>
+          </a:p>
+        </p:txBody>
+      </p:sp>
+      <p:cxnSp>
+        <p:nvCxnSpPr>
+          <p:cNvPr id="12" name="直線矢印コネクタ 11">
+            <a:extLst>
+              <a:ext uri="{FF2B5EF4-FFF2-40B4-BE49-F238E27FC236}">
+                <a16:creationId xmlns:a16="http://schemas.microsoft.com/office/drawing/2014/main" id="{AA9E76FD-F344-4EC5-A039-6204A7CE6BF8}"/>
+              </a:ext>
+            </a:extLst>
+          </p:cNvPr>
+          <p:cNvCxnSpPr>
+            <a:cxnSpLocks/>
+            <a:stCxn id="11" idx="3"/>
+            <a:endCxn id="10" idx="1"/>
+          </p:cNvCxnSpPr>
+          <p:nvPr/>
+        </p:nvCxnSpPr>
+        <p:spPr>
+          <a:xfrm>
+            <a:off x="1625691" y="3912950"/>
+            <a:ext cx="313757" cy="0"/>
+          </a:xfrm>
+          <a:prstGeom prst="straightConnector1">
+            <a:avLst/>
+          </a:prstGeom>
+          <a:ln>
+            <a:solidFill>
+              <a:schemeClr val="tx1"/>
+            </a:solidFill>
+            <a:tailEnd type="arrow"/>
+          </a:ln>
+        </p:spPr>
+        <p:style>
+          <a:lnRef idx="1">
+            <a:schemeClr val="accent1"/>
+          </a:lnRef>
+          <a:fillRef idx="0">
+            <a:schemeClr val="accent1"/>
+          </a:fillRef>
+          <a:effectRef idx="0">
+            <a:schemeClr val="accent1"/>
+          </a:effectRef>
+          <a:fontRef idx="minor">
+            <a:schemeClr val="tx1"/>
+          </a:fontRef>
+        </p:style>
+      </p:cxnSp>
+      <p:sp>
+        <p:nvSpPr>
+          <p:cNvPr id="13" name="テキスト ボックス 12">
+            <a:extLst>
+              <a:ext uri="{FF2B5EF4-FFF2-40B4-BE49-F238E27FC236}">
+                <a16:creationId xmlns:a16="http://schemas.microsoft.com/office/drawing/2014/main" id="{D503A405-9DFC-4FF6-9A75-578E9C1B6A82}"/>
+              </a:ext>
+            </a:extLst>
+          </p:cNvPr>
+          <p:cNvSpPr txBox="1"/>
+          <p:nvPr/>
+        </p:nvSpPr>
+        <p:spPr>
+          <a:xfrm>
+            <a:off x="5328411" y="4241348"/>
+            <a:ext cx="3773892" cy="400110"/>
+          </a:xfrm>
+          <a:prstGeom prst="rect">
+            <a:avLst/>
+          </a:prstGeom>
+          <a:noFill/>
+        </p:spPr>
+        <p:txBody>
+          <a:bodyPr wrap="square" rtlCol="0">
+            <a:spAutoFit/>
+          </a:bodyPr>
+          <a:lstStyle/>
+          <a:p>
+            <a:r>
+              <a:rPr kumimoji="1" lang="ja-JP" altLang="en-US" sz="2000"/>
+              <a:t>もともとあったバグが顕在化</a:t>
+            </a:r>
+          </a:p>
+        </p:txBody>
+      </p:sp>
+      <p:sp>
+        <p:nvSpPr>
+          <p:cNvPr id="17" name="右矢印 9">
+            <a:extLst>
+              <a:ext uri="{FF2B5EF4-FFF2-40B4-BE49-F238E27FC236}">
+                <a16:creationId xmlns:a16="http://schemas.microsoft.com/office/drawing/2014/main" id="{D1D6AD44-D757-4A2B-AFB1-4954CF8B3401}"/>
+              </a:ext>
+            </a:extLst>
+          </p:cNvPr>
+          <p:cNvSpPr/>
+          <p:nvPr/>
+        </p:nvSpPr>
+        <p:spPr>
+          <a:xfrm>
+            <a:off x="4139952" y="5733256"/>
+            <a:ext cx="576064" cy="556640"/>
+          </a:xfrm>
+          <a:prstGeom prst="rightArrow">
+            <a:avLst/>
+          </a:prstGeom>
+          <a:solidFill>
+            <a:srgbClr val="FF0000"/>
+          </a:solidFill>
+          <a:ln>
+            <a:solidFill>
+              <a:schemeClr val="tx1"/>
+            </a:solidFill>
+          </a:ln>
+        </p:spPr>
+        <p:style>
+          <a:lnRef idx="2">
+            <a:schemeClr val="accent1">
+              <a:shade val="50000"/>
+            </a:schemeClr>
+          </a:lnRef>
+          <a:fillRef idx="1">
+            <a:schemeClr val="accent1"/>
+          </a:fillRef>
+          <a:effectRef idx="0">
+            <a:schemeClr val="accent1"/>
+          </a:effectRef>
+          <a:fontRef idx="minor">
+            <a:schemeClr val="lt1"/>
+          </a:fontRef>
+        </p:style>
+        <p:txBody>
+          <a:bodyPr rtlCol="0" anchor="ctr"/>
+          <a:lstStyle/>
+          <a:p>
+            <a:pPr algn="ctr"/>
+            <a:endParaRPr kumimoji="1" lang="ja-JP" altLang="en-US"/>
+          </a:p>
+        </p:txBody>
+      </p:sp>
+      <p:sp>
+        <p:nvSpPr>
+          <p:cNvPr id="18" name="テキスト ボックス 17">
+            <a:extLst>
+              <a:ext uri="{FF2B5EF4-FFF2-40B4-BE49-F238E27FC236}">
+                <a16:creationId xmlns:a16="http://schemas.microsoft.com/office/drawing/2014/main" id="{74E2CA68-392D-4A40-9FE7-045483927D05}"/>
+              </a:ext>
+            </a:extLst>
+          </p:cNvPr>
+          <p:cNvSpPr txBox="1"/>
+          <p:nvPr/>
+        </p:nvSpPr>
+        <p:spPr>
+          <a:xfrm>
+            <a:off x="4860032" y="5733256"/>
+            <a:ext cx="3262432" cy="461665"/>
+          </a:xfrm>
+          <a:prstGeom prst="rect">
+            <a:avLst/>
+          </a:prstGeom>
+          <a:noFill/>
+        </p:spPr>
+        <p:txBody>
+          <a:bodyPr wrap="none" rtlCol="0">
+            <a:spAutoFit/>
+          </a:bodyPr>
+          <a:lstStyle/>
+          <a:p>
+            <a:r>
+              <a:rPr lang="ja-JP" altLang="en-US" sz="2400"/>
+              <a:t>問題の切り分けが容易</a:t>
+            </a:r>
+            <a:endParaRPr lang="en-US" sz="2400"/>
+          </a:p>
+        </p:txBody>
+      </p:sp>
+      <p:pic>
+        <p:nvPicPr>
+          <p:cNvPr id="4098" name="Picture 2" descr="音楽を聴きながら仕事をする人のイラスト（男性）">
+            <a:extLst>
+              <a:ext uri="{FF2B5EF4-FFF2-40B4-BE49-F238E27FC236}">
+                <a16:creationId xmlns:a16="http://schemas.microsoft.com/office/drawing/2014/main" id="{103C4736-5FDD-4A72-B62A-D78A4E999892}"/>
+              </a:ext>
+            </a:extLst>
+          </p:cNvPr>
+          <p:cNvPicPr>
+            <a:picLocks noChangeAspect="1" noChangeArrowheads="1"/>
+          </p:cNvPicPr>
+          <p:nvPr/>
+        </p:nvPicPr>
+        <p:blipFill>
+          <a:blip r:embed="rId2">
+            <a:extLst>
+              <a:ext uri="{28A0092B-C50C-407E-A947-70E740481C1C}">
+                <a14:useLocalDpi xmlns:a14="http://schemas.microsoft.com/office/drawing/2010/main" val="0"/>
+              </a:ext>
+            </a:extLst>
+          </a:blip>
+          <a:srcRect/>
+          <a:stretch>
+            <a:fillRect/>
+          </a:stretch>
+        </p:blipFill>
+        <p:spPr bwMode="auto">
+          <a:xfrm>
+            <a:off x="467544" y="4383690"/>
+            <a:ext cx="2697088" cy="2467836"/>
+          </a:xfrm>
+          <a:prstGeom prst="rect">
+            <a:avLst/>
+          </a:prstGeom>
+          <a:noFill/>
+          <a:extLst>
+            <a:ext uri="{909E8E84-426E-40DD-AFC4-6F175D3DCCD1}">
+              <a14:hiddenFill xmlns:a14="http://schemas.microsoft.com/office/drawing/2010/main">
+                <a:solidFill>
+                  <a:srgbClr val="FFFFFF"/>
+                </a:solidFill>
+              </a14:hiddenFill>
+            </a:ext>
+          </a:extLst>
+        </p:spPr>
+      </p:pic>
+    </p:spTree>
+    <p:extLst>
+      <p:ext uri="{BB962C8B-B14F-4D97-AF65-F5344CB8AC3E}">
+        <p14:creationId xmlns:p14="http://schemas.microsoft.com/office/powerpoint/2010/main" val="4143246568"/>
+      </p:ext>
+    </p:extLst>
+  </p:cSld>
+  <p:clrMapOvr>
+    <a:masterClrMapping/>
+  </p:clrMapOvr>
+</p:sld>
+</file>
+
+<file path=ppt/slides/slide14.xml><?xml version="1.0" encoding="utf-8"?>
+<p:sld xmlns:a="http://schemas.openxmlformats.org/drawingml/2006/main" xmlns:r="http://schemas.openxmlformats.org/officeDocument/2006/relationships" xmlns:p="http://schemas.openxmlformats.org/presentationml/2006/main">
+  <p:cSld>
+    <p:spTree>
+      <p:nvGrpSpPr>
+        <p:cNvPr id="1" name=""/>
+        <p:cNvGrpSpPr/>
+        <p:nvPr/>
+      </p:nvGrpSpPr>
+      <p:grpSpPr>
+        <a:xfrm>
+          <a:off x="0" y="0"/>
+          <a:ext cx="0" cy="0"/>
+          <a:chOff x="0" y="0"/>
+          <a:chExt cx="0" cy="0"/>
+        </a:xfrm>
+      </p:grpSpPr>
+      <p:sp>
+        <p:nvSpPr>
+          <p:cNvPr id="2" name="テキスト プレースホルダー 1">
+            <a:extLst>
+              <a:ext uri="{FF2B5EF4-FFF2-40B4-BE49-F238E27FC236}">
+                <a16:creationId xmlns:a16="http://schemas.microsoft.com/office/drawing/2014/main" id="{0B3309D2-B0DF-446B-9CF6-1A5D00BAF9E5}"/>
+              </a:ext>
+            </a:extLst>
+          </p:cNvPr>
+          <p:cNvSpPr>
+            <a:spLocks noGrp="1"/>
+          </p:cNvSpPr>
+          <p:nvPr>
+            <p:ph type="body" sz="quarter" idx="10"/>
+          </p:nvPr>
+        </p:nvSpPr>
+        <p:spPr/>
+        <p:txBody>
+          <a:bodyPr/>
+          <a:lstStyle/>
+          <a:p>
+            <a:r>
+              <a:rPr lang="ja-JP" altLang="en-US" sz="3600"/>
+              <a:t>プログラミングのできる人、できない人</a:t>
+            </a:r>
+            <a:endParaRPr lang="en-US" sz="3600"/>
+          </a:p>
+        </p:txBody>
+      </p:sp>
+      <p:pic>
+        <p:nvPicPr>
+          <p:cNvPr id="3" name="Picture 2" descr="忙しく仕事をしている男性会社員のイラスト">
+            <a:extLst>
+              <a:ext uri="{FF2B5EF4-FFF2-40B4-BE49-F238E27FC236}">
+                <a16:creationId xmlns:a16="http://schemas.microsoft.com/office/drawing/2014/main" id="{80D8766A-28C4-4D30-8FC3-A1D6E406EA84}"/>
+              </a:ext>
+            </a:extLst>
+          </p:cNvPr>
+          <p:cNvPicPr>
+            <a:picLocks noChangeAspect="1" noChangeArrowheads="1"/>
+          </p:cNvPicPr>
+          <p:nvPr/>
+        </p:nvPicPr>
+        <p:blipFill>
+          <a:blip r:embed="rId2">
+            <a:extLst>
+              <a:ext uri="{28A0092B-C50C-407E-A947-70E740481C1C}">
+                <a14:useLocalDpi xmlns:a14="http://schemas.microsoft.com/office/drawing/2010/main" val="0"/>
+              </a:ext>
+            </a:extLst>
+          </a:blip>
+          <a:srcRect/>
+          <a:stretch>
+            <a:fillRect/>
+          </a:stretch>
+        </p:blipFill>
+        <p:spPr bwMode="auto">
+          <a:xfrm>
+            <a:off x="1619672" y="1844824"/>
+            <a:ext cx="2172309" cy="1944216"/>
+          </a:xfrm>
+          <a:prstGeom prst="rect">
+            <a:avLst/>
+          </a:prstGeom>
+          <a:noFill/>
+          <a:extLst>
+            <a:ext uri="{909E8E84-426E-40DD-AFC4-6F175D3DCCD1}">
+              <a14:hiddenFill xmlns:a14="http://schemas.microsoft.com/office/drawing/2010/main">
+                <a:solidFill>
+                  <a:srgbClr val="FFFFFF"/>
+                </a:solidFill>
+              </a14:hiddenFill>
+            </a:ext>
+          </a:extLst>
+        </p:spPr>
+      </p:pic>
+      <p:pic>
+        <p:nvPicPr>
+          <p:cNvPr id="4" name="Picture 4" descr="音楽を聴きながら仕事をする人のイラスト（男性）">
+            <a:extLst>
+              <a:ext uri="{FF2B5EF4-FFF2-40B4-BE49-F238E27FC236}">
+                <a16:creationId xmlns:a16="http://schemas.microsoft.com/office/drawing/2014/main" id="{876AD25E-1B1F-4DD1-A46B-4913FADE8A60}"/>
+              </a:ext>
+            </a:extLst>
+          </p:cNvPr>
+          <p:cNvPicPr>
+            <a:picLocks noChangeAspect="1" noChangeArrowheads="1"/>
+          </p:cNvPicPr>
+          <p:nvPr/>
+        </p:nvPicPr>
+        <p:blipFill>
+          <a:blip r:embed="rId3">
+            <a:extLst>
+              <a:ext uri="{28A0092B-C50C-407E-A947-70E740481C1C}">
+                <a14:useLocalDpi xmlns:a14="http://schemas.microsoft.com/office/drawing/2010/main" val="0"/>
+              </a:ext>
+            </a:extLst>
+          </a:blip>
+          <a:srcRect/>
+          <a:stretch>
+            <a:fillRect/>
+          </a:stretch>
+        </p:blipFill>
+        <p:spPr bwMode="auto">
+          <a:xfrm>
+            <a:off x="5868144" y="1988840"/>
+            <a:ext cx="1967432" cy="1800200"/>
+          </a:xfrm>
+          <a:prstGeom prst="rect">
+            <a:avLst/>
+          </a:prstGeom>
+          <a:noFill/>
+          <a:extLst>
+            <a:ext uri="{909E8E84-426E-40DD-AFC4-6F175D3DCCD1}">
+              <a14:hiddenFill xmlns:a14="http://schemas.microsoft.com/office/drawing/2010/main">
+                <a:solidFill>
+                  <a:srgbClr val="FFFFFF"/>
+                </a:solidFill>
+              </a14:hiddenFill>
+            </a:ext>
+          </a:extLst>
+        </p:spPr>
+      </p:pic>
+      <p:sp>
+        <p:nvSpPr>
+          <p:cNvPr id="5" name="正方形/長方形 4">
+            <a:extLst>
+              <a:ext uri="{FF2B5EF4-FFF2-40B4-BE49-F238E27FC236}">
+                <a16:creationId xmlns:a16="http://schemas.microsoft.com/office/drawing/2014/main" id="{D4EE8D43-F66E-4453-B90B-BEC5D7E14B5C}"/>
+              </a:ext>
+            </a:extLst>
+          </p:cNvPr>
+          <p:cNvSpPr/>
+          <p:nvPr/>
+        </p:nvSpPr>
+        <p:spPr>
+          <a:xfrm>
+            <a:off x="539552" y="4509120"/>
+            <a:ext cx="1080120" cy="720080"/>
+          </a:xfrm>
+          <a:prstGeom prst="rect">
+            <a:avLst/>
+          </a:prstGeom>
+          <a:solidFill>
+            <a:schemeClr val="accent4">
+              <a:lumMod val="20000"/>
+              <a:lumOff val="80000"/>
+            </a:schemeClr>
+          </a:solidFill>
+          <a:ln>
+            <a:solidFill>
+              <a:schemeClr val="tx1"/>
+            </a:solidFill>
+          </a:ln>
+        </p:spPr>
+        <p:style>
+          <a:lnRef idx="2">
+            <a:schemeClr val="accent1">
+              <a:shade val="50000"/>
+            </a:schemeClr>
+          </a:lnRef>
+          <a:fillRef idx="1">
+            <a:schemeClr val="accent1"/>
+          </a:fillRef>
+          <a:effectRef idx="0">
+            <a:schemeClr val="accent1"/>
+          </a:effectRef>
+          <a:fontRef idx="minor">
+            <a:schemeClr val="lt1"/>
+          </a:fontRef>
+        </p:style>
+        <p:txBody>
+          <a:bodyPr rtlCol="0" anchor="ctr"/>
+          <a:lstStyle/>
+          <a:p>
+            <a:pPr algn="ctr"/>
+            <a:endParaRPr kumimoji="1" lang="ja-JP" altLang="en-US"/>
+          </a:p>
+        </p:txBody>
+      </p:sp>
+      <p:sp>
+        <p:nvSpPr>
+          <p:cNvPr id="6" name="正方形/長方形 5">
+            <a:extLst>
+              <a:ext uri="{FF2B5EF4-FFF2-40B4-BE49-F238E27FC236}">
+                <a16:creationId xmlns:a16="http://schemas.microsoft.com/office/drawing/2014/main" id="{08EB73E9-6AE0-42AA-8543-8082A5DC6108}"/>
+              </a:ext>
+            </a:extLst>
+          </p:cNvPr>
+          <p:cNvSpPr/>
+          <p:nvPr/>
+        </p:nvSpPr>
+        <p:spPr>
+          <a:xfrm>
+            <a:off x="1619672" y="4509120"/>
+            <a:ext cx="3240360" cy="720080"/>
+          </a:xfrm>
+          <a:prstGeom prst="rect">
+            <a:avLst/>
+          </a:prstGeom>
+          <a:solidFill>
+            <a:srgbClr val="FF0000"/>
+          </a:solidFill>
+          <a:ln>
+            <a:solidFill>
+              <a:schemeClr val="tx1"/>
+            </a:solidFill>
+          </a:ln>
+        </p:spPr>
+        <p:style>
+          <a:lnRef idx="2">
+            <a:schemeClr val="accent1">
+              <a:shade val="50000"/>
+            </a:schemeClr>
+          </a:lnRef>
+          <a:fillRef idx="1">
+            <a:schemeClr val="accent1"/>
+          </a:fillRef>
+          <a:effectRef idx="0">
+            <a:schemeClr val="accent1"/>
+          </a:effectRef>
+          <a:fontRef idx="minor">
+            <a:schemeClr val="lt1"/>
+          </a:fontRef>
+        </p:style>
+        <p:txBody>
+          <a:bodyPr rtlCol="0" anchor="ctr"/>
+          <a:lstStyle/>
+          <a:p>
+            <a:pPr algn="ctr"/>
+            <a:endParaRPr kumimoji="1" lang="ja-JP" altLang="en-US"/>
+          </a:p>
+        </p:txBody>
+      </p:sp>
+      <p:sp>
+        <p:nvSpPr>
+          <p:cNvPr id="7" name="正方形/長方形 6">
+            <a:extLst>
+              <a:ext uri="{FF2B5EF4-FFF2-40B4-BE49-F238E27FC236}">
+                <a16:creationId xmlns:a16="http://schemas.microsoft.com/office/drawing/2014/main" id="{879E8CB5-A51A-40F5-B992-3355FA19F5C0}"/>
+              </a:ext>
+            </a:extLst>
+          </p:cNvPr>
+          <p:cNvSpPr/>
+          <p:nvPr/>
+        </p:nvSpPr>
+        <p:spPr>
+          <a:xfrm>
+            <a:off x="5580113" y="4509120"/>
+            <a:ext cx="2880320" cy="720080"/>
+          </a:xfrm>
+          <a:prstGeom prst="rect">
+            <a:avLst/>
+          </a:prstGeom>
+          <a:solidFill>
+            <a:schemeClr val="accent4">
+              <a:lumMod val="20000"/>
+              <a:lumOff val="80000"/>
+            </a:schemeClr>
+          </a:solidFill>
+          <a:ln>
+            <a:solidFill>
+              <a:schemeClr val="tx1"/>
+            </a:solidFill>
+          </a:ln>
+        </p:spPr>
+        <p:style>
+          <a:lnRef idx="2">
+            <a:schemeClr val="accent1">
+              <a:shade val="50000"/>
+            </a:schemeClr>
+          </a:lnRef>
+          <a:fillRef idx="1">
+            <a:schemeClr val="accent1"/>
+          </a:fillRef>
+          <a:effectRef idx="0">
+            <a:schemeClr val="accent1"/>
+          </a:effectRef>
+          <a:fontRef idx="minor">
+            <a:schemeClr val="lt1"/>
+          </a:fontRef>
+        </p:style>
+        <p:txBody>
+          <a:bodyPr rtlCol="0" anchor="ctr"/>
+          <a:lstStyle/>
+          <a:p>
+            <a:pPr algn="ctr"/>
+            <a:endParaRPr kumimoji="1" lang="ja-JP" altLang="en-US"/>
+          </a:p>
+        </p:txBody>
+      </p:sp>
+      <p:sp>
+        <p:nvSpPr>
+          <p:cNvPr id="8" name="テキスト ボックス 7">
+            <a:extLst>
+              <a:ext uri="{FF2B5EF4-FFF2-40B4-BE49-F238E27FC236}">
+                <a16:creationId xmlns:a16="http://schemas.microsoft.com/office/drawing/2014/main" id="{87148D5D-EE6F-4ECC-8188-68204F27819B}"/>
+              </a:ext>
+            </a:extLst>
+          </p:cNvPr>
+          <p:cNvSpPr txBox="1"/>
+          <p:nvPr/>
+        </p:nvSpPr>
+        <p:spPr>
+          <a:xfrm>
+            <a:off x="683568" y="4653136"/>
+            <a:ext cx="800219" cy="461665"/>
+          </a:xfrm>
+          <a:prstGeom prst="rect">
+            <a:avLst/>
+          </a:prstGeom>
+          <a:noFill/>
+        </p:spPr>
+        <p:txBody>
+          <a:bodyPr wrap="none" rtlCol="0">
+            <a:spAutoFit/>
+          </a:bodyPr>
+          <a:lstStyle/>
+          <a:p>
+            <a:r>
+              <a:rPr lang="ja-JP" altLang="en-US" sz="2400"/>
+              <a:t>開発</a:t>
+            </a:r>
+            <a:endParaRPr kumimoji="1" lang="ja-JP" altLang="en-US" sz="2400"/>
+          </a:p>
+        </p:txBody>
+      </p:sp>
+      <p:sp>
+        <p:nvSpPr>
+          <p:cNvPr id="9" name="テキスト ボックス 8">
+            <a:extLst>
+              <a:ext uri="{FF2B5EF4-FFF2-40B4-BE49-F238E27FC236}">
+                <a16:creationId xmlns:a16="http://schemas.microsoft.com/office/drawing/2014/main" id="{454FF5B0-240D-4D3A-9C4C-9A43A278A404}"/>
+              </a:ext>
+            </a:extLst>
+          </p:cNvPr>
+          <p:cNvSpPr txBox="1"/>
+          <p:nvPr/>
+        </p:nvSpPr>
+        <p:spPr>
+          <a:xfrm>
+            <a:off x="2411760" y="4653136"/>
+            <a:ext cx="1415772" cy="461665"/>
+          </a:xfrm>
+          <a:prstGeom prst="rect">
+            <a:avLst/>
+          </a:prstGeom>
+          <a:noFill/>
+        </p:spPr>
+        <p:txBody>
+          <a:bodyPr wrap="none" rtlCol="0">
+            <a:spAutoFit/>
+          </a:bodyPr>
+          <a:lstStyle/>
+          <a:p>
+            <a:r>
+              <a:rPr lang="ja-JP" altLang="en-US" sz="2400">
+                <a:solidFill>
+                  <a:schemeClr val="bg1"/>
+                </a:solidFill>
+              </a:rPr>
+              <a:t>デバッグ</a:t>
+            </a:r>
+            <a:endParaRPr kumimoji="1" lang="ja-JP" altLang="en-US" sz="2400">
+              <a:solidFill>
+                <a:schemeClr val="bg1"/>
+              </a:solidFill>
+            </a:endParaRPr>
+          </a:p>
+        </p:txBody>
+      </p:sp>
+      <p:sp>
+        <p:nvSpPr>
+          <p:cNvPr id="10" name="テキスト ボックス 9">
+            <a:extLst>
+              <a:ext uri="{FF2B5EF4-FFF2-40B4-BE49-F238E27FC236}">
+                <a16:creationId xmlns:a16="http://schemas.microsoft.com/office/drawing/2014/main" id="{C8B82F57-5030-4C30-9B9B-CEFBDCB24540}"/>
+              </a:ext>
+            </a:extLst>
+          </p:cNvPr>
+          <p:cNvSpPr txBox="1"/>
+          <p:nvPr/>
+        </p:nvSpPr>
+        <p:spPr>
+          <a:xfrm>
+            <a:off x="6660232" y="4653136"/>
+            <a:ext cx="800219" cy="461665"/>
+          </a:xfrm>
+          <a:prstGeom prst="rect">
+            <a:avLst/>
+          </a:prstGeom>
+          <a:noFill/>
+        </p:spPr>
+        <p:txBody>
+          <a:bodyPr wrap="none" rtlCol="0">
+            <a:spAutoFit/>
+          </a:bodyPr>
+          <a:lstStyle/>
+          <a:p>
+            <a:r>
+              <a:rPr lang="ja-JP" altLang="en-US" sz="2400"/>
+              <a:t>開発</a:t>
+            </a:r>
+            <a:endParaRPr kumimoji="1" lang="ja-JP" altLang="en-US" sz="2400"/>
+          </a:p>
+        </p:txBody>
+      </p:sp>
+      <p:sp>
+        <p:nvSpPr>
+          <p:cNvPr id="11" name="正方形/長方形 10">
+            <a:extLst>
+              <a:ext uri="{FF2B5EF4-FFF2-40B4-BE49-F238E27FC236}">
+                <a16:creationId xmlns:a16="http://schemas.microsoft.com/office/drawing/2014/main" id="{3B9A3C06-5221-4800-A393-B0EB17F13BD0}"/>
+              </a:ext>
+            </a:extLst>
+          </p:cNvPr>
+          <p:cNvSpPr/>
+          <p:nvPr/>
+        </p:nvSpPr>
+        <p:spPr>
+          <a:xfrm>
+            <a:off x="6012160" y="4509120"/>
+            <a:ext cx="207640" cy="720080"/>
+          </a:xfrm>
+          <a:prstGeom prst="rect">
+            <a:avLst/>
+          </a:prstGeom>
+          <a:solidFill>
+            <a:srgbClr val="FF0000"/>
+          </a:solidFill>
+          <a:ln>
+            <a:solidFill>
+              <a:schemeClr val="tx1"/>
+            </a:solidFill>
+          </a:ln>
+        </p:spPr>
+        <p:style>
+          <a:lnRef idx="2">
+            <a:schemeClr val="accent1">
+              <a:shade val="50000"/>
+            </a:schemeClr>
+          </a:lnRef>
+          <a:fillRef idx="1">
+            <a:schemeClr val="accent1"/>
+          </a:fillRef>
+          <a:effectRef idx="0">
+            <a:schemeClr val="accent1"/>
+          </a:effectRef>
+          <a:fontRef idx="minor">
+            <a:schemeClr val="lt1"/>
+          </a:fontRef>
+        </p:style>
+        <p:txBody>
+          <a:bodyPr rtlCol="0" anchor="ctr"/>
+          <a:lstStyle/>
+          <a:p>
+            <a:pPr algn="ctr"/>
+            <a:endParaRPr kumimoji="1" lang="ja-JP" altLang="en-US"/>
+          </a:p>
+        </p:txBody>
+      </p:sp>
+      <p:sp>
+        <p:nvSpPr>
+          <p:cNvPr id="12" name="正方形/長方形 11">
+            <a:extLst>
+              <a:ext uri="{FF2B5EF4-FFF2-40B4-BE49-F238E27FC236}">
+                <a16:creationId xmlns:a16="http://schemas.microsoft.com/office/drawing/2014/main" id="{07085EE6-22C5-4BEC-BC75-0F5FD65A5117}"/>
+              </a:ext>
+            </a:extLst>
+          </p:cNvPr>
+          <p:cNvSpPr/>
+          <p:nvPr/>
+        </p:nvSpPr>
+        <p:spPr>
+          <a:xfrm>
+            <a:off x="7740352" y="4509120"/>
+            <a:ext cx="207640" cy="720080"/>
+          </a:xfrm>
+          <a:prstGeom prst="rect">
+            <a:avLst/>
+          </a:prstGeom>
+          <a:solidFill>
+            <a:srgbClr val="FF0000"/>
+          </a:solidFill>
+          <a:ln>
+            <a:solidFill>
+              <a:schemeClr val="tx1"/>
+            </a:solidFill>
+          </a:ln>
+        </p:spPr>
+        <p:style>
+          <a:lnRef idx="2">
+            <a:schemeClr val="accent1">
+              <a:shade val="50000"/>
+            </a:schemeClr>
+          </a:lnRef>
+          <a:fillRef idx="1">
+            <a:schemeClr val="accent1"/>
+          </a:fillRef>
+          <a:effectRef idx="0">
+            <a:schemeClr val="accent1"/>
+          </a:effectRef>
+          <a:fontRef idx="minor">
+            <a:schemeClr val="lt1"/>
+          </a:fontRef>
+        </p:style>
+        <p:txBody>
+          <a:bodyPr rtlCol="0" anchor="ctr"/>
+          <a:lstStyle/>
+          <a:p>
+            <a:pPr algn="ctr"/>
+            <a:endParaRPr kumimoji="1" lang="ja-JP" altLang="en-US"/>
+          </a:p>
+        </p:txBody>
+      </p:sp>
+      <p:sp>
+        <p:nvSpPr>
+          <p:cNvPr id="13" name="テキスト ボックス 12">
+            <a:extLst>
+              <a:ext uri="{FF2B5EF4-FFF2-40B4-BE49-F238E27FC236}">
+                <a16:creationId xmlns:a16="http://schemas.microsoft.com/office/drawing/2014/main" id="{65058B14-F2E7-4C3C-BBE6-32DAD28798F4}"/>
+              </a:ext>
+            </a:extLst>
+          </p:cNvPr>
+          <p:cNvSpPr txBox="1"/>
+          <p:nvPr/>
+        </p:nvSpPr>
+        <p:spPr>
+          <a:xfrm>
+            <a:off x="6300192" y="5661248"/>
+            <a:ext cx="1415772" cy="461665"/>
+          </a:xfrm>
+          <a:prstGeom prst="rect">
+            <a:avLst/>
+          </a:prstGeom>
+          <a:noFill/>
+        </p:spPr>
+        <p:txBody>
+          <a:bodyPr wrap="none" rtlCol="0">
+            <a:spAutoFit/>
+          </a:bodyPr>
+          <a:lstStyle/>
+          <a:p>
+            <a:r>
+              <a:rPr kumimoji="1" lang="ja-JP" altLang="en-US" sz="2400"/>
+              <a:t>デバッグ</a:t>
+            </a:r>
+          </a:p>
+        </p:txBody>
+      </p:sp>
+      <p:cxnSp>
+        <p:nvCxnSpPr>
+          <p:cNvPr id="14" name="コネクタ: カギ線 13">
+            <a:extLst>
+              <a:ext uri="{FF2B5EF4-FFF2-40B4-BE49-F238E27FC236}">
+                <a16:creationId xmlns:a16="http://schemas.microsoft.com/office/drawing/2014/main" id="{0D934BB0-37A7-4825-A476-B312523C3DB3}"/>
+              </a:ext>
+            </a:extLst>
+          </p:cNvPr>
+          <p:cNvCxnSpPr>
+            <a:stCxn id="13" idx="0"/>
+            <a:endCxn id="11" idx="2"/>
+          </p:cNvCxnSpPr>
+          <p:nvPr/>
+        </p:nvCxnSpPr>
+        <p:spPr>
+          <a:xfrm rot="16200000" flipV="1">
+            <a:off x="6346005" y="4999175"/>
+            <a:ext cx="432048" cy="892098"/>
+          </a:xfrm>
+          <a:prstGeom prst="bentConnector3">
+            <a:avLst/>
+          </a:prstGeom>
+          <a:ln w="12700">
+            <a:solidFill>
+              <a:schemeClr val="tx1"/>
+            </a:solidFill>
+            <a:tailEnd type="triangle"/>
+          </a:ln>
+        </p:spPr>
+        <p:style>
+          <a:lnRef idx="1">
+            <a:schemeClr val="accent1"/>
+          </a:lnRef>
+          <a:fillRef idx="0">
+            <a:schemeClr val="accent1"/>
+          </a:fillRef>
+          <a:effectRef idx="0">
+            <a:schemeClr val="accent1"/>
+          </a:effectRef>
+          <a:fontRef idx="minor">
+            <a:schemeClr val="tx1"/>
+          </a:fontRef>
+        </p:style>
+      </p:cxnSp>
+      <p:cxnSp>
+        <p:nvCxnSpPr>
+          <p:cNvPr id="15" name="コネクタ: カギ線 14">
+            <a:extLst>
+              <a:ext uri="{FF2B5EF4-FFF2-40B4-BE49-F238E27FC236}">
+                <a16:creationId xmlns:a16="http://schemas.microsoft.com/office/drawing/2014/main" id="{1F8B889D-18DE-43F9-85D1-CB3F54B143E2}"/>
+              </a:ext>
+            </a:extLst>
+          </p:cNvPr>
+          <p:cNvCxnSpPr>
+            <a:stCxn id="13" idx="0"/>
+            <a:endCxn id="12" idx="2"/>
+          </p:cNvCxnSpPr>
+          <p:nvPr/>
+        </p:nvCxnSpPr>
+        <p:spPr>
+          <a:xfrm rot="5400000" flipH="1" flipV="1">
+            <a:off x="7210101" y="5027177"/>
+            <a:ext cx="432048" cy="836094"/>
+          </a:xfrm>
+          <a:prstGeom prst="bentConnector3">
+            <a:avLst/>
+          </a:prstGeom>
+          <a:ln w="12700">
+            <a:solidFill>
+              <a:schemeClr val="tx1"/>
+            </a:solidFill>
+            <a:tailEnd type="triangle"/>
+          </a:ln>
+        </p:spPr>
+        <p:style>
+          <a:lnRef idx="1">
+            <a:schemeClr val="accent1"/>
+          </a:lnRef>
+          <a:fillRef idx="0">
+            <a:schemeClr val="accent1"/>
+          </a:fillRef>
+          <a:effectRef idx="0">
+            <a:schemeClr val="accent1"/>
+          </a:effectRef>
+          <a:fontRef idx="minor">
+            <a:schemeClr val="tx1"/>
+          </a:fontRef>
+        </p:style>
+      </p:cxnSp>
+      <p:cxnSp>
+        <p:nvCxnSpPr>
+          <p:cNvPr id="16" name="直線矢印コネクタ 15">
+            <a:extLst>
+              <a:ext uri="{FF2B5EF4-FFF2-40B4-BE49-F238E27FC236}">
+                <a16:creationId xmlns:a16="http://schemas.microsoft.com/office/drawing/2014/main" id="{A067068D-A826-4EE0-B151-9B2D4057B36D}"/>
+              </a:ext>
+            </a:extLst>
+          </p:cNvPr>
+          <p:cNvCxnSpPr/>
+          <p:nvPr/>
+        </p:nvCxnSpPr>
+        <p:spPr>
+          <a:xfrm flipH="1">
+            <a:off x="539552" y="4293096"/>
+            <a:ext cx="4320480" cy="0"/>
+          </a:xfrm>
+          <a:prstGeom prst="straightConnector1">
+            <a:avLst/>
+          </a:prstGeom>
+          <a:ln w="12700">
+            <a:solidFill>
+              <a:schemeClr val="tx1"/>
+            </a:solidFill>
+            <a:headEnd type="triangle"/>
+            <a:tailEnd type="triangle"/>
+          </a:ln>
+        </p:spPr>
+        <p:style>
+          <a:lnRef idx="1">
+            <a:schemeClr val="accent1"/>
+          </a:lnRef>
+          <a:fillRef idx="0">
+            <a:schemeClr val="accent1"/>
+          </a:fillRef>
+          <a:effectRef idx="0">
+            <a:schemeClr val="accent1"/>
+          </a:effectRef>
+          <a:fontRef idx="minor">
+            <a:schemeClr val="tx1"/>
+          </a:fontRef>
+        </p:style>
+      </p:cxnSp>
+      <p:sp>
+        <p:nvSpPr>
+          <p:cNvPr id="17" name="テキスト ボックス 16">
+            <a:extLst>
+              <a:ext uri="{FF2B5EF4-FFF2-40B4-BE49-F238E27FC236}">
+                <a16:creationId xmlns:a16="http://schemas.microsoft.com/office/drawing/2014/main" id="{1D5636A9-571E-4441-B509-47B20A3EE7A6}"/>
+              </a:ext>
+            </a:extLst>
+          </p:cNvPr>
+          <p:cNvSpPr txBox="1"/>
+          <p:nvPr/>
+        </p:nvSpPr>
+        <p:spPr>
+          <a:xfrm>
+            <a:off x="2051720" y="3861048"/>
+            <a:ext cx="1107996" cy="369332"/>
+          </a:xfrm>
+          <a:prstGeom prst="rect">
+            <a:avLst/>
+          </a:prstGeom>
+          <a:noFill/>
+        </p:spPr>
+        <p:txBody>
+          <a:bodyPr wrap="none" rtlCol="0">
+            <a:spAutoFit/>
+          </a:bodyPr>
+          <a:lstStyle/>
+          <a:p>
+            <a:r>
+              <a:rPr lang="ja-JP" altLang="en-US"/>
+              <a:t>作業時間</a:t>
+            </a:r>
+            <a:endParaRPr kumimoji="1" lang="ja-JP" altLang="en-US"/>
+          </a:p>
+        </p:txBody>
+      </p:sp>
+      <p:cxnSp>
+        <p:nvCxnSpPr>
+          <p:cNvPr id="18" name="直線矢印コネクタ 17">
+            <a:extLst>
+              <a:ext uri="{FF2B5EF4-FFF2-40B4-BE49-F238E27FC236}">
+                <a16:creationId xmlns:a16="http://schemas.microsoft.com/office/drawing/2014/main" id="{D88F2A05-FC38-4746-8B14-FECD077128E5}"/>
+              </a:ext>
+            </a:extLst>
+          </p:cNvPr>
+          <p:cNvCxnSpPr>
+            <a:cxnSpLocks/>
+          </p:cNvCxnSpPr>
+          <p:nvPr/>
+        </p:nvCxnSpPr>
+        <p:spPr>
+          <a:xfrm flipH="1">
+            <a:off x="539552" y="5373216"/>
+            <a:ext cx="1080120" cy="0"/>
+          </a:xfrm>
+          <a:prstGeom prst="straightConnector1">
+            <a:avLst/>
+          </a:prstGeom>
+          <a:ln w="12700">
+            <a:solidFill>
+              <a:schemeClr val="tx1"/>
+            </a:solidFill>
+            <a:headEnd type="triangle"/>
+            <a:tailEnd type="triangle"/>
+          </a:ln>
+        </p:spPr>
+        <p:style>
+          <a:lnRef idx="1">
+            <a:schemeClr val="accent1"/>
+          </a:lnRef>
+          <a:fillRef idx="0">
+            <a:schemeClr val="accent1"/>
+          </a:fillRef>
+          <a:effectRef idx="0">
+            <a:schemeClr val="accent1"/>
+          </a:effectRef>
+          <a:fontRef idx="minor">
+            <a:schemeClr val="tx1"/>
+          </a:fontRef>
+        </p:style>
+      </p:cxnSp>
+      <p:sp>
+        <p:nvSpPr>
+          <p:cNvPr id="19" name="テキスト ボックス 18">
+            <a:extLst>
+              <a:ext uri="{FF2B5EF4-FFF2-40B4-BE49-F238E27FC236}">
+                <a16:creationId xmlns:a16="http://schemas.microsoft.com/office/drawing/2014/main" id="{66329D4E-0AE0-48DC-A393-EBD907B88113}"/>
+              </a:ext>
+            </a:extLst>
+          </p:cNvPr>
+          <p:cNvSpPr txBox="1"/>
+          <p:nvPr/>
+        </p:nvSpPr>
+        <p:spPr>
+          <a:xfrm>
+            <a:off x="755576" y="5445224"/>
+            <a:ext cx="646331" cy="369332"/>
+          </a:xfrm>
+          <a:prstGeom prst="rect">
+            <a:avLst/>
+          </a:prstGeom>
+          <a:noFill/>
+        </p:spPr>
+        <p:txBody>
+          <a:bodyPr wrap="none" rtlCol="0">
+            <a:spAutoFit/>
+          </a:bodyPr>
+          <a:lstStyle/>
+          <a:p>
+            <a:r>
+              <a:rPr lang="ja-JP" altLang="en-US"/>
+              <a:t>進捗</a:t>
+            </a:r>
+            <a:endParaRPr kumimoji="1" lang="ja-JP" altLang="en-US"/>
+          </a:p>
+        </p:txBody>
+      </p:sp>
+      <p:cxnSp>
+        <p:nvCxnSpPr>
+          <p:cNvPr id="20" name="直線矢印コネクタ 19">
+            <a:extLst>
+              <a:ext uri="{FF2B5EF4-FFF2-40B4-BE49-F238E27FC236}">
+                <a16:creationId xmlns:a16="http://schemas.microsoft.com/office/drawing/2014/main" id="{9E1190EA-020D-4D97-8616-4806A7A89257}"/>
+              </a:ext>
+            </a:extLst>
+          </p:cNvPr>
+          <p:cNvCxnSpPr>
+            <a:cxnSpLocks/>
+          </p:cNvCxnSpPr>
+          <p:nvPr/>
+        </p:nvCxnSpPr>
+        <p:spPr>
+          <a:xfrm flipH="1">
+            <a:off x="5580112" y="4293096"/>
+            <a:ext cx="2880320" cy="0"/>
+          </a:xfrm>
+          <a:prstGeom prst="straightConnector1">
+            <a:avLst/>
+          </a:prstGeom>
+          <a:ln w="12700">
+            <a:solidFill>
+              <a:schemeClr val="tx1"/>
+            </a:solidFill>
+            <a:headEnd type="triangle"/>
+            <a:tailEnd type="triangle"/>
+          </a:ln>
+        </p:spPr>
+        <p:style>
+          <a:lnRef idx="1">
+            <a:schemeClr val="accent1"/>
+          </a:lnRef>
+          <a:fillRef idx="0">
+            <a:schemeClr val="accent1"/>
+          </a:fillRef>
+          <a:effectRef idx="0">
+            <a:schemeClr val="accent1"/>
+          </a:effectRef>
+          <a:fontRef idx="minor">
+            <a:schemeClr val="tx1"/>
+          </a:fontRef>
+        </p:style>
+      </p:cxnSp>
+      <p:sp>
+        <p:nvSpPr>
+          <p:cNvPr id="21" name="テキスト ボックス 20">
+            <a:extLst>
+              <a:ext uri="{FF2B5EF4-FFF2-40B4-BE49-F238E27FC236}">
+                <a16:creationId xmlns:a16="http://schemas.microsoft.com/office/drawing/2014/main" id="{875A1B7B-EEA4-4DB9-8F42-AE29FE524D3A}"/>
+              </a:ext>
+            </a:extLst>
+          </p:cNvPr>
+          <p:cNvSpPr txBox="1"/>
+          <p:nvPr/>
+        </p:nvSpPr>
+        <p:spPr>
+          <a:xfrm>
+            <a:off x="6444208" y="3861048"/>
+            <a:ext cx="1107996" cy="369332"/>
+          </a:xfrm>
+          <a:prstGeom prst="rect">
+            <a:avLst/>
+          </a:prstGeom>
+          <a:noFill/>
+        </p:spPr>
+        <p:txBody>
+          <a:bodyPr wrap="none" rtlCol="0">
+            <a:spAutoFit/>
+          </a:bodyPr>
+          <a:lstStyle/>
+          <a:p>
+            <a:r>
+              <a:rPr lang="ja-JP" altLang="en-US"/>
+              <a:t>作業時間</a:t>
+            </a:r>
+            <a:endParaRPr kumimoji="1" lang="ja-JP" altLang="en-US"/>
+          </a:p>
+        </p:txBody>
+      </p:sp>
+      <p:sp>
+        <p:nvSpPr>
+          <p:cNvPr id="23" name="テキスト ボックス 22">
+            <a:extLst>
+              <a:ext uri="{FF2B5EF4-FFF2-40B4-BE49-F238E27FC236}">
+                <a16:creationId xmlns:a16="http://schemas.microsoft.com/office/drawing/2014/main" id="{7A4C7134-DEF9-40FA-8E8E-8DBF1DBC031C}"/>
+              </a:ext>
+            </a:extLst>
+          </p:cNvPr>
+          <p:cNvSpPr txBox="1"/>
+          <p:nvPr/>
+        </p:nvSpPr>
+        <p:spPr>
+          <a:xfrm>
+            <a:off x="539552" y="1052736"/>
+            <a:ext cx="7263527" cy="830997"/>
+          </a:xfrm>
+          <a:prstGeom prst="rect">
+            <a:avLst/>
+          </a:prstGeom>
+          <a:noFill/>
+        </p:spPr>
+        <p:txBody>
+          <a:bodyPr wrap="none" rtlCol="0">
+            <a:spAutoFit/>
+          </a:bodyPr>
+          <a:lstStyle/>
+          <a:p>
+            <a:r>
+              <a:rPr lang="ja-JP" altLang="en-US" sz="2400"/>
+              <a:t>プログラミングが遅い人は「デバッグ時間」が長い</a:t>
+            </a:r>
+            <a:endParaRPr lang="en-US" altLang="ja-JP" sz="2400"/>
+          </a:p>
+          <a:p>
+            <a:r>
+              <a:rPr lang="ja-JP" altLang="en-US" sz="2400"/>
+              <a:t>プログラミングが早い人は「デバッグ時間」が短い</a:t>
+            </a:r>
+            <a:endParaRPr lang="en-US" altLang="ja-JP" sz="2400"/>
+          </a:p>
+        </p:txBody>
+      </p:sp>
+      <p:sp>
+        <p:nvSpPr>
+          <p:cNvPr id="24" name="テキスト ボックス 23">
+            <a:extLst>
+              <a:ext uri="{FF2B5EF4-FFF2-40B4-BE49-F238E27FC236}">
+                <a16:creationId xmlns:a16="http://schemas.microsoft.com/office/drawing/2014/main" id="{29BF8633-9654-4439-8669-5BAC6496EF13}"/>
+              </a:ext>
+            </a:extLst>
+          </p:cNvPr>
+          <p:cNvSpPr txBox="1"/>
+          <p:nvPr/>
+        </p:nvSpPr>
+        <p:spPr>
+          <a:xfrm>
+            <a:off x="323528" y="6381328"/>
+            <a:ext cx="7920880" cy="338554"/>
+          </a:xfrm>
+          <a:prstGeom prst="rect">
+            <a:avLst/>
+          </a:prstGeom>
+          <a:noFill/>
+        </p:spPr>
+        <p:txBody>
+          <a:bodyPr wrap="square" rtlCol="0">
+            <a:spAutoFit/>
+          </a:bodyPr>
+          <a:lstStyle/>
+          <a:p>
+            <a:r>
+              <a:rPr lang="ja-JP" altLang="en-US" sz="1600"/>
+              <a:t>左の人の方が「がんばっている」ように見えるが、右の人の方が作業は進んでいる</a:t>
+            </a:r>
+            <a:endParaRPr lang="en-US" sz="1600"/>
+          </a:p>
+        </p:txBody>
+      </p:sp>
+    </p:spTree>
+    <p:extLst>
+      <p:ext uri="{BB962C8B-B14F-4D97-AF65-F5344CB8AC3E}">
+        <p14:creationId xmlns:p14="http://schemas.microsoft.com/office/powerpoint/2010/main" val="1660981115"/>
+      </p:ext>
+    </p:extLst>
+  </p:cSld>
+  <p:clrMapOvr>
+    <a:masterClrMapping/>
+  </p:clrMapOvr>
+</p:sld>
+</file>
+
 <file path=ppt/slides/slide2.xml><?xml version="1.0" encoding="utf-8"?>
 <p:sld xmlns:a="http://schemas.openxmlformats.org/drawingml/2006/main" xmlns:r="http://schemas.openxmlformats.org/officeDocument/2006/relationships" xmlns:p="http://schemas.openxmlformats.org/presentationml/2006/main">
   <p:cSld>
@@ -2839,7 +6277,7 @@
         </p:nvSpPr>
         <p:spPr>
           <a:xfrm>
-            <a:off x="179512" y="1412776"/>
+            <a:off x="467544" y="1628800"/>
             <a:ext cx="8424101" cy="1015663"/>
           </a:xfrm>
           <a:prstGeom prst="rect">
@@ -2916,7 +6354,7 @@
         </p:blipFill>
         <p:spPr bwMode="auto">
           <a:xfrm>
-            <a:off x="5436096" y="3789040"/>
+            <a:off x="6372200" y="3861048"/>
             <a:ext cx="2337048" cy="2337048"/>
           </a:xfrm>
           <a:prstGeom prst="rect">
@@ -2934,6 +6372,200 @@
           </a:extLst>
         </p:spPr>
       </p:pic>
+      <p:sp>
+        <p:nvSpPr>
+          <p:cNvPr id="4" name="テキスト ボックス 3">
+            <a:extLst>
+              <a:ext uri="{FF2B5EF4-FFF2-40B4-BE49-F238E27FC236}">
+                <a16:creationId xmlns:a16="http://schemas.microsoft.com/office/drawing/2014/main" id="{0E7291CA-4330-4523-8671-88F7FE5B732E}"/>
+              </a:ext>
+            </a:extLst>
+          </p:cNvPr>
+          <p:cNvSpPr txBox="1"/>
+          <p:nvPr/>
+        </p:nvSpPr>
+        <p:spPr>
+          <a:xfrm>
+            <a:off x="107504" y="1124744"/>
+            <a:ext cx="4493538" cy="461665"/>
+          </a:xfrm>
+          <a:prstGeom prst="rect">
+            <a:avLst/>
+          </a:prstGeom>
+          <a:noFill/>
+        </p:spPr>
+        <p:txBody>
+          <a:bodyPr wrap="none" rtlCol="0">
+            <a:spAutoFit/>
+          </a:bodyPr>
+          <a:lstStyle/>
+          <a:p>
+            <a:r>
+              <a:rPr lang="ja-JP" altLang="en-US" sz="2400">
+                <a:solidFill>
+                  <a:srgbClr val="011893"/>
+                </a:solidFill>
+              </a:rPr>
+              <a:t>バージョン管理システムとは？</a:t>
+            </a:r>
+            <a:endParaRPr lang="en-US" sz="2400">
+              <a:solidFill>
+                <a:srgbClr val="011893"/>
+              </a:solidFill>
+            </a:endParaRPr>
+          </a:p>
+        </p:txBody>
+      </p:sp>
+      <p:sp>
+        <p:nvSpPr>
+          <p:cNvPr id="6" name="テキスト ボックス 5">
+            <a:extLst>
+              <a:ext uri="{FF2B5EF4-FFF2-40B4-BE49-F238E27FC236}">
+                <a16:creationId xmlns:a16="http://schemas.microsoft.com/office/drawing/2014/main" id="{6A643521-21B1-4D8D-A36B-DE817E8C1C63}"/>
+              </a:ext>
+            </a:extLst>
+          </p:cNvPr>
+          <p:cNvSpPr txBox="1"/>
+          <p:nvPr/>
+        </p:nvSpPr>
+        <p:spPr>
+          <a:xfrm>
+            <a:off x="179512" y="2996952"/>
+            <a:ext cx="3877985" cy="461665"/>
+          </a:xfrm>
+          <a:prstGeom prst="rect">
+            <a:avLst/>
+          </a:prstGeom>
+          <a:noFill/>
+        </p:spPr>
+        <p:txBody>
+          <a:bodyPr wrap="none" rtlCol="0">
+            <a:spAutoFit/>
+          </a:bodyPr>
+          <a:lstStyle/>
+          <a:p>
+            <a:r>
+              <a:rPr lang="ja-JP" altLang="en-US" sz="2400">
+                <a:solidFill>
+                  <a:srgbClr val="011893"/>
+                </a:solidFill>
+              </a:rPr>
+              <a:t>何ができるようになるの？</a:t>
+            </a:r>
+            <a:endParaRPr lang="en-US" sz="2400">
+              <a:solidFill>
+                <a:srgbClr val="011893"/>
+              </a:solidFill>
+            </a:endParaRPr>
+          </a:p>
+        </p:txBody>
+      </p:sp>
+      <p:sp>
+        <p:nvSpPr>
+          <p:cNvPr id="7" name="テキスト ボックス 6">
+            <a:extLst>
+              <a:ext uri="{FF2B5EF4-FFF2-40B4-BE49-F238E27FC236}">
+                <a16:creationId xmlns:a16="http://schemas.microsoft.com/office/drawing/2014/main" id="{34672979-5484-4367-B91F-8D781811B3B9}"/>
+              </a:ext>
+            </a:extLst>
+          </p:cNvPr>
+          <p:cNvSpPr txBox="1"/>
+          <p:nvPr/>
+        </p:nvSpPr>
+        <p:spPr>
+          <a:xfrm>
+            <a:off x="395536" y="3789040"/>
+            <a:ext cx="5346335" cy="1015663"/>
+          </a:xfrm>
+          <a:prstGeom prst="rect">
+            <a:avLst/>
+          </a:prstGeom>
+          <a:noFill/>
+        </p:spPr>
+        <p:txBody>
+          <a:bodyPr wrap="none" rtlCol="0">
+            <a:spAutoFit/>
+          </a:bodyPr>
+          <a:lstStyle/>
+          <a:p>
+            <a:pPr marL="285750" indent="-285750">
+              <a:buFont typeface="Arial" panose="020B0604020202020204" pitchFamily="34" charset="0"/>
+              <a:buChar char="•"/>
+            </a:pPr>
+            <a:r>
+              <a:rPr kumimoji="1" lang="ja-JP" altLang="en-US" sz="2000"/>
+              <a:t>任意の時点に状態を戻すことができる</a:t>
+            </a:r>
+            <a:endParaRPr kumimoji="1" lang="en-US" altLang="ja-JP" sz="2000"/>
+          </a:p>
+          <a:p>
+            <a:pPr marL="285750" indent="-285750">
+              <a:buFont typeface="Arial" panose="020B0604020202020204" pitchFamily="34" charset="0"/>
+              <a:buChar char="•"/>
+            </a:pPr>
+            <a:r>
+              <a:rPr lang="ja-JP" altLang="en-US" sz="2000"/>
+              <a:t>任意の時点間の差分を確認できる</a:t>
+            </a:r>
+            <a:endParaRPr lang="en-US" altLang="ja-JP" sz="2000"/>
+          </a:p>
+          <a:p>
+            <a:pPr marL="285750" indent="-285750">
+              <a:buFont typeface="Arial" panose="020B0604020202020204" pitchFamily="34" charset="0"/>
+              <a:buChar char="•"/>
+            </a:pPr>
+            <a:r>
+              <a:rPr lang="ja-JP" altLang="en-US" sz="2000"/>
+              <a:t>誰が、いつ、どこを修正したか確認できる</a:t>
+            </a:r>
+            <a:endParaRPr lang="en-US" altLang="ja-JP" sz="2000"/>
+          </a:p>
+        </p:txBody>
+      </p:sp>
+      <p:sp>
+        <p:nvSpPr>
+          <p:cNvPr id="5" name="テキスト ボックス 4">
+            <a:extLst>
+              <a:ext uri="{FF2B5EF4-FFF2-40B4-BE49-F238E27FC236}">
+                <a16:creationId xmlns:a16="http://schemas.microsoft.com/office/drawing/2014/main" id="{A8938FFD-AA54-4704-A832-24A979300647}"/>
+              </a:ext>
+            </a:extLst>
+          </p:cNvPr>
+          <p:cNvSpPr txBox="1"/>
+          <p:nvPr/>
+        </p:nvSpPr>
+        <p:spPr>
+          <a:xfrm>
+            <a:off x="251520" y="5301208"/>
+            <a:ext cx="5109091" cy="584775"/>
+          </a:xfrm>
+          <a:prstGeom prst="rect">
+            <a:avLst/>
+          </a:prstGeom>
+          <a:noFill/>
+        </p:spPr>
+        <p:txBody>
+          <a:bodyPr wrap="none" rtlCol="0">
+            <a:spAutoFit/>
+          </a:bodyPr>
+          <a:lstStyle/>
+          <a:p>
+            <a:r>
+              <a:rPr lang="ja-JP" altLang="en-US" sz="3200">
+                <a:solidFill>
+                  <a:srgbClr val="FF0000"/>
+                </a:solidFill>
+              </a:rPr>
+              <a:t>超優秀な秘書のようなもの</a:t>
+            </a:r>
+            <a:endParaRPr lang="en-US" sz="3200">
+              <a:solidFill>
+                <a:srgbClr val="FF0000"/>
+              </a:solidFill>
+            </a:endParaRPr>
+          </a:p>
+        </p:txBody>
+      </p:sp>
     </p:spTree>
     <p:extLst>
       <p:ext uri="{BB962C8B-B14F-4D97-AF65-F5344CB8AC3E}">
@@ -2969,7 +6601,7 @@
           <p:cNvPr id="2" name="テキスト プレースホルダー 1">
             <a:extLst>
               <a:ext uri="{FF2B5EF4-FFF2-40B4-BE49-F238E27FC236}">
-                <a16:creationId xmlns:a16="http://schemas.microsoft.com/office/drawing/2014/main" id="{A270B83B-447B-445C-9E88-EAA290256331}"/>
+                <a16:creationId xmlns:a16="http://schemas.microsoft.com/office/drawing/2014/main" id="{448473B5-DEF5-4849-B0A6-BFA9F127BE1B}"/>
               </a:ext>
             </a:extLst>
           </p:cNvPr>
@@ -2986,10 +6618,9 @@
           <a:lstStyle/>
           <a:p>
             <a:r>
-              <a:rPr lang="ja-JP" altLang="en-US"/>
-              <a:t>まとめ</a:t>
-            </a:r>
-            <a:endParaRPr kumimoji="1" lang="ja-JP" altLang="en-US"/>
+              <a:rPr kumimoji="1" lang="ja-JP" altLang="en-US"/>
+              <a:t>バージョン管理システム</a:t>
+            </a:r>
           </a:p>
         </p:txBody>
       </p:sp>
@@ -2998,7 +6629,7 @@
           <p:cNvPr id="3" name="テキスト ボックス 2">
             <a:extLst>
               <a:ext uri="{FF2B5EF4-FFF2-40B4-BE49-F238E27FC236}">
-                <a16:creationId xmlns:a16="http://schemas.microsoft.com/office/drawing/2014/main" id="{D019CF5E-6A8E-48FB-AFEE-8C575F13D3BA}"/>
+                <a16:creationId xmlns:a16="http://schemas.microsoft.com/office/drawing/2014/main" id="{8D78AA88-30DC-466E-9FD8-58596E4C34F4}"/>
               </a:ext>
             </a:extLst>
           </p:cNvPr>
@@ -3007,8 +6638,8 @@
         </p:nvSpPr>
         <p:spPr>
           <a:xfrm>
-            <a:off x="179512" y="1157843"/>
-            <a:ext cx="8392041" cy="584775"/>
+            <a:off x="395536" y="2060848"/>
+            <a:ext cx="7366119" cy="523220"/>
           </a:xfrm>
           <a:prstGeom prst="rect">
             <a:avLst/>
@@ -3022,10 +6653,77 @@
           <a:lstStyle/>
           <a:p>
             <a:r>
-              <a:rPr lang="ja-JP" altLang="en-US" sz="3200"/>
-              <a:t>研究発表は「自分の貢献」を明確に伝える場</a:t>
-            </a:r>
-            <a:endParaRPr kumimoji="1" lang="ja-JP" altLang="en-US" sz="3200"/>
+              <a:rPr lang="ja-JP" altLang="en-US" sz="2800"/>
+              <a:t>バージョン管理システム導入の二大メリット</a:t>
+            </a:r>
+            <a:endParaRPr lang="en-US" sz="2800"/>
+          </a:p>
+        </p:txBody>
+      </p:sp>
+      <p:sp>
+        <p:nvSpPr>
+          <p:cNvPr id="4" name="吹き出し: 四角形 3">
+            <a:extLst>
+              <a:ext uri="{FF2B5EF4-FFF2-40B4-BE49-F238E27FC236}">
+                <a16:creationId xmlns:a16="http://schemas.microsoft.com/office/drawing/2014/main" id="{0533BD44-31C9-4916-B8F0-DBA5030371E4}"/>
+              </a:ext>
+            </a:extLst>
+          </p:cNvPr>
+          <p:cNvSpPr/>
+          <p:nvPr/>
+        </p:nvSpPr>
+        <p:spPr>
+          <a:xfrm>
+            <a:off x="4572000" y="1268760"/>
+            <a:ext cx="914400" cy="612648"/>
+          </a:xfrm>
+          <a:prstGeom prst="wedgeRectCallout">
+            <a:avLst>
+              <a:gd name="adj1" fmla="val 44792"/>
+              <a:gd name="adj2" fmla="val 79602"/>
+            </a:avLst>
+          </a:prstGeom>
+          <a:noFill/>
+          <a:ln>
+            <a:solidFill>
+              <a:schemeClr val="tx1"/>
+            </a:solidFill>
+          </a:ln>
+        </p:spPr>
+        <p:style>
+          <a:lnRef idx="2">
+            <a:schemeClr val="accent1">
+              <a:shade val="50000"/>
+            </a:schemeClr>
+          </a:lnRef>
+          <a:fillRef idx="1">
+            <a:schemeClr val="accent1"/>
+          </a:fillRef>
+          <a:effectRef idx="0">
+            <a:schemeClr val="accent1"/>
+          </a:effectRef>
+          <a:fontRef idx="minor">
+            <a:schemeClr val="lt1"/>
+          </a:fontRef>
+        </p:style>
+        <p:txBody>
+          <a:bodyPr rtlCol="0" anchor="ctr"/>
+          <a:lstStyle/>
+          <a:p>
+            <a:pPr algn="ctr"/>
+            <a:r>
+              <a:rPr lang="ja-JP" altLang="en-US">
+                <a:solidFill>
+                  <a:schemeClr val="tx1"/>
+                </a:solidFill>
+              </a:rPr>
+              <a:t>渡辺が考える</a:t>
+            </a:r>
+            <a:endParaRPr kumimoji="1" lang="en-US">
+              <a:solidFill>
+                <a:schemeClr val="tx1"/>
+              </a:solidFill>
+            </a:endParaRPr>
           </a:p>
         </p:txBody>
       </p:sp>
@@ -3034,7 +6732,7 @@
           <p:cNvPr id="5" name="テキスト ボックス 4">
             <a:extLst>
               <a:ext uri="{FF2B5EF4-FFF2-40B4-BE49-F238E27FC236}">
-                <a16:creationId xmlns:a16="http://schemas.microsoft.com/office/drawing/2014/main" id="{E58075DB-F329-4F30-BB7C-3E11FDC8ACEA}"/>
+                <a16:creationId xmlns:a16="http://schemas.microsoft.com/office/drawing/2014/main" id="{0EA884F7-8809-4908-8CCC-00D05F29B1E4}"/>
               </a:ext>
             </a:extLst>
           </p:cNvPr>
@@ -3043,8 +6741,8 @@
         </p:nvSpPr>
         <p:spPr>
           <a:xfrm>
-            <a:off x="683568" y="1805915"/>
-            <a:ext cx="8084264" cy="830997"/>
+            <a:off x="971600" y="3429000"/>
+            <a:ext cx="2646878" cy="584775"/>
           </a:xfrm>
           <a:prstGeom prst="rect">
             <a:avLst/>
@@ -3058,29 +6756,10 @@
           <a:lstStyle/>
           <a:p>
             <a:r>
-              <a:rPr kumimoji="1" lang="ja-JP" altLang="en-US" sz="2400"/>
-              <a:t>背景、先行研究をちゃんと把握する</a:t>
-            </a:r>
-            <a:endParaRPr kumimoji="1" lang="en-US" altLang="ja-JP" sz="2400"/>
-          </a:p>
-          <a:p>
-            <a:r>
-              <a:rPr lang="en-US" altLang="ja-JP" sz="2400"/>
-              <a:t>(</a:t>
-            </a:r>
-            <a:r>
-              <a:rPr lang="ja-JP" altLang="en-US" sz="2400"/>
-              <a:t>自身の結果も含めた</a:t>
-            </a:r>
-            <a:r>
-              <a:rPr lang="en-US" altLang="ja-JP" sz="2400"/>
-              <a:t>)</a:t>
-            </a:r>
-            <a:r>
-              <a:rPr lang="ja-JP" altLang="en-US" sz="2400"/>
-              <a:t>研究のこれまで、これからを語る</a:t>
-            </a:r>
-            <a:endParaRPr kumimoji="1" lang="ja-JP" altLang="en-US" sz="2400"/>
+              <a:rPr lang="ja-JP" altLang="en-US" sz="3200"/>
+              <a:t>バックアップ</a:t>
+            </a:r>
+            <a:endParaRPr lang="en-US" sz="3200"/>
           </a:p>
         </p:txBody>
       </p:sp>
@@ -3089,7 +6768,7 @@
           <p:cNvPr id="6" name="テキスト ボックス 5">
             <a:extLst>
               <a:ext uri="{FF2B5EF4-FFF2-40B4-BE49-F238E27FC236}">
-                <a16:creationId xmlns:a16="http://schemas.microsoft.com/office/drawing/2014/main" id="{4C61B6E8-A169-45C8-9535-ABC4CF190D35}"/>
+                <a16:creationId xmlns:a16="http://schemas.microsoft.com/office/drawing/2014/main" id="{CF36ADA8-E163-4FBB-B9E4-38A1471B01A8}"/>
               </a:ext>
             </a:extLst>
           </p:cNvPr>
@@ -3098,8 +6777,8 @@
         </p:nvSpPr>
         <p:spPr>
           <a:xfrm>
-            <a:off x="179512" y="2924944"/>
-            <a:ext cx="5519460" cy="584775"/>
+            <a:off x="5724128" y="3429000"/>
+            <a:ext cx="1826141" cy="584775"/>
           </a:xfrm>
           <a:prstGeom prst="rect">
             <a:avLst/>
@@ -3113,158 +6792,19 @@
           <a:lstStyle/>
           <a:p>
             <a:r>
-              <a:rPr kumimoji="1" lang="ja-JP" altLang="en-US" sz="3200"/>
-              <a:t>ひとりよがりな発表を避ける</a:t>
-            </a:r>
-          </a:p>
-        </p:txBody>
-      </p:sp>
-      <p:sp>
-        <p:nvSpPr>
-          <p:cNvPr id="7" name="テキスト ボックス 6">
-            <a:extLst>
-              <a:ext uri="{FF2B5EF4-FFF2-40B4-BE49-F238E27FC236}">
-                <a16:creationId xmlns:a16="http://schemas.microsoft.com/office/drawing/2014/main" id="{6A361F99-D316-4E8C-9A23-6F390B959E5F}"/>
-              </a:ext>
-            </a:extLst>
-          </p:cNvPr>
-          <p:cNvSpPr txBox="1"/>
-          <p:nvPr/>
-        </p:nvSpPr>
-        <p:spPr>
-          <a:xfrm>
-            <a:off x="683568" y="3645024"/>
-            <a:ext cx="6647974" cy="830997"/>
-          </a:xfrm>
-          <a:prstGeom prst="rect">
-            <a:avLst/>
-          </a:prstGeom>
-          <a:noFill/>
-        </p:spPr>
-        <p:txBody>
-          <a:bodyPr wrap="none" rtlCol="0">
-            <a:spAutoFit/>
-          </a:bodyPr>
-          <a:lstStyle/>
-          <a:p>
-            <a:r>
-              <a:rPr lang="ja-JP" altLang="en-US" sz="2400"/>
-              <a:t>その用語の意味は聴衆と共有しているか？</a:t>
-            </a:r>
-            <a:endParaRPr lang="en-US" altLang="ja-JP" sz="2400"/>
-          </a:p>
-          <a:p>
-            <a:r>
-              <a:rPr kumimoji="1" lang="ja-JP" altLang="en-US" sz="2400"/>
-              <a:t>研究室内だけで伝わる話し方をしていないか？</a:t>
-            </a:r>
-          </a:p>
-        </p:txBody>
-      </p:sp>
-      <p:sp>
-        <p:nvSpPr>
-          <p:cNvPr id="8" name="テキスト ボックス 7">
-            <a:extLst>
-              <a:ext uri="{FF2B5EF4-FFF2-40B4-BE49-F238E27FC236}">
-                <a16:creationId xmlns:a16="http://schemas.microsoft.com/office/drawing/2014/main" id="{1182E29C-4C23-4AB8-95F9-FBCAFBCB43EB}"/>
-              </a:ext>
-            </a:extLst>
-          </p:cNvPr>
-          <p:cNvSpPr txBox="1"/>
-          <p:nvPr/>
-        </p:nvSpPr>
-        <p:spPr>
-          <a:xfrm>
-            <a:off x="179512" y="4797152"/>
-            <a:ext cx="2646878" cy="584775"/>
-          </a:xfrm>
-          <a:prstGeom prst="rect">
-            <a:avLst/>
-          </a:prstGeom>
-          <a:noFill/>
-        </p:spPr>
-        <p:txBody>
-          <a:bodyPr wrap="none" rtlCol="0">
-            <a:spAutoFit/>
-          </a:bodyPr>
-          <a:lstStyle/>
-          <a:p>
-            <a:r>
-              <a:rPr kumimoji="1" lang="ja-JP" altLang="en-US" sz="3200"/>
-              <a:t>とにかく練習</a:t>
-            </a:r>
-          </a:p>
-        </p:txBody>
-      </p:sp>
-      <p:sp>
-        <p:nvSpPr>
-          <p:cNvPr id="9" name="テキスト ボックス 8">
-            <a:extLst>
-              <a:ext uri="{FF2B5EF4-FFF2-40B4-BE49-F238E27FC236}">
-                <a16:creationId xmlns:a16="http://schemas.microsoft.com/office/drawing/2014/main" id="{139E4691-9818-4A0D-B263-AD659252F72F}"/>
-              </a:ext>
-            </a:extLst>
-          </p:cNvPr>
-          <p:cNvSpPr txBox="1"/>
-          <p:nvPr/>
-        </p:nvSpPr>
-        <p:spPr>
-          <a:xfrm>
-            <a:off x="755576" y="5445224"/>
-            <a:ext cx="6375463" cy="830997"/>
-          </a:xfrm>
-          <a:prstGeom prst="rect">
-            <a:avLst/>
-          </a:prstGeom>
-          <a:noFill/>
-        </p:spPr>
-        <p:txBody>
-          <a:bodyPr wrap="none" rtlCol="0">
-            <a:spAutoFit/>
-          </a:bodyPr>
-          <a:lstStyle/>
-          <a:p>
-            <a:r>
-              <a:rPr kumimoji="1" lang="ja-JP" altLang="en-US" sz="2400"/>
-              <a:t>時間を測って練習しないと</a:t>
-            </a:r>
-            <a:r>
-              <a:rPr kumimoji="1" lang="en-US" altLang="ja-JP" sz="2400">
-                <a:solidFill>
-                  <a:srgbClr val="FF0000"/>
-                </a:solidFill>
-              </a:rPr>
-              <a:t>10</a:t>
-            </a:r>
-            <a:r>
-              <a:rPr kumimoji="1" lang="ja-JP" altLang="en-US" sz="2400">
-                <a:solidFill>
-                  <a:srgbClr val="FF0000"/>
-                </a:solidFill>
-              </a:rPr>
-              <a:t>分発表は不可能</a:t>
-            </a:r>
-            <a:endParaRPr kumimoji="1" lang="en-US" altLang="ja-JP" sz="2400">
-              <a:solidFill>
-                <a:srgbClr val="FF0000"/>
-              </a:solidFill>
-            </a:endParaRPr>
-          </a:p>
-          <a:p>
-            <a:r>
-              <a:rPr kumimoji="1" lang="ja-JP" altLang="en-US" sz="2400"/>
-              <a:t>発表しやすいスライドを作る</a:t>
-            </a:r>
-            <a:endParaRPr kumimoji="1" lang="en-US" altLang="ja-JP" sz="2400"/>
+              <a:rPr lang="ja-JP" altLang="en-US" sz="3200"/>
+              <a:t>履歴保存</a:t>
+            </a:r>
+            <a:endParaRPr lang="en-US" sz="3200"/>
           </a:p>
         </p:txBody>
       </p:sp>
       <p:pic>
         <p:nvPicPr>
-          <p:cNvPr id="4098" name="Picture 2" descr="ボイストレーニングのイラスト（大人）">
-            <a:extLst>
-              <a:ext uri="{FF2B5EF4-FFF2-40B4-BE49-F238E27FC236}">
-                <a16:creationId xmlns:a16="http://schemas.microsoft.com/office/drawing/2014/main" id="{4700633C-71F8-41B0-AC4C-642EA4C36913}"/>
+          <p:cNvPr id="1026" name="Picture 2" descr="金庫のイラスト">
+            <a:extLst>
+              <a:ext uri="{FF2B5EF4-FFF2-40B4-BE49-F238E27FC236}">
+                <a16:creationId xmlns:a16="http://schemas.microsoft.com/office/drawing/2014/main" id="{FEA6BB1E-576C-4C4D-9BE0-9081A79D2E3D}"/>
               </a:ext>
             </a:extLst>
           </p:cNvPr>
@@ -3274,7 +6814,7 @@
           <p:nvPr/>
         </p:nvPicPr>
         <p:blipFill>
-          <a:blip r:embed="rId2" cstate="print">
+          <a:blip r:embed="rId2">
             <a:extLst>
               <a:ext uri="{28A0092B-C50C-407E-A947-70E740481C1C}">
                 <a14:useLocalDpi xmlns:a14="http://schemas.microsoft.com/office/drawing/2010/main" val="0"/>
@@ -3288,8 +6828,8 @@
         </p:blipFill>
         <p:spPr bwMode="auto">
           <a:xfrm>
-            <a:off x="7236296" y="4797152"/>
-            <a:ext cx="1750830" cy="1606873"/>
+            <a:off x="971600" y="4077072"/>
+            <a:ext cx="2625080" cy="2152566"/>
           </a:xfrm>
           <a:prstGeom prst="rect">
             <a:avLst/>
@@ -3306,10 +6846,978 @@
           </a:extLst>
         </p:spPr>
       </p:pic>
+      <p:pic>
+        <p:nvPicPr>
+          <p:cNvPr id="1028" name="Picture 4" descr="歪む時間のイラスト">
+            <a:extLst>
+              <a:ext uri="{FF2B5EF4-FFF2-40B4-BE49-F238E27FC236}">
+                <a16:creationId xmlns:a16="http://schemas.microsoft.com/office/drawing/2014/main" id="{17979437-0265-459B-A2D0-39F4D3437EF0}"/>
+              </a:ext>
+            </a:extLst>
+          </p:cNvPr>
+          <p:cNvPicPr>
+            <a:picLocks noChangeAspect="1" noChangeArrowheads="1"/>
+          </p:cNvPicPr>
+          <p:nvPr/>
+        </p:nvPicPr>
+        <p:blipFill>
+          <a:blip r:embed="rId3">
+            <a:extLst>
+              <a:ext uri="{28A0092B-C50C-407E-A947-70E740481C1C}">
+                <a14:useLocalDpi xmlns:a14="http://schemas.microsoft.com/office/drawing/2010/main" val="0"/>
+              </a:ext>
+            </a:extLst>
+          </a:blip>
+          <a:srcRect/>
+          <a:stretch>
+            <a:fillRect/>
+          </a:stretch>
+        </p:blipFill>
+        <p:spPr bwMode="auto">
+          <a:xfrm>
+            <a:off x="5580112" y="4077072"/>
+            <a:ext cx="2081808" cy="2081808"/>
+          </a:xfrm>
+          <a:prstGeom prst="rect">
+            <a:avLst/>
+          </a:prstGeom>
+          <a:noFill/>
+          <a:extLst>
+            <a:ext uri="{909E8E84-426E-40DD-AFC4-6F175D3DCCD1}">
+              <a14:hiddenFill xmlns:a14="http://schemas.microsoft.com/office/drawing/2010/main">
+                <a:solidFill>
+                  <a:srgbClr val="FFFFFF"/>
+                </a:solidFill>
+              </a14:hiddenFill>
+            </a:ext>
+          </a:extLst>
+        </p:spPr>
+      </p:pic>
     </p:spTree>
     <p:extLst>
       <p:ext uri="{BB962C8B-B14F-4D97-AF65-F5344CB8AC3E}">
-        <p14:creationId xmlns:p14="http://schemas.microsoft.com/office/powerpoint/2010/main" val="2206048799"/>
+        <p14:creationId xmlns:p14="http://schemas.microsoft.com/office/powerpoint/2010/main" val="1094683682"/>
+      </p:ext>
+    </p:extLst>
+  </p:cSld>
+  <p:clrMapOvr>
+    <a:masterClrMapping/>
+  </p:clrMapOvr>
+</p:sld>
+</file>
+
+<file path=ppt/slides/slide7.xml><?xml version="1.0" encoding="utf-8"?>
+<p:sld xmlns:a="http://schemas.openxmlformats.org/drawingml/2006/main" xmlns:r="http://schemas.openxmlformats.org/officeDocument/2006/relationships" xmlns:p="http://schemas.openxmlformats.org/presentationml/2006/main">
+  <p:cSld>
+    <p:spTree>
+      <p:nvGrpSpPr>
+        <p:cNvPr id="1" name=""/>
+        <p:cNvGrpSpPr/>
+        <p:nvPr/>
+      </p:nvGrpSpPr>
+      <p:grpSpPr>
+        <a:xfrm>
+          <a:off x="0" y="0"/>
+          <a:ext cx="0" cy="0"/>
+          <a:chOff x="0" y="0"/>
+          <a:chExt cx="0" cy="0"/>
+        </a:xfrm>
+      </p:grpSpPr>
+      <p:sp>
+        <p:nvSpPr>
+          <p:cNvPr id="2" name="テキスト プレースホルダー 1">
+            <a:extLst>
+              <a:ext uri="{FF2B5EF4-FFF2-40B4-BE49-F238E27FC236}">
+                <a16:creationId xmlns:a16="http://schemas.microsoft.com/office/drawing/2014/main" id="{3B071885-7823-4815-B476-39CA4B95401E}"/>
+              </a:ext>
+            </a:extLst>
+          </p:cNvPr>
+          <p:cNvSpPr>
+            <a:spLocks noGrp="1"/>
+          </p:cNvSpPr>
+          <p:nvPr>
+            <p:ph type="body" sz="quarter" idx="10"/>
+          </p:nvPr>
+        </p:nvSpPr>
+        <p:spPr/>
+        <p:txBody>
+          <a:bodyPr/>
+          <a:lstStyle/>
+          <a:p>
+            <a:r>
+              <a:rPr kumimoji="1" lang="ja-JP" altLang="en-US"/>
+              <a:t>バージョン管理システム</a:t>
+            </a:r>
+          </a:p>
+        </p:txBody>
+      </p:sp>
+      <p:pic>
+        <p:nvPicPr>
+          <p:cNvPr id="3" name="図 2">
+            <a:extLst>
+              <a:ext uri="{FF2B5EF4-FFF2-40B4-BE49-F238E27FC236}">
+                <a16:creationId xmlns:a16="http://schemas.microsoft.com/office/drawing/2014/main" id="{E9E89BE1-1C8F-4DCA-8A9B-E1361D246AB9}"/>
+              </a:ext>
+            </a:extLst>
+          </p:cNvPr>
+          <p:cNvPicPr>
+            <a:picLocks noChangeAspect="1"/>
+          </p:cNvPicPr>
+          <p:nvPr/>
+        </p:nvPicPr>
+        <p:blipFill>
+          <a:blip r:embed="rId2"/>
+          <a:stretch>
+            <a:fillRect/>
+          </a:stretch>
+        </p:blipFill>
+        <p:spPr>
+          <a:xfrm>
+            <a:off x="6084168" y="1268760"/>
+            <a:ext cx="2328019" cy="3816424"/>
+          </a:xfrm>
+          <a:prstGeom prst="rect">
+            <a:avLst/>
+          </a:prstGeom>
+        </p:spPr>
+      </p:pic>
+      <p:sp>
+        <p:nvSpPr>
+          <p:cNvPr id="4" name="テキスト ボックス 3">
+            <a:extLst>
+              <a:ext uri="{FF2B5EF4-FFF2-40B4-BE49-F238E27FC236}">
+                <a16:creationId xmlns:a16="http://schemas.microsoft.com/office/drawing/2014/main" id="{141E006E-A0E5-4803-8DE2-EA94734BD9F9}"/>
+              </a:ext>
+            </a:extLst>
+          </p:cNvPr>
+          <p:cNvSpPr txBox="1"/>
+          <p:nvPr/>
+        </p:nvSpPr>
+        <p:spPr>
+          <a:xfrm>
+            <a:off x="1741567" y="1772816"/>
+            <a:ext cx="4198585" cy="2800767"/>
+          </a:xfrm>
+          <a:prstGeom prst="rect">
+            <a:avLst/>
+          </a:prstGeom>
+          <a:noFill/>
+        </p:spPr>
+        <p:txBody>
+          <a:bodyPr wrap="none" rtlCol="0">
+            <a:spAutoFit/>
+          </a:bodyPr>
+          <a:lstStyle/>
+          <a:p>
+            <a:r>
+              <a:rPr kumimoji="1" lang="en-US" altLang="ja-JP" sz="4400"/>
+              <a:t>1. </a:t>
+            </a:r>
+            <a:r>
+              <a:rPr kumimoji="1" lang="ja-JP" altLang="en-US" sz="4400"/>
+              <a:t>結果の新規性</a:t>
+            </a:r>
+            <a:endParaRPr lang="en-US" altLang="ja-JP" sz="4400"/>
+          </a:p>
+          <a:p>
+            <a:r>
+              <a:rPr kumimoji="1" lang="en-US" altLang="ja-JP" sz="4400"/>
+              <a:t>2. </a:t>
+            </a:r>
+            <a:r>
+              <a:rPr kumimoji="1" lang="ja-JP" altLang="en-US" sz="4400"/>
+              <a:t>適切な引用</a:t>
+            </a:r>
+            <a:endParaRPr kumimoji="1" lang="en-US" altLang="ja-JP" sz="4400"/>
+          </a:p>
+          <a:p>
+            <a:r>
+              <a:rPr lang="en-US" altLang="ja-JP" sz="4400"/>
+              <a:t>3</a:t>
+            </a:r>
+            <a:r>
+              <a:rPr kumimoji="1" lang="en-US" altLang="ja-JP" sz="4400"/>
+              <a:t>. </a:t>
+            </a:r>
+            <a:r>
+              <a:rPr kumimoji="1" lang="ja-JP" altLang="en-US" sz="4400"/>
+              <a:t>体裁</a:t>
+            </a:r>
+            <a:endParaRPr kumimoji="1" lang="en-US" altLang="ja-JP" sz="4400"/>
+          </a:p>
+          <a:p>
+            <a:r>
+              <a:rPr lang="en-US" altLang="ja-JP" sz="4400"/>
+              <a:t>4. </a:t>
+            </a:r>
+            <a:r>
+              <a:rPr lang="ja-JP" altLang="en-US" sz="4400"/>
+              <a:t>ストーリー</a:t>
+            </a:r>
+            <a:endParaRPr kumimoji="1" lang="ja-JP" altLang="en-US" sz="4400">
+              <a:solidFill>
+                <a:srgbClr val="FF0000"/>
+              </a:solidFill>
+            </a:endParaRPr>
+          </a:p>
+        </p:txBody>
+      </p:sp>
+      <p:sp>
+        <p:nvSpPr>
+          <p:cNvPr id="5" name="正方形/長方形 4">
+            <a:extLst>
+              <a:ext uri="{FF2B5EF4-FFF2-40B4-BE49-F238E27FC236}">
+                <a16:creationId xmlns:a16="http://schemas.microsoft.com/office/drawing/2014/main" id="{F2B09734-529B-4EE8-9C39-30CB7F20133D}"/>
+              </a:ext>
+            </a:extLst>
+          </p:cNvPr>
+          <p:cNvSpPr/>
+          <p:nvPr/>
+        </p:nvSpPr>
+        <p:spPr>
+          <a:xfrm>
+            <a:off x="827584" y="1124744"/>
+            <a:ext cx="5245347" cy="584775"/>
+          </a:xfrm>
+          <a:prstGeom prst="rect">
+            <a:avLst/>
+          </a:prstGeom>
+        </p:spPr>
+        <p:txBody>
+          <a:bodyPr wrap="none">
+            <a:spAutoFit/>
+          </a:bodyPr>
+          <a:lstStyle/>
+          <a:p>
+            <a:r>
+              <a:rPr lang="en-US" altLang="ja-JP" sz="3200"/>
+              <a:t>Q: </a:t>
+            </a:r>
+            <a:r>
+              <a:rPr lang="ja-JP" altLang="en-US" sz="3200"/>
+              <a:t>卒論で一番大事なのは？</a:t>
+            </a:r>
+          </a:p>
+        </p:txBody>
+      </p:sp>
+    </p:spTree>
+    <p:extLst>
+      <p:ext uri="{BB962C8B-B14F-4D97-AF65-F5344CB8AC3E}">
+        <p14:creationId xmlns:p14="http://schemas.microsoft.com/office/powerpoint/2010/main" val="116578931"/>
+      </p:ext>
+    </p:extLst>
+  </p:cSld>
+  <p:clrMapOvr>
+    <a:masterClrMapping/>
+  </p:clrMapOvr>
+</p:sld>
+</file>
+
+<file path=ppt/slides/slide8.xml><?xml version="1.0" encoding="utf-8"?>
+<p:sld xmlns:a="http://schemas.openxmlformats.org/drawingml/2006/main" xmlns:r="http://schemas.openxmlformats.org/officeDocument/2006/relationships" xmlns:p="http://schemas.openxmlformats.org/presentationml/2006/main">
+  <p:cSld>
+    <p:spTree>
+      <p:nvGrpSpPr>
+        <p:cNvPr id="1" name=""/>
+        <p:cNvGrpSpPr/>
+        <p:nvPr/>
+      </p:nvGrpSpPr>
+      <p:grpSpPr>
+        <a:xfrm>
+          <a:off x="0" y="0"/>
+          <a:ext cx="0" cy="0"/>
+          <a:chOff x="0" y="0"/>
+          <a:chExt cx="0" cy="0"/>
+        </a:xfrm>
+      </p:grpSpPr>
+      <p:sp>
+        <p:nvSpPr>
+          <p:cNvPr id="2" name="テキスト プレースホルダー 1">
+            <a:extLst>
+              <a:ext uri="{FF2B5EF4-FFF2-40B4-BE49-F238E27FC236}">
+                <a16:creationId xmlns:a16="http://schemas.microsoft.com/office/drawing/2014/main" id="{97316304-85DE-419E-8837-CCC49C56A409}"/>
+              </a:ext>
+            </a:extLst>
+          </p:cNvPr>
+          <p:cNvSpPr>
+            <a:spLocks noGrp="1"/>
+          </p:cNvSpPr>
+          <p:nvPr>
+            <p:ph type="body" sz="quarter" idx="10"/>
+          </p:nvPr>
+        </p:nvSpPr>
+        <p:spPr/>
+        <p:txBody>
+          <a:bodyPr/>
+          <a:lstStyle/>
+          <a:p>
+            <a:r>
+              <a:rPr kumimoji="1" lang="ja-JP" altLang="en-US"/>
+              <a:t>バージョン管理システム</a:t>
+            </a:r>
+          </a:p>
+        </p:txBody>
+      </p:sp>
+      <p:sp>
+        <p:nvSpPr>
+          <p:cNvPr id="3" name="テキスト ボックス 2">
+            <a:extLst>
+              <a:ext uri="{FF2B5EF4-FFF2-40B4-BE49-F238E27FC236}">
+                <a16:creationId xmlns:a16="http://schemas.microsoft.com/office/drawing/2014/main" id="{D201217E-1623-43DC-8C6C-4C69413DD75B}"/>
+              </a:ext>
+            </a:extLst>
+          </p:cNvPr>
+          <p:cNvSpPr txBox="1"/>
+          <p:nvPr/>
+        </p:nvSpPr>
+        <p:spPr>
+          <a:xfrm>
+            <a:off x="1741567" y="1772816"/>
+            <a:ext cx="4198585" cy="3477875"/>
+          </a:xfrm>
+          <a:prstGeom prst="rect">
+            <a:avLst/>
+          </a:prstGeom>
+          <a:noFill/>
+        </p:spPr>
+        <p:txBody>
+          <a:bodyPr wrap="none" rtlCol="0">
+            <a:spAutoFit/>
+          </a:bodyPr>
+          <a:lstStyle/>
+          <a:p>
+            <a:r>
+              <a:rPr kumimoji="1" lang="en-US" altLang="ja-JP" sz="4400"/>
+              <a:t>1. </a:t>
+            </a:r>
+            <a:r>
+              <a:rPr kumimoji="1" lang="ja-JP" altLang="en-US" sz="4400"/>
+              <a:t>結果の新規性</a:t>
+            </a:r>
+            <a:endParaRPr lang="en-US" altLang="ja-JP" sz="4400"/>
+          </a:p>
+          <a:p>
+            <a:r>
+              <a:rPr kumimoji="1" lang="en-US" altLang="ja-JP" sz="4400"/>
+              <a:t>2. </a:t>
+            </a:r>
+            <a:r>
+              <a:rPr kumimoji="1" lang="ja-JP" altLang="en-US" sz="4400"/>
+              <a:t>適切な引用</a:t>
+            </a:r>
+            <a:endParaRPr kumimoji="1" lang="en-US" altLang="ja-JP" sz="4400"/>
+          </a:p>
+          <a:p>
+            <a:r>
+              <a:rPr lang="en-US" altLang="ja-JP" sz="4400"/>
+              <a:t>3</a:t>
+            </a:r>
+            <a:r>
+              <a:rPr kumimoji="1" lang="en-US" altLang="ja-JP" sz="4400"/>
+              <a:t>. </a:t>
+            </a:r>
+            <a:r>
+              <a:rPr kumimoji="1" lang="ja-JP" altLang="en-US" sz="4400"/>
+              <a:t>体裁</a:t>
+            </a:r>
+            <a:endParaRPr kumimoji="1" lang="en-US" altLang="ja-JP" sz="4400"/>
+          </a:p>
+          <a:p>
+            <a:r>
+              <a:rPr lang="en-US" altLang="ja-JP" sz="4400"/>
+              <a:t>4. </a:t>
+            </a:r>
+            <a:r>
+              <a:rPr lang="ja-JP" altLang="en-US" sz="4400"/>
+              <a:t>ストーリー</a:t>
+            </a:r>
+            <a:endParaRPr lang="en-US" altLang="ja-JP" sz="4400"/>
+          </a:p>
+          <a:p>
+            <a:r>
+              <a:rPr kumimoji="1" lang="en-US" altLang="ja-JP" sz="4400">
+                <a:solidFill>
+                  <a:srgbClr val="FF0000"/>
+                </a:solidFill>
+              </a:rPr>
+              <a:t>5. </a:t>
+            </a:r>
+            <a:r>
+              <a:rPr kumimoji="1" lang="ja-JP" altLang="en-US" sz="4400">
+                <a:solidFill>
+                  <a:srgbClr val="FF0000"/>
+                </a:solidFill>
+              </a:rPr>
+              <a:t>バックアップ</a:t>
+            </a:r>
+          </a:p>
+        </p:txBody>
+      </p:sp>
+      <p:pic>
+        <p:nvPicPr>
+          <p:cNvPr id="4" name="図 3">
+            <a:extLst>
+              <a:ext uri="{FF2B5EF4-FFF2-40B4-BE49-F238E27FC236}">
+                <a16:creationId xmlns:a16="http://schemas.microsoft.com/office/drawing/2014/main" id="{6A7A115F-102E-42E3-ACBD-189F6791C618}"/>
+              </a:ext>
+            </a:extLst>
+          </p:cNvPr>
+          <p:cNvPicPr>
+            <a:picLocks noChangeAspect="1"/>
+          </p:cNvPicPr>
+          <p:nvPr/>
+        </p:nvPicPr>
+        <p:blipFill>
+          <a:blip r:embed="rId2"/>
+          <a:stretch>
+            <a:fillRect/>
+          </a:stretch>
+        </p:blipFill>
+        <p:spPr>
+          <a:xfrm>
+            <a:off x="5940152" y="2276872"/>
+            <a:ext cx="2736304" cy="2736304"/>
+          </a:xfrm>
+          <a:prstGeom prst="rect">
+            <a:avLst/>
+          </a:prstGeom>
+        </p:spPr>
+      </p:pic>
+      <p:sp>
+        <p:nvSpPr>
+          <p:cNvPr id="5" name="テキスト ボックス 4">
+            <a:extLst>
+              <a:ext uri="{FF2B5EF4-FFF2-40B4-BE49-F238E27FC236}">
+                <a16:creationId xmlns:a16="http://schemas.microsoft.com/office/drawing/2014/main" id="{C5366186-DB50-48E7-A45D-DEDACD6A3686}"/>
+              </a:ext>
+            </a:extLst>
+          </p:cNvPr>
+          <p:cNvSpPr txBox="1"/>
+          <p:nvPr/>
+        </p:nvSpPr>
+        <p:spPr>
+          <a:xfrm>
+            <a:off x="175371" y="2853700"/>
+            <a:ext cx="1338828" cy="646331"/>
+          </a:xfrm>
+          <a:prstGeom prst="rect">
+            <a:avLst/>
+          </a:prstGeom>
+          <a:noFill/>
+        </p:spPr>
+        <p:txBody>
+          <a:bodyPr wrap="none" rtlCol="0">
+            <a:spAutoFit/>
+          </a:bodyPr>
+          <a:lstStyle/>
+          <a:p>
+            <a:r>
+              <a:rPr kumimoji="1" lang="ja-JP" altLang="en-US"/>
+              <a:t>もちろん</a:t>
+            </a:r>
+            <a:endParaRPr kumimoji="1" lang="en-US" altLang="ja-JP"/>
+          </a:p>
+          <a:p>
+            <a:r>
+              <a:rPr kumimoji="1" lang="ja-JP" altLang="en-US"/>
+              <a:t>大事ですが</a:t>
+            </a:r>
+          </a:p>
+        </p:txBody>
+      </p:sp>
+      <p:sp>
+        <p:nvSpPr>
+          <p:cNvPr id="6" name="左中かっこ 5">
+            <a:extLst>
+              <a:ext uri="{FF2B5EF4-FFF2-40B4-BE49-F238E27FC236}">
+                <a16:creationId xmlns:a16="http://schemas.microsoft.com/office/drawing/2014/main" id="{77A4D1E3-01CE-4283-BB4A-003DF94D4EC6}"/>
+              </a:ext>
+            </a:extLst>
+          </p:cNvPr>
+          <p:cNvSpPr/>
+          <p:nvPr/>
+        </p:nvSpPr>
+        <p:spPr>
+          <a:xfrm>
+            <a:off x="1453535" y="1916832"/>
+            <a:ext cx="432048" cy="2520280"/>
+          </a:xfrm>
+          <a:prstGeom prst="leftBrace">
+            <a:avLst/>
+          </a:prstGeom>
+          <a:ln>
+            <a:solidFill>
+              <a:schemeClr val="tx1"/>
+            </a:solidFill>
+            <a:headEnd type="none" w="med" len="med"/>
+            <a:tailEnd type="none" w="med" len="med"/>
+          </a:ln>
+        </p:spPr>
+        <p:style>
+          <a:lnRef idx="1">
+            <a:schemeClr val="accent1"/>
+          </a:lnRef>
+          <a:fillRef idx="0">
+            <a:schemeClr val="accent1"/>
+          </a:fillRef>
+          <a:effectRef idx="0">
+            <a:schemeClr val="accent1"/>
+          </a:effectRef>
+          <a:fontRef idx="minor">
+            <a:schemeClr val="tx1"/>
+          </a:fontRef>
+        </p:style>
+        <p:txBody>
+          <a:bodyPr rtlCol="0" anchor="ctr"/>
+          <a:lstStyle/>
+          <a:p>
+            <a:pPr algn="ctr"/>
+            <a:endParaRPr kumimoji="1" lang="ja-JP" altLang="en-US"/>
+          </a:p>
+        </p:txBody>
+      </p:sp>
+      <p:sp>
+        <p:nvSpPr>
+          <p:cNvPr id="7" name="テキスト ボックス 6">
+            <a:extLst>
+              <a:ext uri="{FF2B5EF4-FFF2-40B4-BE49-F238E27FC236}">
+                <a16:creationId xmlns:a16="http://schemas.microsoft.com/office/drawing/2014/main" id="{897912C7-5586-4612-9BBA-13AF05408FEF}"/>
+              </a:ext>
+            </a:extLst>
+          </p:cNvPr>
+          <p:cNvSpPr txBox="1"/>
+          <p:nvPr/>
+        </p:nvSpPr>
+        <p:spPr>
+          <a:xfrm>
+            <a:off x="827584" y="5733256"/>
+            <a:ext cx="7571303" cy="646331"/>
+          </a:xfrm>
+          <a:prstGeom prst="rect">
+            <a:avLst/>
+          </a:prstGeom>
+          <a:noFill/>
+        </p:spPr>
+        <p:txBody>
+          <a:bodyPr wrap="none" rtlCol="0">
+            <a:spAutoFit/>
+          </a:bodyPr>
+          <a:lstStyle/>
+          <a:p>
+            <a:r>
+              <a:rPr kumimoji="1" lang="ja-JP" altLang="en-US" sz="3600"/>
+              <a:t>期日までに提出することが最も大事</a:t>
+            </a:r>
+          </a:p>
+        </p:txBody>
+      </p:sp>
+      <p:sp>
+        <p:nvSpPr>
+          <p:cNvPr id="8" name="正方形/長方形 7">
+            <a:extLst>
+              <a:ext uri="{FF2B5EF4-FFF2-40B4-BE49-F238E27FC236}">
+                <a16:creationId xmlns:a16="http://schemas.microsoft.com/office/drawing/2014/main" id="{04DE26AC-3B83-4A93-8E0D-5D9565DDD6F8}"/>
+              </a:ext>
+            </a:extLst>
+          </p:cNvPr>
+          <p:cNvSpPr/>
+          <p:nvPr/>
+        </p:nvSpPr>
+        <p:spPr>
+          <a:xfrm>
+            <a:off x="827584" y="1124744"/>
+            <a:ext cx="5245347" cy="584775"/>
+          </a:xfrm>
+          <a:prstGeom prst="rect">
+            <a:avLst/>
+          </a:prstGeom>
+        </p:spPr>
+        <p:txBody>
+          <a:bodyPr wrap="none">
+            <a:spAutoFit/>
+          </a:bodyPr>
+          <a:lstStyle/>
+          <a:p>
+            <a:r>
+              <a:rPr lang="en-US" altLang="ja-JP" sz="3200"/>
+              <a:t>Q: </a:t>
+            </a:r>
+            <a:r>
+              <a:rPr lang="ja-JP" altLang="en-US" sz="3200"/>
+              <a:t>卒論で一番大事なのは？</a:t>
+            </a:r>
+          </a:p>
+        </p:txBody>
+      </p:sp>
+    </p:spTree>
+    <p:extLst>
+      <p:ext uri="{BB962C8B-B14F-4D97-AF65-F5344CB8AC3E}">
+        <p14:creationId xmlns:p14="http://schemas.microsoft.com/office/powerpoint/2010/main" val="3838938822"/>
+      </p:ext>
+    </p:extLst>
+  </p:cSld>
+  <p:clrMapOvr>
+    <a:masterClrMapping/>
+  </p:clrMapOvr>
+</p:sld>
+</file>
+
+<file path=ppt/slides/slide9.xml><?xml version="1.0" encoding="utf-8"?>
+<p:sld xmlns:a="http://schemas.openxmlformats.org/drawingml/2006/main" xmlns:r="http://schemas.openxmlformats.org/officeDocument/2006/relationships" xmlns:p="http://schemas.openxmlformats.org/presentationml/2006/main">
+  <p:cSld>
+    <p:spTree>
+      <p:nvGrpSpPr>
+        <p:cNvPr id="1" name=""/>
+        <p:cNvGrpSpPr/>
+        <p:nvPr/>
+      </p:nvGrpSpPr>
+      <p:grpSpPr>
+        <a:xfrm>
+          <a:off x="0" y="0"/>
+          <a:ext cx="0" cy="0"/>
+          <a:chOff x="0" y="0"/>
+          <a:chExt cx="0" cy="0"/>
+        </a:xfrm>
+      </p:grpSpPr>
+      <p:sp>
+        <p:nvSpPr>
+          <p:cNvPr id="2" name="テキスト プレースホルダー 1">
+            <a:extLst>
+              <a:ext uri="{FF2B5EF4-FFF2-40B4-BE49-F238E27FC236}">
+                <a16:creationId xmlns:a16="http://schemas.microsoft.com/office/drawing/2014/main" id="{9A70C189-0855-4AC7-8A02-643269D4AD4E}"/>
+              </a:ext>
+            </a:extLst>
+          </p:cNvPr>
+          <p:cNvSpPr>
+            <a:spLocks noGrp="1"/>
+          </p:cNvSpPr>
+          <p:nvPr>
+            <p:ph type="body" sz="quarter" idx="10"/>
+          </p:nvPr>
+        </p:nvSpPr>
+        <p:spPr/>
+        <p:txBody>
+          <a:bodyPr/>
+          <a:lstStyle/>
+          <a:p>
+            <a:r>
+              <a:rPr lang="ja-JP" altLang="en-US"/>
+              <a:t>バックアップ</a:t>
+            </a:r>
+            <a:endParaRPr lang="en-US"/>
+          </a:p>
+        </p:txBody>
+      </p:sp>
+      <p:sp>
+        <p:nvSpPr>
+          <p:cNvPr id="3" name="テキスト ボックス 2">
+            <a:extLst>
+              <a:ext uri="{FF2B5EF4-FFF2-40B4-BE49-F238E27FC236}">
+                <a16:creationId xmlns:a16="http://schemas.microsoft.com/office/drawing/2014/main" id="{0F408377-7388-4CD8-B5BC-2887B47BD6F5}"/>
+              </a:ext>
+            </a:extLst>
+          </p:cNvPr>
+          <p:cNvSpPr txBox="1"/>
+          <p:nvPr/>
+        </p:nvSpPr>
+        <p:spPr>
+          <a:xfrm>
+            <a:off x="2195736" y="5013176"/>
+            <a:ext cx="5929828" cy="1569660"/>
+          </a:xfrm>
+          <a:prstGeom prst="rect">
+            <a:avLst/>
+          </a:prstGeom>
+          <a:noFill/>
+        </p:spPr>
+        <p:txBody>
+          <a:bodyPr wrap="none" rtlCol="0">
+            <a:spAutoFit/>
+          </a:bodyPr>
+          <a:lstStyle/>
+          <a:p>
+            <a:r>
+              <a:rPr lang="ja-JP" altLang="en-US" sz="3200"/>
+              <a:t>バージョン管理システムとして</a:t>
+            </a:r>
+            <a:endParaRPr lang="en-US" altLang="ja-JP" sz="3200"/>
+          </a:p>
+          <a:p>
+            <a:r>
+              <a:rPr kumimoji="1" lang="en-US" altLang="ja-JP" sz="3200"/>
+              <a:t>Git/GitHub</a:t>
+            </a:r>
+            <a:r>
+              <a:rPr kumimoji="1" lang="ja-JP" altLang="en-US" sz="3200"/>
+              <a:t>を使うと上記要件を</a:t>
+            </a:r>
+            <a:endParaRPr kumimoji="1" lang="en-US" altLang="ja-JP" sz="3200"/>
+          </a:p>
+          <a:p>
+            <a:r>
+              <a:rPr lang="ja-JP" altLang="en-US" sz="3200"/>
+              <a:t>自動的に満たす</a:t>
+            </a:r>
+            <a:endParaRPr kumimoji="1" lang="ja-JP" altLang="en-US" sz="3200"/>
+          </a:p>
+        </p:txBody>
+      </p:sp>
+      <p:sp>
+        <p:nvSpPr>
+          <p:cNvPr id="4" name="テキスト ボックス 3">
+            <a:extLst>
+              <a:ext uri="{FF2B5EF4-FFF2-40B4-BE49-F238E27FC236}">
+                <a16:creationId xmlns:a16="http://schemas.microsoft.com/office/drawing/2014/main" id="{B53BCA68-C7C1-4A9E-A626-A1F165C4B688}"/>
+              </a:ext>
+            </a:extLst>
+          </p:cNvPr>
+          <p:cNvSpPr txBox="1"/>
+          <p:nvPr/>
+        </p:nvSpPr>
+        <p:spPr>
+          <a:xfrm>
+            <a:off x="179512" y="1124744"/>
+            <a:ext cx="5519460" cy="584775"/>
+          </a:xfrm>
+          <a:prstGeom prst="rect">
+            <a:avLst/>
+          </a:prstGeom>
+          <a:noFill/>
+        </p:spPr>
+        <p:txBody>
+          <a:bodyPr wrap="none" rtlCol="0">
+            <a:spAutoFit/>
+          </a:bodyPr>
+          <a:lstStyle/>
+          <a:p>
+            <a:r>
+              <a:rPr kumimoji="1" lang="ja-JP" altLang="en-US" sz="3200"/>
+              <a:t>バックアップは</a:t>
+            </a:r>
+            <a:r>
+              <a:rPr kumimoji="1" lang="ja-JP" altLang="en-US" sz="3200">
+                <a:solidFill>
+                  <a:srgbClr val="011893"/>
+                </a:solidFill>
+              </a:rPr>
+              <a:t>定期的</a:t>
+            </a:r>
+            <a:r>
+              <a:rPr kumimoji="1" lang="ja-JP" altLang="en-US" sz="3200"/>
+              <a:t>にとる</a:t>
+            </a:r>
+            <a:endParaRPr kumimoji="1" lang="en-US" altLang="ja-JP" sz="3200"/>
+          </a:p>
+        </p:txBody>
+      </p:sp>
+      <p:sp>
+        <p:nvSpPr>
+          <p:cNvPr id="5" name="テキスト ボックス 4">
+            <a:extLst>
+              <a:ext uri="{FF2B5EF4-FFF2-40B4-BE49-F238E27FC236}">
+                <a16:creationId xmlns:a16="http://schemas.microsoft.com/office/drawing/2014/main" id="{375F6861-1575-4BA7-8C94-14890CA4CE7E}"/>
+              </a:ext>
+            </a:extLst>
+          </p:cNvPr>
+          <p:cNvSpPr txBox="1"/>
+          <p:nvPr/>
+        </p:nvSpPr>
+        <p:spPr>
+          <a:xfrm>
+            <a:off x="971600" y="1844824"/>
+            <a:ext cx="7571303" cy="830997"/>
+          </a:xfrm>
+          <a:prstGeom prst="rect">
+            <a:avLst/>
+          </a:prstGeom>
+          <a:noFill/>
+        </p:spPr>
+        <p:txBody>
+          <a:bodyPr wrap="none" rtlCol="0">
+            <a:spAutoFit/>
+          </a:bodyPr>
+          <a:lstStyle/>
+          <a:p>
+            <a:r>
+              <a:rPr kumimoji="1" lang="ja-JP" altLang="en-US" sz="2400"/>
+              <a:t>バックアップ頻度＝データが飛んだ時の手戻りの時間</a:t>
+            </a:r>
+            <a:endParaRPr kumimoji="1" lang="en-US" altLang="ja-JP" sz="2400"/>
+          </a:p>
+          <a:p>
+            <a:r>
+              <a:rPr lang="ja-JP" altLang="en-US" sz="2400"/>
+              <a:t>最低でも毎日バックアップすること</a:t>
+            </a:r>
+            <a:endParaRPr kumimoji="1" lang="ja-JP" altLang="en-US" sz="2400"/>
+          </a:p>
+        </p:txBody>
+      </p:sp>
+      <p:sp>
+        <p:nvSpPr>
+          <p:cNvPr id="6" name="テキスト ボックス 5">
+            <a:extLst>
+              <a:ext uri="{FF2B5EF4-FFF2-40B4-BE49-F238E27FC236}">
+                <a16:creationId xmlns:a16="http://schemas.microsoft.com/office/drawing/2014/main" id="{E27C0401-4CC5-48DB-A0F9-652A15EAF35C}"/>
+              </a:ext>
+            </a:extLst>
+          </p:cNvPr>
+          <p:cNvSpPr txBox="1"/>
+          <p:nvPr/>
+        </p:nvSpPr>
+        <p:spPr>
+          <a:xfrm>
+            <a:off x="251520" y="2924944"/>
+            <a:ext cx="5929828" cy="584775"/>
+          </a:xfrm>
+          <a:prstGeom prst="rect">
+            <a:avLst/>
+          </a:prstGeom>
+          <a:noFill/>
+        </p:spPr>
+        <p:txBody>
+          <a:bodyPr wrap="none" rtlCol="0">
+            <a:spAutoFit/>
+          </a:bodyPr>
+          <a:lstStyle/>
+          <a:p>
+            <a:r>
+              <a:rPr kumimoji="1" lang="ja-JP" altLang="en-US" sz="3200"/>
+              <a:t>バックアップは</a:t>
+            </a:r>
+            <a:r>
+              <a:rPr kumimoji="1" lang="ja-JP" altLang="en-US" sz="3200">
+                <a:solidFill>
+                  <a:srgbClr val="011893"/>
+                </a:solidFill>
+              </a:rPr>
+              <a:t>リモート</a:t>
+            </a:r>
+            <a:r>
+              <a:rPr kumimoji="1" lang="ja-JP" altLang="en-US" sz="3200"/>
+              <a:t>にとる</a:t>
+            </a:r>
+            <a:endParaRPr kumimoji="1" lang="en-US" altLang="ja-JP" sz="3200"/>
+          </a:p>
+        </p:txBody>
+      </p:sp>
+      <p:sp>
+        <p:nvSpPr>
+          <p:cNvPr id="7" name="テキスト ボックス 6">
+            <a:extLst>
+              <a:ext uri="{FF2B5EF4-FFF2-40B4-BE49-F238E27FC236}">
+                <a16:creationId xmlns:a16="http://schemas.microsoft.com/office/drawing/2014/main" id="{F026D3F4-B4C4-4B82-8990-2B365D20EFB6}"/>
+              </a:ext>
+            </a:extLst>
+          </p:cNvPr>
+          <p:cNvSpPr txBox="1"/>
+          <p:nvPr/>
+        </p:nvSpPr>
+        <p:spPr>
+          <a:xfrm>
+            <a:off x="1043608" y="3645024"/>
+            <a:ext cx="6460423" cy="830997"/>
+          </a:xfrm>
+          <a:prstGeom prst="rect">
+            <a:avLst/>
+          </a:prstGeom>
+          <a:noFill/>
+        </p:spPr>
+        <p:txBody>
+          <a:bodyPr wrap="none" rtlCol="0">
+            <a:spAutoFit/>
+          </a:bodyPr>
+          <a:lstStyle/>
+          <a:p>
+            <a:r>
+              <a:rPr kumimoji="1" lang="ja-JP" altLang="en-US" sz="2400"/>
+              <a:t>自分の</a:t>
+            </a:r>
+            <a:r>
+              <a:rPr kumimoji="1" lang="en-US" altLang="ja-JP" sz="2400"/>
+              <a:t>PC</a:t>
+            </a:r>
+            <a:r>
+              <a:rPr kumimoji="1" lang="ja-JP" altLang="en-US" sz="2400"/>
+              <a:t>の別フォルダにコピーするのはダメ</a:t>
+            </a:r>
+            <a:endParaRPr kumimoji="1" lang="en-US" altLang="ja-JP" sz="2400"/>
+          </a:p>
+          <a:p>
+            <a:r>
+              <a:rPr lang="en-US" altLang="ja-JP" sz="2400"/>
+              <a:t>USB</a:t>
+            </a:r>
+            <a:r>
+              <a:rPr lang="ja-JP" altLang="en-US" sz="2400" err="1"/>
+              <a:t>への</a:t>
+            </a:r>
+            <a:r>
+              <a:rPr lang="ja-JP" altLang="en-US" sz="2400"/>
+              <a:t>コピーも信用できない</a:t>
+            </a:r>
+            <a:endParaRPr kumimoji="1" lang="ja-JP" altLang="en-US" sz="2400"/>
+          </a:p>
+        </p:txBody>
+      </p:sp>
+      <p:sp>
+        <p:nvSpPr>
+          <p:cNvPr id="8" name="右矢印 9">
+            <a:extLst>
+              <a:ext uri="{FF2B5EF4-FFF2-40B4-BE49-F238E27FC236}">
+                <a16:creationId xmlns:a16="http://schemas.microsoft.com/office/drawing/2014/main" id="{A1A360C6-5EB0-48CA-BF6F-AC8717D959D9}"/>
+              </a:ext>
+            </a:extLst>
+          </p:cNvPr>
+          <p:cNvSpPr/>
+          <p:nvPr/>
+        </p:nvSpPr>
+        <p:spPr>
+          <a:xfrm>
+            <a:off x="1331640" y="5517232"/>
+            <a:ext cx="576064" cy="556640"/>
+          </a:xfrm>
+          <a:prstGeom prst="rightArrow">
+            <a:avLst/>
+          </a:prstGeom>
+          <a:solidFill>
+            <a:srgbClr val="FF0000"/>
+          </a:solidFill>
+          <a:ln>
+            <a:solidFill>
+              <a:schemeClr val="tx1"/>
+            </a:solidFill>
+          </a:ln>
+        </p:spPr>
+        <p:style>
+          <a:lnRef idx="2">
+            <a:schemeClr val="accent1">
+              <a:shade val="50000"/>
+            </a:schemeClr>
+          </a:lnRef>
+          <a:fillRef idx="1">
+            <a:schemeClr val="accent1"/>
+          </a:fillRef>
+          <a:effectRef idx="0">
+            <a:schemeClr val="accent1"/>
+          </a:effectRef>
+          <a:fontRef idx="minor">
+            <a:schemeClr val="lt1"/>
+          </a:fontRef>
+        </p:style>
+        <p:txBody>
+          <a:bodyPr rtlCol="0" anchor="ctr"/>
+          <a:lstStyle/>
+          <a:p>
+            <a:pPr algn="ctr"/>
+            <a:endParaRPr kumimoji="1" lang="ja-JP" altLang="en-US"/>
+          </a:p>
+        </p:txBody>
+      </p:sp>
+    </p:spTree>
+    <p:extLst>
+      <p:ext uri="{BB962C8B-B14F-4D97-AF65-F5344CB8AC3E}">
+        <p14:creationId xmlns:p14="http://schemas.microsoft.com/office/powerpoint/2010/main" val="606513565"/>
       </p:ext>
     </p:extLst>
   </p:cSld>

--- a/vcs/fig/slide.pptx
+++ b/vcs/fig/slide.pptx
@@ -228,7 +228,7 @@
           </a:lstStyle>
           <a:p>
             <a:fld id="{6B8D1B20-A248-FB47-8240-73C0C5F47C9D}" type="datetimeFigureOut">
-              <a:t>9/25/2021</a:t>
+              <a:t>2021/9/27</a:t>
             </a:fld>
             <a:endParaRPr kumimoji="1" lang="ja-JP" altLang="en-US"/>
           </a:p>
@@ -16032,26 +16032,26 @@
               <a:buChar char="•"/>
             </a:pPr>
             <a:r>
-              <a:rPr lang="ja-JP" altLang="en-US" sz="2000"/>
+              <a:rPr lang="ja-JP" altLang="en-US" sz="2000" dirty="0"/>
               <a:t>一部の</a:t>
             </a:r>
             <a:r>
-              <a:rPr lang="en-US" altLang="ja-JP" sz="2000"/>
+              <a:rPr lang="en-US" altLang="ja-JP" sz="2000" dirty="0"/>
               <a:t>Linux</a:t>
             </a:r>
             <a:r>
-              <a:rPr lang="ja-JP" altLang="en-US" sz="2000"/>
+              <a:rPr lang="ja-JP" altLang="en-US" sz="2000" dirty="0"/>
               <a:t>開発者が</a:t>
             </a:r>
             <a:r>
-              <a:rPr lang="en-US" altLang="ja-JP" sz="2000"/>
+              <a:rPr lang="en-US" altLang="ja-JP" sz="2000" dirty="0" err="1"/>
               <a:t>BitKeeper</a:t>
             </a:r>
             <a:r>
-              <a:rPr lang="ja-JP" altLang="en-US" sz="2000"/>
+              <a:rPr lang="ja-JP" altLang="en-US" sz="2000" dirty="0"/>
               <a:t>をリバースエンジニアリング</a:t>
             </a:r>
-            <a:endParaRPr lang="en-US" altLang="ja-JP" sz="2000"/>
+            <a:endParaRPr lang="en-US" altLang="ja-JP" sz="2000" dirty="0"/>
           </a:p>
           <a:p>
             <a:pPr marL="342900" indent="-342900">
@@ -16059,30 +16059,30 @@
               <a:buChar char="•"/>
             </a:pPr>
             <a:r>
+              <a:rPr lang="en-US" altLang="ja-JP" sz="2000" dirty="0" err="1"/>
+              <a:t>BitKeeper</a:t>
+            </a:r>
+            <a:r>
+              <a:rPr lang="ja-JP" altLang="en-US" sz="2000" dirty="0"/>
+              <a:t>を使えなくなった</a:t>
+            </a:r>
+            <a:r>
               <a:rPr lang="en-US" altLang="ja-JP" sz="2000"/>
-              <a:t>BitKeeper</a:t>
-            </a:r>
-            <a:r>
-              <a:rPr lang="ja-JP" altLang="en-US" sz="2000"/>
-              <a:t>を使えなくなった</a:t>
-            </a:r>
-            <a:r>
-              <a:rPr lang="en-US" altLang="ja-JP" sz="2000"/>
-              <a:t>Linux</a:t>
+              <a:t>Linus</a:t>
             </a:r>
             <a:r>
               <a:rPr lang="ja-JP" altLang="en-US" sz="2000"/>
               <a:t>が</a:t>
             </a:r>
             <a:r>
-              <a:rPr lang="en-US" altLang="ja-JP" sz="2000"/>
+              <a:rPr lang="en-US" altLang="ja-JP" sz="2000" dirty="0"/>
               <a:t>Git</a:t>
             </a:r>
             <a:r>
-              <a:rPr lang="ja-JP" altLang="en-US" sz="2000"/>
+              <a:rPr lang="ja-JP" altLang="en-US" sz="2000" dirty="0"/>
               <a:t>を開発</a:t>
             </a:r>
-            <a:endParaRPr lang="en-US" altLang="ja-JP" sz="2000"/>
+            <a:endParaRPr lang="en-US" altLang="ja-JP" sz="2000" dirty="0"/>
           </a:p>
           <a:p>
             <a:pPr marL="342900" indent="-342900">
@@ -16090,10 +16090,10 @@
               <a:buChar char="•"/>
             </a:pPr>
             <a:r>
-              <a:rPr lang="ja-JP" altLang="en-US" sz="2000"/>
+              <a:rPr lang="ja-JP" altLang="en-US" sz="2000" dirty="0"/>
               <a:t>高速なブランチ切り替えやマージ</a:t>
             </a:r>
-            <a:endParaRPr lang="en-US" altLang="ja-JP" sz="2000"/>
+            <a:endParaRPr lang="en-US" altLang="ja-JP" sz="2000" dirty="0"/>
           </a:p>
         </p:txBody>
       </p:sp>

--- a/vcs/fig/slide.pptx
+++ b/vcs/fig/slide.pptx
@@ -228,7 +228,7 @@
           </a:lstStyle>
           <a:p>
             <a:fld id="{6B8D1B20-A248-FB47-8240-73C0C5F47C9D}" type="datetimeFigureOut">
-              <a:t>2021/9/27</a:t>
+              <a:t>2022/9/27</a:t>
             </a:fld>
             <a:endParaRPr kumimoji="1" lang="ja-JP" altLang="en-US"/>
           </a:p>
@@ -520,10 +520,54 @@
       </p:grpSpPr>
       <p:sp>
         <p:nvSpPr>
-          <p:cNvPr id="4" name="円/楕円 3">
-            <a:extLst>
-              <a:ext uri="{FF2B5EF4-FFF2-40B4-BE49-F238E27FC236}">
-                <a16:creationId xmlns:a16="http://schemas.microsoft.com/office/drawing/2014/main" id="{40BD511A-FE9E-B641-A323-1F2451D0C873}"/>
+          <p:cNvPr id="7" name="テキスト プレースホルダー 6">
+            <a:extLst>
+              <a:ext uri="{FF2B5EF4-FFF2-40B4-BE49-F238E27FC236}">
+                <a16:creationId xmlns:a16="http://schemas.microsoft.com/office/drawing/2014/main" id="{1977278B-6103-7448-8885-11FCA29D84A1}"/>
+              </a:ext>
+            </a:extLst>
+          </p:cNvPr>
+          <p:cNvSpPr>
+            <a:spLocks noGrp="1"/>
+          </p:cNvSpPr>
+          <p:nvPr>
+            <p:ph type="body" sz="quarter" idx="10"/>
+          </p:nvPr>
+        </p:nvSpPr>
+        <p:spPr>
+          <a:xfrm>
+            <a:off x="0" y="190133"/>
+            <a:ext cx="9144000" cy="754062"/>
+          </a:xfrm>
+          <a:prstGeom prst="rect">
+            <a:avLst/>
+          </a:prstGeom>
+        </p:spPr>
+        <p:txBody>
+          <a:bodyPr/>
+          <a:lstStyle>
+            <a:lvl1pPr marL="0" indent="0" algn="ctr">
+              <a:buNone/>
+              <a:defRPr sz="4000">
+                <a:ln>
+                  <a:solidFill>
+                    <a:srgbClr val="011893"/>
+                  </a:solidFill>
+                </a:ln>
+              </a:defRPr>
+            </a:lvl1pPr>
+          </a:lstStyle>
+          <a:p>
+            <a:endParaRPr kumimoji="1" lang="ja-JP" altLang="en-US"/>
+          </a:p>
+        </p:txBody>
+      </p:sp>
+      <p:sp>
+        <p:nvSpPr>
+          <p:cNvPr id="2" name="円/楕円 3">
+            <a:extLst>
+              <a:ext uri="{FF2B5EF4-FFF2-40B4-BE49-F238E27FC236}">
+                <a16:creationId xmlns:a16="http://schemas.microsoft.com/office/drawing/2014/main" id="{CDE809D1-218E-63FD-91C4-D6D842E83190}"/>
               </a:ext>
             </a:extLst>
           </p:cNvPr>
@@ -532,8 +576,8 @@
         </p:nvSpPr>
         <p:spPr>
           <a:xfrm>
-            <a:off x="8651631" y="6350558"/>
-            <a:ext cx="411982" cy="411982"/>
+            <a:off x="8497721" y="6230795"/>
+            <a:ext cx="531173" cy="531173"/>
           </a:xfrm>
           <a:prstGeom prst="ellipse">
             <a:avLst/>
@@ -581,10 +625,10 @@
       </p:sp>
       <p:sp>
         <p:nvSpPr>
-          <p:cNvPr id="5" name="テキスト ボックス 4">
-            <a:extLst>
-              <a:ext uri="{FF2B5EF4-FFF2-40B4-BE49-F238E27FC236}">
-                <a16:creationId xmlns:a16="http://schemas.microsoft.com/office/drawing/2014/main" id="{80A01A1C-B0C5-904D-963A-785848775F4A}"/>
+          <p:cNvPr id="3" name="テキスト ボックス 2">
+            <a:extLst>
+              <a:ext uri="{FF2B5EF4-FFF2-40B4-BE49-F238E27FC236}">
+                <a16:creationId xmlns:a16="http://schemas.microsoft.com/office/drawing/2014/main" id="{BDEF23ED-679B-AFA5-F04F-AB60A05DB698}"/>
               </a:ext>
             </a:extLst>
           </p:cNvPr>
@@ -593,7 +637,7 @@
         </p:nvSpPr>
         <p:spPr>
           <a:xfrm>
-            <a:off x="8661679" y="6400799"/>
+            <a:off x="8491428" y="6270575"/>
             <a:ext cx="401072" cy="307777"/>
           </a:xfrm>
           <a:prstGeom prst="rect">
@@ -613,51 +657,103 @@
               <a:pPr algn="ctr"/>
               <a:t>‹#›</a:t>
             </a:fld>
-            <a:endParaRPr kumimoji="1" lang="ja-JP" altLang="en-US" sz="1400"/>
-          </a:p>
-        </p:txBody>
-      </p:sp>
-      <p:sp>
-        <p:nvSpPr>
-          <p:cNvPr id="7" name="テキスト プレースホルダー 6">
-            <a:extLst>
-              <a:ext uri="{FF2B5EF4-FFF2-40B4-BE49-F238E27FC236}">
-                <a16:creationId xmlns:a16="http://schemas.microsoft.com/office/drawing/2014/main" id="{1977278B-6103-7448-8885-11FCA29D84A1}"/>
-              </a:ext>
-            </a:extLst>
-          </p:cNvPr>
-          <p:cNvSpPr>
-            <a:spLocks noGrp="1"/>
-          </p:cNvSpPr>
-          <p:nvPr>
-            <p:ph type="body" sz="quarter" idx="10"/>
-          </p:nvPr>
-        </p:nvSpPr>
-        <p:spPr>
-          <a:xfrm>
-            <a:off x="0" y="190133"/>
-            <a:ext cx="9144000" cy="754062"/>
+            <a:endParaRPr kumimoji="1" lang="ja-JP" altLang="en-US" sz="1400" dirty="0"/>
+          </a:p>
+        </p:txBody>
+      </p:sp>
+      <p:sp>
+        <p:nvSpPr>
+          <p:cNvPr id="6" name="弦 5">
+            <a:extLst>
+              <a:ext uri="{FF2B5EF4-FFF2-40B4-BE49-F238E27FC236}">
+                <a16:creationId xmlns:a16="http://schemas.microsoft.com/office/drawing/2014/main" id="{9B103AC7-3AF9-2CD8-494E-153643B2A8AA}"/>
+              </a:ext>
+            </a:extLst>
+          </p:cNvPr>
+          <p:cNvSpPr/>
+          <p:nvPr userDrawn="1"/>
+        </p:nvSpPr>
+        <p:spPr>
+          <a:xfrm rot="16200000">
+            <a:off x="8491626" y="6224701"/>
+            <a:ext cx="588253" cy="576063"/>
+          </a:xfrm>
+          <a:prstGeom prst="chord">
+            <a:avLst>
+              <a:gd name="adj1" fmla="val 2700000"/>
+              <a:gd name="adj2" fmla="val 14142403"/>
+            </a:avLst>
+          </a:prstGeom>
+          <a:solidFill>
+            <a:schemeClr val="bg1">
+              <a:lumMod val="65000"/>
+            </a:schemeClr>
+          </a:solidFill>
+          <a:ln>
+            <a:noFill/>
+          </a:ln>
+          <a:effectLst>
+            <a:softEdge rad="31750"/>
+          </a:effectLst>
+        </p:spPr>
+        <p:style>
+          <a:lnRef idx="2">
+            <a:schemeClr val="accent1">
+              <a:shade val="50000"/>
+            </a:schemeClr>
+          </a:lnRef>
+          <a:fillRef idx="1">
+            <a:schemeClr val="accent1"/>
+          </a:fillRef>
+          <a:effectRef idx="0">
+            <a:schemeClr val="accent1"/>
+          </a:effectRef>
+          <a:fontRef idx="minor">
+            <a:schemeClr val="lt1"/>
+          </a:fontRef>
+        </p:style>
+        <p:txBody>
+          <a:bodyPr rtlCol="0" anchor="ctr"/>
+          <a:lstStyle/>
+          <a:p>
+            <a:pPr algn="ctr"/>
+            <a:endParaRPr kumimoji="1" lang="ja-JP" altLang="en-US" dirty="0"/>
+          </a:p>
+        </p:txBody>
+      </p:sp>
+      <p:sp>
+        <p:nvSpPr>
+          <p:cNvPr id="8" name="テキスト ボックス 7">
+            <a:extLst>
+              <a:ext uri="{FF2B5EF4-FFF2-40B4-BE49-F238E27FC236}">
+                <a16:creationId xmlns:a16="http://schemas.microsoft.com/office/drawing/2014/main" id="{E3401ADB-CCC7-F2A7-92C7-0B2285D8DE9C}"/>
+              </a:ext>
+            </a:extLst>
+          </p:cNvPr>
+          <p:cNvSpPr txBox="1"/>
+          <p:nvPr userDrawn="1"/>
+        </p:nvSpPr>
+        <p:spPr>
+          <a:xfrm>
+            <a:off x="8596070" y="6442913"/>
+            <a:ext cx="496310" cy="307777"/>
           </a:xfrm>
           <a:prstGeom prst="rect">
             <a:avLst/>
           </a:prstGeom>
-        </p:spPr>
-        <p:txBody>
-          <a:bodyPr/>
-          <a:lstStyle>
-            <a:lvl1pPr marL="0" indent="0" algn="ctr">
-              <a:buNone/>
-              <a:defRPr sz="4000">
-                <a:ln>
-                  <a:solidFill>
-                    <a:srgbClr val="011893"/>
-                  </a:solidFill>
-                </a:ln>
-              </a:defRPr>
-            </a:lvl1pPr>
-          </a:lstStyle>
-          <a:p>
-            <a:endParaRPr kumimoji="1" lang="ja-JP" altLang="en-US"/>
+          <a:noFill/>
+        </p:spPr>
+        <p:txBody>
+          <a:bodyPr wrap="square" rtlCol="0">
+            <a:spAutoFit/>
+          </a:bodyPr>
+          <a:lstStyle/>
+          <a:p>
+            <a:pPr algn="ctr"/>
+            <a:r>
+              <a:rPr kumimoji="1" lang="en-US" altLang="ja-JP" sz="1400" dirty="0"/>
+              <a:t>22</a:t>
+            </a:r>
           </a:p>
         </p:txBody>
       </p:sp>
